--- a/nagoya-subway.pptx
+++ b/nagoya-subway.pptx
@@ -251,7 +251,7 @@
           <a:p>
             <a:fld id="{A025DA4D-8B6B-49D7-98BD-5C209811E027}" type="datetimeFigureOut">
               <a:rPr kumimoji="1" lang="ja-JP" altLang="en-US" smtClean="0"/>
-              <a:t>2019/3/16</a:t>
+              <a:t>2021/6/13</a:t>
             </a:fld>
             <a:endParaRPr kumimoji="1" lang="ja-JP" altLang="en-US"/>
           </a:p>
@@ -453,7 +453,7 @@
           <a:p>
             <a:fld id="{A025DA4D-8B6B-49D7-98BD-5C209811E027}" type="datetimeFigureOut">
               <a:rPr kumimoji="1" lang="ja-JP" altLang="en-US" smtClean="0"/>
-              <a:t>2019/3/16</a:t>
+              <a:t>2021/6/13</a:t>
             </a:fld>
             <a:endParaRPr kumimoji="1" lang="ja-JP" altLang="en-US"/>
           </a:p>
@@ -665,7 +665,7 @@
           <a:p>
             <a:fld id="{A025DA4D-8B6B-49D7-98BD-5C209811E027}" type="datetimeFigureOut">
               <a:rPr kumimoji="1" lang="ja-JP" altLang="en-US" smtClean="0"/>
-              <a:t>2019/3/16</a:t>
+              <a:t>2021/6/13</a:t>
             </a:fld>
             <a:endParaRPr kumimoji="1" lang="ja-JP" altLang="en-US"/>
           </a:p>
@@ -867,7 +867,7 @@
           <a:p>
             <a:fld id="{A025DA4D-8B6B-49D7-98BD-5C209811E027}" type="datetimeFigureOut">
               <a:rPr kumimoji="1" lang="ja-JP" altLang="en-US" smtClean="0"/>
-              <a:t>2019/3/16</a:t>
+              <a:t>2021/6/13</a:t>
             </a:fld>
             <a:endParaRPr kumimoji="1" lang="ja-JP" altLang="en-US"/>
           </a:p>
@@ -1111,7 +1111,7 @@
           <a:p>
             <a:fld id="{A025DA4D-8B6B-49D7-98BD-5C209811E027}" type="datetimeFigureOut">
               <a:rPr kumimoji="1" lang="ja-JP" altLang="en-US" smtClean="0"/>
-              <a:t>2019/3/16</a:t>
+              <a:t>2021/6/13</a:t>
             </a:fld>
             <a:endParaRPr kumimoji="1" lang="ja-JP" altLang="en-US"/>
           </a:p>
@@ -1407,7 +1407,7 @@
           <a:p>
             <a:fld id="{A025DA4D-8B6B-49D7-98BD-5C209811E027}" type="datetimeFigureOut">
               <a:rPr kumimoji="1" lang="ja-JP" altLang="en-US" smtClean="0"/>
-              <a:t>2019/3/16</a:t>
+              <a:t>2021/6/13</a:t>
             </a:fld>
             <a:endParaRPr kumimoji="1" lang="ja-JP" altLang="en-US"/>
           </a:p>
@@ -1838,7 +1838,7 @@
           <a:p>
             <a:fld id="{A025DA4D-8B6B-49D7-98BD-5C209811E027}" type="datetimeFigureOut">
               <a:rPr kumimoji="1" lang="ja-JP" altLang="en-US" smtClean="0"/>
-              <a:t>2019/3/16</a:t>
+              <a:t>2021/6/13</a:t>
             </a:fld>
             <a:endParaRPr kumimoji="1" lang="ja-JP" altLang="en-US"/>
           </a:p>
@@ -1956,7 +1956,7 @@
           <a:p>
             <a:fld id="{A025DA4D-8B6B-49D7-98BD-5C209811E027}" type="datetimeFigureOut">
               <a:rPr kumimoji="1" lang="ja-JP" altLang="en-US" smtClean="0"/>
-              <a:t>2019/3/16</a:t>
+              <a:t>2021/6/13</a:t>
             </a:fld>
             <a:endParaRPr kumimoji="1" lang="ja-JP" altLang="en-US"/>
           </a:p>
@@ -2051,7 +2051,7 @@
           <a:p>
             <a:fld id="{A025DA4D-8B6B-49D7-98BD-5C209811E027}" type="datetimeFigureOut">
               <a:rPr kumimoji="1" lang="ja-JP" altLang="en-US" smtClean="0"/>
-              <a:t>2019/3/16</a:t>
+              <a:t>2021/6/13</a:t>
             </a:fld>
             <a:endParaRPr kumimoji="1" lang="ja-JP" altLang="en-US"/>
           </a:p>
@@ -2360,7 +2360,7 @@
           <a:p>
             <a:fld id="{A025DA4D-8B6B-49D7-98BD-5C209811E027}" type="datetimeFigureOut">
               <a:rPr kumimoji="1" lang="ja-JP" altLang="en-US" smtClean="0"/>
-              <a:t>2019/3/16</a:t>
+              <a:t>2021/6/13</a:t>
             </a:fld>
             <a:endParaRPr kumimoji="1" lang="ja-JP" altLang="en-US"/>
           </a:p>
@@ -2617,7 +2617,7 @@
           <a:p>
             <a:fld id="{A025DA4D-8B6B-49D7-98BD-5C209811E027}" type="datetimeFigureOut">
               <a:rPr kumimoji="1" lang="ja-JP" altLang="en-US" smtClean="0"/>
-              <a:t>2019/3/16</a:t>
+              <a:t>2021/6/13</a:t>
             </a:fld>
             <a:endParaRPr kumimoji="1" lang="ja-JP" altLang="en-US"/>
           </a:p>
@@ -2862,7 +2862,7 @@
           <a:p>
             <a:fld id="{A025DA4D-8B6B-49D7-98BD-5C209811E027}" type="datetimeFigureOut">
               <a:rPr kumimoji="1" lang="ja-JP" altLang="en-US" smtClean="0"/>
-              <a:t>2019/3/16</a:t>
+              <a:t>2021/6/13</a:t>
             </a:fld>
             <a:endParaRPr kumimoji="1" lang="ja-JP" altLang="en-US"/>
           </a:p>
@@ -7746,85 +7746,19 @@
       </p:sp>
       <p:sp>
         <p:nvSpPr>
-          <p:cNvPr id="133" name="正方形/長方形 132">
-            <a:extLst>
-              <a:ext uri="{FF2B5EF4-FFF2-40B4-BE49-F238E27FC236}">
-                <a16:creationId xmlns:a16="http://schemas.microsoft.com/office/drawing/2014/main" id="{565A8B8B-AEFE-4F7F-A1E4-500AFCA13CF8}"/>
-              </a:ext>
-            </a:extLst>
-          </p:cNvPr>
-          <p:cNvSpPr/>
-          <p:nvPr/>
-        </p:nvSpPr>
-        <p:spPr>
-          <a:xfrm>
-            <a:off x="2556055" y="2987591"/>
-            <a:ext cx="359954" cy="215972"/>
-          </a:xfrm>
-          <a:prstGeom prst="rect">
-            <a:avLst/>
-          </a:prstGeom>
-          <a:solidFill>
-            <a:srgbClr val="F8AEAE"/>
-          </a:solidFill>
-          <a:ln>
-            <a:solidFill>
-              <a:srgbClr val="AF2121"/>
-            </a:solidFill>
-          </a:ln>
-        </p:spPr>
-        <p:style>
-          <a:lnRef idx="2">
-            <a:schemeClr val="accent5">
-              <a:shade val="50000"/>
-            </a:schemeClr>
-          </a:lnRef>
-          <a:fillRef idx="1">
-            <a:schemeClr val="accent5"/>
-          </a:fillRef>
-          <a:effectRef idx="0">
-            <a:schemeClr val="accent5"/>
-          </a:effectRef>
-          <a:fontRef idx="minor">
-            <a:schemeClr val="lt1"/>
-          </a:fontRef>
-        </p:style>
-        <p:txBody>
-          <a:bodyPr wrap="none" rtlCol="0" anchor="ctr"/>
-          <a:lstStyle/>
-          <a:p>
-            <a:pPr algn="ctr"/>
-            <a:r>
-              <a:rPr kumimoji="1" lang="en-US" altLang="ja-JP" sz="1200" b="1" dirty="0">
-                <a:solidFill>
-                  <a:schemeClr val="tx1"/>
-                </a:solidFill>
-              </a:rPr>
-              <a:t>73</a:t>
-            </a:r>
-            <a:endParaRPr kumimoji="1" lang="ja-JP" altLang="en-US" sz="1200" b="1" dirty="0">
-              <a:solidFill>
-                <a:schemeClr val="tx1"/>
-              </a:solidFill>
-            </a:endParaRPr>
-          </a:p>
-        </p:txBody>
-      </p:sp>
-      <p:sp>
-        <p:nvSpPr>
-          <p:cNvPr id="134" name="正方形/長方形 133">
-            <a:extLst>
-              <a:ext uri="{FF2B5EF4-FFF2-40B4-BE49-F238E27FC236}">
-                <a16:creationId xmlns:a16="http://schemas.microsoft.com/office/drawing/2014/main" id="{FC0146E5-C131-4FCB-8E92-CECAEC9D0AE5}"/>
-              </a:ext>
-            </a:extLst>
-          </p:cNvPr>
-          <p:cNvSpPr/>
-          <p:nvPr/>
-        </p:nvSpPr>
-        <p:spPr>
-          <a:xfrm>
-            <a:off x="2268093" y="2555646"/>
+          <p:cNvPr id="135" name="正方形/長方形 134">
+            <a:extLst>
+              <a:ext uri="{FF2B5EF4-FFF2-40B4-BE49-F238E27FC236}">
+                <a16:creationId xmlns:a16="http://schemas.microsoft.com/office/drawing/2014/main" id="{CC793828-2DD3-45FE-8ECD-B90729EDD06E}"/>
+              </a:ext>
+            </a:extLst>
+          </p:cNvPr>
+          <p:cNvSpPr/>
+          <p:nvPr/>
+        </p:nvSpPr>
+        <p:spPr>
+          <a:xfrm>
+            <a:off x="2268093" y="1835739"/>
             <a:ext cx="215972" cy="359954"/>
           </a:xfrm>
           <a:prstGeom prst="rect">
@@ -7868,7 +7802,7 @@
                   </a:schemeClr>
                 </a:solidFill>
               </a:rPr>
-              <a:t>34</a:t>
+              <a:t>21</a:t>
             </a:r>
             <a:endParaRPr kumimoji="1" lang="ja-JP" altLang="en-US" sz="1200" b="1" dirty="0">
               <a:solidFill>
@@ -7882,20 +7816,86 @@
       </p:sp>
       <p:sp>
         <p:nvSpPr>
-          <p:cNvPr id="135" name="正方形/長方形 134">
-            <a:extLst>
-              <a:ext uri="{FF2B5EF4-FFF2-40B4-BE49-F238E27FC236}">
-                <a16:creationId xmlns:a16="http://schemas.microsoft.com/office/drawing/2014/main" id="{CC793828-2DD3-45FE-8ECD-B90729EDD06E}"/>
-              </a:ext>
-            </a:extLst>
-          </p:cNvPr>
-          <p:cNvSpPr/>
-          <p:nvPr/>
-        </p:nvSpPr>
-        <p:spPr>
-          <a:xfrm>
-            <a:off x="2268093" y="1835739"/>
-            <a:ext cx="215972" cy="359954"/>
+          <p:cNvPr id="136" name="正方形/長方形 135">
+            <a:extLst>
+              <a:ext uri="{FF2B5EF4-FFF2-40B4-BE49-F238E27FC236}">
+                <a16:creationId xmlns:a16="http://schemas.microsoft.com/office/drawing/2014/main" id="{4986F25B-6C4C-4CF5-98BC-9E8E883CAC21}"/>
+              </a:ext>
+            </a:extLst>
+          </p:cNvPr>
+          <p:cNvSpPr/>
+          <p:nvPr/>
+        </p:nvSpPr>
+        <p:spPr>
+          <a:xfrm rot="2700000">
+            <a:off x="1665060" y="1190006"/>
+            <a:ext cx="706496" cy="215972"/>
+          </a:xfrm>
+          <a:prstGeom prst="rect">
+            <a:avLst/>
+          </a:prstGeom>
+          <a:solidFill>
+            <a:srgbClr val="F8AEAE"/>
+          </a:solidFill>
+          <a:ln>
+            <a:solidFill>
+              <a:srgbClr val="AF2121"/>
+            </a:solidFill>
+          </a:ln>
+        </p:spPr>
+        <p:style>
+          <a:lnRef idx="2">
+            <a:schemeClr val="accent2">
+              <a:shade val="50000"/>
+            </a:schemeClr>
+          </a:lnRef>
+          <a:fillRef idx="1">
+            <a:schemeClr val="accent2"/>
+          </a:fillRef>
+          <a:effectRef idx="0">
+            <a:schemeClr val="accent2"/>
+          </a:effectRef>
+          <a:fontRef idx="minor">
+            <a:schemeClr val="lt1"/>
+          </a:fontRef>
+        </p:style>
+        <p:txBody>
+          <a:bodyPr wrap="none" rtlCol="0" anchor="ctr"/>
+          <a:lstStyle/>
+          <a:p>
+            <a:pPr algn="ctr"/>
+            <a:r>
+              <a:rPr kumimoji="1" lang="en-US" altLang="ja-JP" sz="1200" b="1" dirty="0">
+                <a:solidFill>
+                  <a:schemeClr val="tx1"/>
+                </a:solidFill>
+              </a:rPr>
+              <a:t>30</a:t>
+            </a:r>
+            <a:endParaRPr kumimoji="1" lang="ja-JP" altLang="en-US" sz="1200" b="1" dirty="0">
+              <a:solidFill>
+                <a:schemeClr val="tx1"/>
+              </a:solidFill>
+            </a:endParaRPr>
+          </a:p>
+        </p:txBody>
+      </p:sp>
+      <p:sp>
+        <p:nvSpPr>
+          <p:cNvPr id="137" name="正方形/長方形 136">
+            <a:extLst>
+              <a:ext uri="{FF2B5EF4-FFF2-40B4-BE49-F238E27FC236}">
+                <a16:creationId xmlns:a16="http://schemas.microsoft.com/office/drawing/2014/main" id="{7539EB0F-4B89-4B69-93C4-A30463118143}"/>
+              </a:ext>
+            </a:extLst>
+          </p:cNvPr>
+          <p:cNvSpPr/>
+          <p:nvPr/>
+        </p:nvSpPr>
+        <p:spPr>
+          <a:xfrm>
+            <a:off x="1116241" y="827869"/>
+            <a:ext cx="359954" cy="215972"/>
           </a:xfrm>
           <a:prstGeom prst="rect">
             <a:avLst/>
@@ -7938,7 +7938,7 @@
                   </a:schemeClr>
                 </a:solidFill>
               </a:rPr>
-              <a:t>21</a:t>
+              <a:t>9</a:t>
             </a:r>
             <a:endParaRPr kumimoji="1" lang="ja-JP" altLang="en-US" sz="1200" b="1" dirty="0">
               <a:solidFill>
@@ -7952,44 +7952,44 @@
       </p:sp>
       <p:sp>
         <p:nvSpPr>
-          <p:cNvPr id="136" name="正方形/長方形 135">
-            <a:extLst>
-              <a:ext uri="{FF2B5EF4-FFF2-40B4-BE49-F238E27FC236}">
-                <a16:creationId xmlns:a16="http://schemas.microsoft.com/office/drawing/2014/main" id="{4986F25B-6C4C-4CF5-98BC-9E8E883CAC21}"/>
-              </a:ext>
-            </a:extLst>
-          </p:cNvPr>
-          <p:cNvSpPr/>
-          <p:nvPr/>
-        </p:nvSpPr>
-        <p:spPr>
-          <a:xfrm rot="2700000">
-            <a:off x="1665060" y="1190006"/>
-            <a:ext cx="706496" cy="215972"/>
-          </a:xfrm>
-          <a:prstGeom prst="rect">
-            <a:avLst/>
-          </a:prstGeom>
-          <a:solidFill>
-            <a:srgbClr val="F8AEAE"/>
+          <p:cNvPr id="139" name="正方形/長方形 138">
+            <a:extLst>
+              <a:ext uri="{FF2B5EF4-FFF2-40B4-BE49-F238E27FC236}">
+                <a16:creationId xmlns:a16="http://schemas.microsoft.com/office/drawing/2014/main" id="{5E6A8FFB-5F17-4662-8B4C-6C7B558ED31D}"/>
+              </a:ext>
+            </a:extLst>
+          </p:cNvPr>
+          <p:cNvSpPr/>
+          <p:nvPr/>
+        </p:nvSpPr>
+        <p:spPr>
+          <a:xfrm>
+            <a:off x="2556055" y="2267683"/>
+            <a:ext cx="359954" cy="215972"/>
+          </a:xfrm>
+          <a:prstGeom prst="rect">
+            <a:avLst/>
+          </a:prstGeom>
+          <a:solidFill>
+            <a:srgbClr val="B6D8F6"/>
           </a:solidFill>
           <a:ln>
             <a:solidFill>
-              <a:srgbClr val="AF2121"/>
+              <a:srgbClr val="2C72B2"/>
             </a:solidFill>
           </a:ln>
         </p:spPr>
         <p:style>
           <a:lnRef idx="2">
-            <a:schemeClr val="accent2">
-              <a:shade val="50000"/>
-            </a:schemeClr>
-          </a:lnRef>
-          <a:fillRef idx="1">
-            <a:schemeClr val="accent2"/>
-          </a:fillRef>
-          <a:effectRef idx="0">
-            <a:schemeClr val="accent2"/>
+            <a:schemeClr val="accent5">
+              <a:shade val="50000"/>
+            </a:schemeClr>
+          </a:lnRef>
+          <a:fillRef idx="1">
+            <a:schemeClr val="accent5"/>
+          </a:fillRef>
+          <a:effectRef idx="0">
+            <a:schemeClr val="accent5"/>
           </a:effectRef>
           <a:fontRef idx="minor">
             <a:schemeClr val="lt1"/>
@@ -8006,7 +8006,7 @@
                   <a:schemeClr val="tx1"/>
                 </a:solidFill>
               </a:rPr>
-              <a:t>30</a:t>
+              <a:t>31</a:t>
             </a:r>
             <a:endParaRPr kumimoji="1" lang="ja-JP" altLang="en-US" sz="1200" b="1" dirty="0">
               <a:solidFill>
@@ -8018,20 +8018,152 @@
       </p:sp>
       <p:sp>
         <p:nvSpPr>
-          <p:cNvPr id="137" name="正方形/長方形 136">
-            <a:extLst>
-              <a:ext uri="{FF2B5EF4-FFF2-40B4-BE49-F238E27FC236}">
-                <a16:creationId xmlns:a16="http://schemas.microsoft.com/office/drawing/2014/main" id="{7539EB0F-4B89-4B69-93C4-A30463118143}"/>
-              </a:ext>
-            </a:extLst>
-          </p:cNvPr>
-          <p:cNvSpPr/>
-          <p:nvPr/>
-        </p:nvSpPr>
-        <p:spPr>
-          <a:xfrm>
-            <a:off x="1116241" y="827869"/>
-            <a:ext cx="359954" cy="215972"/>
+          <p:cNvPr id="141" name="正方形/長方形 140">
+            <a:extLst>
+              <a:ext uri="{FF2B5EF4-FFF2-40B4-BE49-F238E27FC236}">
+                <a16:creationId xmlns:a16="http://schemas.microsoft.com/office/drawing/2014/main" id="{FEE633D9-5CB4-4880-BB18-28944B33A306}"/>
+              </a:ext>
+            </a:extLst>
+          </p:cNvPr>
+          <p:cNvSpPr/>
+          <p:nvPr/>
+        </p:nvSpPr>
+        <p:spPr>
+          <a:xfrm rot="2700000">
+            <a:off x="945153" y="1909913"/>
+            <a:ext cx="706496" cy="215972"/>
+          </a:xfrm>
+          <a:prstGeom prst="rect">
+            <a:avLst/>
+          </a:prstGeom>
+          <a:solidFill>
+            <a:srgbClr val="B6D8F6"/>
+          </a:solidFill>
+          <a:ln>
+            <a:solidFill>
+              <a:srgbClr val="2C72B2"/>
+            </a:solidFill>
+          </a:ln>
+        </p:spPr>
+        <p:style>
+          <a:lnRef idx="2">
+            <a:schemeClr val="accent5">
+              <a:shade val="50000"/>
+            </a:schemeClr>
+          </a:lnRef>
+          <a:fillRef idx="1">
+            <a:schemeClr val="accent5"/>
+          </a:fillRef>
+          <a:effectRef idx="0">
+            <a:schemeClr val="accent5"/>
+          </a:effectRef>
+          <a:fontRef idx="minor">
+            <a:schemeClr val="lt1"/>
+          </a:fontRef>
+        </p:style>
+        <p:txBody>
+          <a:bodyPr wrap="none" rtlCol="0" anchor="ctr"/>
+          <a:lstStyle/>
+          <a:p>
+            <a:pPr algn="ctr"/>
+            <a:r>
+              <a:rPr kumimoji="1" lang="en-US" altLang="ja-JP" sz="1200" b="1" dirty="0">
+                <a:solidFill>
+                  <a:schemeClr val="tx1"/>
+                </a:solidFill>
+              </a:rPr>
+              <a:t>18</a:t>
+            </a:r>
+            <a:endParaRPr kumimoji="1" lang="ja-JP" altLang="en-US" sz="1200" b="1" dirty="0">
+              <a:solidFill>
+                <a:schemeClr val="tx1"/>
+              </a:solidFill>
+            </a:endParaRPr>
+          </a:p>
+        </p:txBody>
+      </p:sp>
+      <p:sp>
+        <p:nvSpPr>
+          <p:cNvPr id="142" name="正方形/長方形 141">
+            <a:extLst>
+              <a:ext uri="{FF2B5EF4-FFF2-40B4-BE49-F238E27FC236}">
+                <a16:creationId xmlns:a16="http://schemas.microsoft.com/office/drawing/2014/main" id="{E9A5E880-B3E8-4AAB-8512-41129F7D4F6F}"/>
+              </a:ext>
+            </a:extLst>
+          </p:cNvPr>
+          <p:cNvSpPr/>
+          <p:nvPr/>
+        </p:nvSpPr>
+        <p:spPr>
+          <a:xfrm>
+            <a:off x="828278" y="395924"/>
+            <a:ext cx="215972" cy="359954"/>
+          </a:xfrm>
+          <a:prstGeom prst="rect">
+            <a:avLst/>
+          </a:prstGeom>
+          <a:solidFill>
+            <a:srgbClr val="B6D8F6"/>
+          </a:solidFill>
+          <a:ln>
+            <a:solidFill>
+              <a:srgbClr val="2C72B2"/>
+            </a:solidFill>
+          </a:ln>
+        </p:spPr>
+        <p:style>
+          <a:lnRef idx="2">
+            <a:schemeClr val="accent5">
+              <a:shade val="50000"/>
+            </a:schemeClr>
+          </a:lnRef>
+          <a:fillRef idx="1">
+            <a:schemeClr val="accent5"/>
+          </a:fillRef>
+          <a:effectRef idx="0">
+            <a:schemeClr val="accent5"/>
+          </a:effectRef>
+          <a:fontRef idx="minor">
+            <a:schemeClr val="lt1"/>
+          </a:fontRef>
+        </p:style>
+        <p:txBody>
+          <a:bodyPr wrap="none" rtlCol="0" anchor="ctr"/>
+          <a:lstStyle/>
+          <a:p>
+            <a:pPr algn="ctr"/>
+            <a:r>
+              <a:rPr kumimoji="1" lang="en-US" altLang="ja-JP" sz="1200" b="1" dirty="0">
+                <a:solidFill>
+                  <a:schemeClr val="tx1"/>
+                </a:solidFill>
+              </a:rPr>
+              <a:t>63</a:t>
+            </a:r>
+            <a:endParaRPr kumimoji="1" lang="ja-JP" altLang="en-US" sz="1200" b="1" dirty="0">
+              <a:solidFill>
+                <a:schemeClr val="tx1"/>
+              </a:solidFill>
+            </a:endParaRPr>
+          </a:p>
+        </p:txBody>
+      </p:sp>
+      <p:sp>
+        <p:nvSpPr>
+          <p:cNvPr id="143" name="正方形/長方形 142">
+            <a:extLst>
+              <a:ext uri="{FF2B5EF4-FFF2-40B4-BE49-F238E27FC236}">
+                <a16:creationId xmlns:a16="http://schemas.microsoft.com/office/drawing/2014/main" id="{0C1D80DC-A427-4EDE-90AA-55B85B8EEFE1}"/>
+              </a:ext>
+            </a:extLst>
+          </p:cNvPr>
+          <p:cNvSpPr/>
+          <p:nvPr/>
+        </p:nvSpPr>
+        <p:spPr>
+          <a:xfrm>
+            <a:off x="828278" y="1115831"/>
+            <a:ext cx="215972" cy="359954"/>
           </a:xfrm>
           <a:prstGeom prst="rect">
             <a:avLst/>
@@ -8074,7 +8206,7 @@
                   </a:schemeClr>
                 </a:solidFill>
               </a:rPr>
-              <a:t>9</a:t>
+              <a:t>7</a:t>
             </a:r>
             <a:endParaRPr kumimoji="1" lang="ja-JP" altLang="en-US" sz="1200" b="1" dirty="0">
               <a:solidFill>
@@ -8088,30 +8220,30 @@
       </p:sp>
       <p:sp>
         <p:nvSpPr>
-          <p:cNvPr id="138" name="正方形/長方形 137">
-            <a:extLst>
-              <a:ext uri="{FF2B5EF4-FFF2-40B4-BE49-F238E27FC236}">
-                <a16:creationId xmlns:a16="http://schemas.microsoft.com/office/drawing/2014/main" id="{0CEECF5D-4083-4CEB-8B84-648818F849F3}"/>
-              </a:ext>
-            </a:extLst>
-          </p:cNvPr>
-          <p:cNvSpPr/>
-          <p:nvPr/>
-        </p:nvSpPr>
-        <p:spPr>
-          <a:xfrm>
-            <a:off x="3275963" y="2267683"/>
+          <p:cNvPr id="144" name="正方形/長方形 143">
+            <a:extLst>
+              <a:ext uri="{FF2B5EF4-FFF2-40B4-BE49-F238E27FC236}">
+                <a16:creationId xmlns:a16="http://schemas.microsoft.com/office/drawing/2014/main" id="{B7CD6D84-528B-485B-BA45-EAA131404F18}"/>
+              </a:ext>
+            </a:extLst>
+          </p:cNvPr>
+          <p:cNvSpPr/>
+          <p:nvPr/>
+        </p:nvSpPr>
+        <p:spPr>
+          <a:xfrm>
+            <a:off x="1836148" y="2987591"/>
             <a:ext cx="359954" cy="215972"/>
           </a:xfrm>
           <a:prstGeom prst="rect">
             <a:avLst/>
           </a:prstGeom>
           <a:solidFill>
-            <a:srgbClr val="B6D8F6"/>
+            <a:srgbClr val="EEBEE8"/>
           </a:solidFill>
           <a:ln>
             <a:solidFill>
-              <a:srgbClr val="2C72B2"/>
+              <a:srgbClr val="9D4192"/>
             </a:solidFill>
           </a:ln>
         </p:spPr>
@@ -8142,7 +8274,7 @@
                   <a:schemeClr val="tx1"/>
                 </a:solidFill>
               </a:rPr>
-              <a:t>54</a:t>
+              <a:t>57</a:t>
             </a:r>
             <a:endParaRPr kumimoji="1" lang="ja-JP" altLang="en-US" sz="1200" b="1" dirty="0">
               <a:solidFill>
@@ -8154,30 +8286,30 @@
       </p:sp>
       <p:sp>
         <p:nvSpPr>
-          <p:cNvPr id="139" name="正方形/長方形 138">
-            <a:extLst>
-              <a:ext uri="{FF2B5EF4-FFF2-40B4-BE49-F238E27FC236}">
-                <a16:creationId xmlns:a16="http://schemas.microsoft.com/office/drawing/2014/main" id="{5E6A8FFB-5F17-4662-8B4C-6C7B558ED31D}"/>
-              </a:ext>
-            </a:extLst>
-          </p:cNvPr>
-          <p:cNvSpPr/>
-          <p:nvPr/>
-        </p:nvSpPr>
-        <p:spPr>
-          <a:xfrm>
-            <a:off x="2556055" y="2267683"/>
+          <p:cNvPr id="146" name="正方形/長方形 145">
+            <a:extLst>
+              <a:ext uri="{FF2B5EF4-FFF2-40B4-BE49-F238E27FC236}">
+                <a16:creationId xmlns:a16="http://schemas.microsoft.com/office/drawing/2014/main" id="{93807160-7F19-42D7-A9FA-A59FB78D9706}"/>
+              </a:ext>
+            </a:extLst>
+          </p:cNvPr>
+          <p:cNvSpPr/>
+          <p:nvPr/>
+        </p:nvSpPr>
+        <p:spPr>
+          <a:xfrm>
+            <a:off x="1836148" y="827869"/>
             <a:ext cx="359954" cy="215972"/>
           </a:xfrm>
           <a:prstGeom prst="rect">
             <a:avLst/>
           </a:prstGeom>
           <a:solidFill>
-            <a:srgbClr val="B6D8F6"/>
+            <a:srgbClr val="EEBEE8"/>
           </a:solidFill>
           <a:ln>
             <a:solidFill>
-              <a:srgbClr val="2C72B2"/>
+              <a:srgbClr val="9D4192"/>
             </a:solidFill>
           </a:ln>
         </p:spPr>
@@ -8208,7 +8340,7 @@
                   <a:schemeClr val="tx1"/>
                 </a:solidFill>
               </a:rPr>
-              <a:t>31</a:t>
+              <a:t>48</a:t>
             </a:r>
             <a:endParaRPr kumimoji="1" lang="ja-JP" altLang="en-US" sz="1200" b="1" dirty="0">
               <a:solidFill>
@@ -8220,44 +8352,36 @@
       </p:sp>
       <p:sp>
         <p:nvSpPr>
-          <p:cNvPr id="140" name="正方形/長方形 139">
-            <a:extLst>
-              <a:ext uri="{FF2B5EF4-FFF2-40B4-BE49-F238E27FC236}">
-                <a16:creationId xmlns:a16="http://schemas.microsoft.com/office/drawing/2014/main" id="{399F39D5-39E6-4A97-ABC0-F64C66C39724}"/>
-              </a:ext>
-            </a:extLst>
-          </p:cNvPr>
-          <p:cNvSpPr/>
-          <p:nvPr/>
-        </p:nvSpPr>
-        <p:spPr>
-          <a:xfrm>
-            <a:off x="1836148" y="2267683"/>
+          <p:cNvPr id="153" name="正方形/長方形 152">
+            <a:extLst>
+              <a:ext uri="{FF2B5EF4-FFF2-40B4-BE49-F238E27FC236}">
+                <a16:creationId xmlns:a16="http://schemas.microsoft.com/office/drawing/2014/main" id="{FED6BF2C-592E-4118-99D7-1FDE5387A041}"/>
+              </a:ext>
+            </a:extLst>
+          </p:cNvPr>
+          <p:cNvSpPr/>
+          <p:nvPr/>
+        </p:nvSpPr>
+        <p:spPr>
+          <a:xfrm>
+            <a:off x="1836148" y="1547776"/>
             <a:ext cx="359954" cy="215972"/>
           </a:xfrm>
           <a:prstGeom prst="rect">
             <a:avLst/>
           </a:prstGeom>
-          <a:solidFill>
-            <a:srgbClr val="B6D8F6"/>
-          </a:solidFill>
-          <a:ln>
-            <a:solidFill>
-              <a:srgbClr val="2C72B2"/>
-            </a:solidFill>
-          </a:ln>
-        </p:spPr>
-        <p:style>
-          <a:lnRef idx="2">
-            <a:schemeClr val="accent5">
-              <a:shade val="50000"/>
-            </a:schemeClr>
-          </a:lnRef>
-          <a:fillRef idx="1">
-            <a:schemeClr val="accent5"/>
-          </a:fillRef>
-          <a:effectRef idx="0">
-            <a:schemeClr val="accent5"/>
+        </p:spPr>
+        <p:style>
+          <a:lnRef idx="2">
+            <a:schemeClr val="accent4">
+              <a:shade val="50000"/>
+            </a:schemeClr>
+          </a:lnRef>
+          <a:fillRef idx="1">
+            <a:schemeClr val="accent4"/>
+          </a:fillRef>
+          <a:effectRef idx="0">
+            <a:schemeClr val="accent4"/>
           </a:effectRef>
           <a:fontRef idx="minor">
             <a:schemeClr val="lt1"/>
@@ -8274,7 +8398,7 @@
                   <a:schemeClr val="tx1"/>
                 </a:solidFill>
               </a:rPr>
-              <a:t>31</a:t>
+              <a:t>27</a:t>
             </a:r>
             <a:endParaRPr kumimoji="1" lang="ja-JP" altLang="en-US" sz="1200" b="1" dirty="0">
               <a:solidFill>
@@ -8286,44 +8410,36 @@
       </p:sp>
       <p:sp>
         <p:nvSpPr>
-          <p:cNvPr id="141" name="正方形/長方形 140">
-            <a:extLst>
-              <a:ext uri="{FF2B5EF4-FFF2-40B4-BE49-F238E27FC236}">
-                <a16:creationId xmlns:a16="http://schemas.microsoft.com/office/drawing/2014/main" id="{FEE633D9-5CB4-4880-BB18-28944B33A306}"/>
-              </a:ext>
-            </a:extLst>
-          </p:cNvPr>
-          <p:cNvSpPr/>
-          <p:nvPr/>
-        </p:nvSpPr>
-        <p:spPr>
-          <a:xfrm rot="2700000">
-            <a:off x="945153" y="1909913"/>
-            <a:ext cx="706496" cy="215972"/>
-          </a:xfrm>
-          <a:prstGeom prst="rect">
-            <a:avLst/>
-          </a:prstGeom>
-          <a:solidFill>
-            <a:srgbClr val="B6D8F6"/>
-          </a:solidFill>
-          <a:ln>
-            <a:solidFill>
-              <a:srgbClr val="2C72B2"/>
-            </a:solidFill>
-          </a:ln>
-        </p:spPr>
-        <p:style>
-          <a:lnRef idx="2">
-            <a:schemeClr val="accent5">
-              <a:shade val="50000"/>
-            </a:schemeClr>
-          </a:lnRef>
-          <a:fillRef idx="1">
-            <a:schemeClr val="accent5"/>
-          </a:fillRef>
-          <a:effectRef idx="0">
-            <a:schemeClr val="accent5"/>
+          <p:cNvPr id="154" name="正方形/長方形 153">
+            <a:extLst>
+              <a:ext uri="{FF2B5EF4-FFF2-40B4-BE49-F238E27FC236}">
+                <a16:creationId xmlns:a16="http://schemas.microsoft.com/office/drawing/2014/main" id="{17B63EF5-8170-4A83-AD91-A97B1E523AB0}"/>
+              </a:ext>
+            </a:extLst>
+          </p:cNvPr>
+          <p:cNvSpPr/>
+          <p:nvPr/>
+        </p:nvSpPr>
+        <p:spPr>
+          <a:xfrm>
+            <a:off x="1116241" y="1547776"/>
+            <a:ext cx="359954" cy="215972"/>
+          </a:xfrm>
+          <a:prstGeom prst="rect">
+            <a:avLst/>
+          </a:prstGeom>
+        </p:spPr>
+        <p:style>
+          <a:lnRef idx="2">
+            <a:schemeClr val="accent4">
+              <a:shade val="50000"/>
+            </a:schemeClr>
+          </a:lnRef>
+          <a:fillRef idx="1">
+            <a:schemeClr val="accent4"/>
+          </a:fillRef>
+          <a:effectRef idx="0">
+            <a:schemeClr val="accent4"/>
           </a:effectRef>
           <a:fontRef idx="minor">
             <a:schemeClr val="lt1"/>
@@ -8340,7 +8456,7 @@
                   <a:schemeClr val="tx1"/>
                 </a:solidFill>
               </a:rPr>
-              <a:t>18</a:t>
+              <a:t>10</a:t>
             </a:r>
             <a:endParaRPr kumimoji="1" lang="ja-JP" altLang="en-US" sz="1200" b="1" dirty="0">
               <a:solidFill>
@@ -8352,44 +8468,36 @@
       </p:sp>
       <p:sp>
         <p:nvSpPr>
-          <p:cNvPr id="142" name="正方形/長方形 141">
-            <a:extLst>
-              <a:ext uri="{FF2B5EF4-FFF2-40B4-BE49-F238E27FC236}">
-                <a16:creationId xmlns:a16="http://schemas.microsoft.com/office/drawing/2014/main" id="{E9A5E880-B3E8-4AAB-8512-41129F7D4F6F}"/>
-              </a:ext>
-            </a:extLst>
-          </p:cNvPr>
-          <p:cNvSpPr/>
-          <p:nvPr/>
-        </p:nvSpPr>
-        <p:spPr>
-          <a:xfrm>
-            <a:off x="828278" y="395924"/>
+          <p:cNvPr id="155" name="正方形/長方形 154">
+            <a:extLst>
+              <a:ext uri="{FF2B5EF4-FFF2-40B4-BE49-F238E27FC236}">
+                <a16:creationId xmlns:a16="http://schemas.microsoft.com/office/drawing/2014/main" id="{3109EEB9-8CBC-43D6-A5F0-C4A2934F5084}"/>
+              </a:ext>
+            </a:extLst>
+          </p:cNvPr>
+          <p:cNvSpPr/>
+          <p:nvPr/>
+        </p:nvSpPr>
+        <p:spPr>
+          <a:xfrm>
+            <a:off x="108370" y="395924"/>
             <a:ext cx="215972" cy="359954"/>
           </a:xfrm>
           <a:prstGeom prst="rect">
             <a:avLst/>
           </a:prstGeom>
-          <a:solidFill>
-            <a:srgbClr val="B6D8F6"/>
-          </a:solidFill>
-          <a:ln>
-            <a:solidFill>
-              <a:srgbClr val="2C72B2"/>
-            </a:solidFill>
-          </a:ln>
-        </p:spPr>
-        <p:style>
-          <a:lnRef idx="2">
-            <a:schemeClr val="accent5">
-              <a:shade val="50000"/>
-            </a:schemeClr>
-          </a:lnRef>
-          <a:fillRef idx="1">
-            <a:schemeClr val="accent5"/>
-          </a:fillRef>
-          <a:effectRef idx="0">
-            <a:schemeClr val="accent5"/>
+        </p:spPr>
+        <p:style>
+          <a:lnRef idx="2">
+            <a:schemeClr val="accent4">
+              <a:shade val="50000"/>
+            </a:schemeClr>
+          </a:lnRef>
+          <a:fillRef idx="1">
+            <a:schemeClr val="accent4"/>
+          </a:fillRef>
+          <a:effectRef idx="0">
+            <a:schemeClr val="accent4"/>
           </a:effectRef>
           <a:fontRef idx="minor">
             <a:schemeClr val="lt1"/>
@@ -8406,7 +8514,7 @@
                   <a:schemeClr val="tx1"/>
                 </a:solidFill>
               </a:rPr>
-              <a:t>63</a:t>
+              <a:t>66</a:t>
             </a:r>
             <a:endParaRPr kumimoji="1" lang="ja-JP" altLang="en-US" sz="1200" b="1" dirty="0">
               <a:solidFill>
@@ -8418,20 +8526,20 @@
       </p:sp>
       <p:sp>
         <p:nvSpPr>
-          <p:cNvPr id="143" name="正方形/長方形 142">
-            <a:extLst>
-              <a:ext uri="{FF2B5EF4-FFF2-40B4-BE49-F238E27FC236}">
-                <a16:creationId xmlns:a16="http://schemas.microsoft.com/office/drawing/2014/main" id="{0C1D80DC-A427-4EDE-90AA-55B85B8EEFE1}"/>
-              </a:ext>
-            </a:extLst>
-          </p:cNvPr>
-          <p:cNvSpPr/>
-          <p:nvPr/>
-        </p:nvSpPr>
-        <p:spPr>
-          <a:xfrm>
-            <a:off x="828278" y="1115831"/>
-            <a:ext cx="215972" cy="359954"/>
+          <p:cNvPr id="156" name="正方形/長方形 155">
+            <a:extLst>
+              <a:ext uri="{FF2B5EF4-FFF2-40B4-BE49-F238E27FC236}">
+                <a16:creationId xmlns:a16="http://schemas.microsoft.com/office/drawing/2014/main" id="{DCA49676-2BA6-4BEF-BFED-429D82FF9B9D}"/>
+              </a:ext>
+            </a:extLst>
+          </p:cNvPr>
+          <p:cNvSpPr/>
+          <p:nvPr/>
+        </p:nvSpPr>
+        <p:spPr>
+          <a:xfrm>
+            <a:off x="36379" y="35970"/>
+            <a:ext cx="359914" cy="359914"/>
           </a:xfrm>
           <a:prstGeom prst="rect">
             <a:avLst/>
@@ -8442,20 +8550,1274 @@
             </a:schemeClr>
           </a:solidFill>
           <a:ln>
+            <a:solidFill>
+              <a:schemeClr val="tx1"/>
+            </a:solidFill>
+          </a:ln>
+        </p:spPr>
+        <p:style>
+          <a:lnRef idx="2">
+            <a:schemeClr val="accent1">
+              <a:shade val="50000"/>
+            </a:schemeClr>
+          </a:lnRef>
+          <a:fillRef idx="1">
+            <a:schemeClr val="accent1"/>
+          </a:fillRef>
+          <a:effectRef idx="0">
+            <a:schemeClr val="accent1"/>
+          </a:effectRef>
+          <a:fontRef idx="minor">
+            <a:schemeClr val="lt1"/>
+          </a:fontRef>
+        </p:style>
+        <p:txBody>
+          <a:bodyPr wrap="none" rtlCol="0" anchor="ctr"/>
+          <a:lstStyle/>
+          <a:p>
+            <a:pPr algn="ctr"/>
+            <a:r>
+              <a:rPr lang="ja-JP" altLang="en-US" sz="1100" dirty="0">
+                <a:solidFill>
+                  <a:sysClr val="windowText" lastClr="000000"/>
+                </a:solidFill>
+              </a:rPr>
+              <a:t>高畑</a:t>
+            </a:r>
+            <a:endParaRPr kumimoji="1" lang="ja-JP" altLang="en-US" sz="1100" dirty="0">
+              <a:solidFill>
+                <a:sysClr val="windowText" lastClr="000000"/>
+              </a:solidFill>
+            </a:endParaRPr>
+          </a:p>
+        </p:txBody>
+      </p:sp>
+      <p:sp>
+        <p:nvSpPr>
+          <p:cNvPr id="157" name="正方形/長方形 156">
+            <a:extLst>
+              <a:ext uri="{FF2B5EF4-FFF2-40B4-BE49-F238E27FC236}">
+                <a16:creationId xmlns:a16="http://schemas.microsoft.com/office/drawing/2014/main" id="{E96BDF30-C499-4CC1-8BEE-0055944D223A}"/>
+              </a:ext>
+            </a:extLst>
+          </p:cNvPr>
+          <p:cNvSpPr/>
+          <p:nvPr/>
+        </p:nvSpPr>
+        <p:spPr>
+          <a:xfrm>
+            <a:off x="36379" y="755878"/>
+            <a:ext cx="359914" cy="359914"/>
+          </a:xfrm>
+          <a:prstGeom prst="rect">
+            <a:avLst/>
+          </a:prstGeom>
+          <a:solidFill>
+            <a:schemeClr val="bg1">
+              <a:lumMod val="95000"/>
+            </a:schemeClr>
+          </a:solidFill>
+          <a:ln>
+            <a:solidFill>
+              <a:schemeClr val="tx1"/>
+            </a:solidFill>
+          </a:ln>
+        </p:spPr>
+        <p:style>
+          <a:lnRef idx="2">
+            <a:schemeClr val="accent1">
+              <a:shade val="50000"/>
+            </a:schemeClr>
+          </a:lnRef>
+          <a:fillRef idx="1">
+            <a:schemeClr val="accent1"/>
+          </a:fillRef>
+          <a:effectRef idx="0">
+            <a:schemeClr val="accent1"/>
+          </a:effectRef>
+          <a:fontRef idx="minor">
+            <a:schemeClr val="lt1"/>
+          </a:fontRef>
+        </p:style>
+        <p:txBody>
+          <a:bodyPr wrap="none" rtlCol="0" anchor="ctr"/>
+          <a:lstStyle/>
+          <a:p>
+            <a:pPr algn="ctr"/>
+            <a:r>
+              <a:rPr lang="ja-JP" altLang="en-US" sz="1100" dirty="0">
+                <a:solidFill>
+                  <a:sysClr val="windowText" lastClr="000000"/>
+                </a:solidFill>
+              </a:rPr>
+              <a:t>名古</a:t>
+            </a:r>
+            <a:br>
+              <a:rPr lang="en-US" altLang="ja-JP" sz="1100" dirty="0">
+                <a:solidFill>
+                  <a:sysClr val="windowText" lastClr="000000"/>
+                </a:solidFill>
+              </a:rPr>
+            </a:br>
+            <a:r>
+              <a:rPr lang="ja-JP" altLang="en-US" sz="1100" dirty="0">
+                <a:solidFill>
+                  <a:sysClr val="windowText" lastClr="000000"/>
+                </a:solidFill>
+              </a:rPr>
+              <a:t>屋</a:t>
+            </a:r>
+            <a:endParaRPr kumimoji="1" lang="ja-JP" altLang="en-US" sz="1100" dirty="0">
+              <a:solidFill>
+                <a:sysClr val="windowText" lastClr="000000"/>
+              </a:solidFill>
+            </a:endParaRPr>
+          </a:p>
+        </p:txBody>
+      </p:sp>
+      <p:sp>
+        <p:nvSpPr>
+          <p:cNvPr id="158" name="正方形/長方形 157">
+            <a:extLst>
+              <a:ext uri="{FF2B5EF4-FFF2-40B4-BE49-F238E27FC236}">
+                <a16:creationId xmlns:a16="http://schemas.microsoft.com/office/drawing/2014/main" id="{0C2C137F-8488-4776-9E88-835FDCF01DE7}"/>
+              </a:ext>
+            </a:extLst>
+          </p:cNvPr>
+          <p:cNvSpPr/>
+          <p:nvPr/>
+        </p:nvSpPr>
+        <p:spPr>
+          <a:xfrm>
+            <a:off x="756287" y="1475785"/>
+            <a:ext cx="359914" cy="359914"/>
+          </a:xfrm>
+          <a:prstGeom prst="rect">
+            <a:avLst/>
+          </a:prstGeom>
+          <a:solidFill>
+            <a:schemeClr val="bg1">
+              <a:lumMod val="95000"/>
+            </a:schemeClr>
+          </a:solidFill>
+          <a:ln>
+            <a:solidFill>
+              <a:schemeClr val="tx1"/>
+            </a:solidFill>
+          </a:ln>
+        </p:spPr>
+        <p:style>
+          <a:lnRef idx="2">
+            <a:schemeClr val="accent1">
+              <a:shade val="50000"/>
+            </a:schemeClr>
+          </a:lnRef>
+          <a:fillRef idx="1">
+            <a:schemeClr val="accent1"/>
+          </a:fillRef>
+          <a:effectRef idx="0">
+            <a:schemeClr val="accent1"/>
+          </a:effectRef>
+          <a:fontRef idx="minor">
+            <a:schemeClr val="lt1"/>
+          </a:fontRef>
+        </p:style>
+        <p:txBody>
+          <a:bodyPr wrap="none" rtlCol="0" anchor="ctr"/>
+          <a:lstStyle/>
+          <a:p>
+            <a:pPr algn="ctr"/>
+            <a:r>
+              <a:rPr kumimoji="1" lang="ja-JP" altLang="en-US" sz="1100" dirty="0">
+                <a:solidFill>
+                  <a:sysClr val="windowText" lastClr="000000"/>
+                </a:solidFill>
+              </a:rPr>
+              <a:t>伏見</a:t>
+            </a:r>
+          </a:p>
+        </p:txBody>
+      </p:sp>
+      <p:sp>
+        <p:nvSpPr>
+          <p:cNvPr id="160" name="正方形/長方形 159">
+            <a:extLst>
+              <a:ext uri="{FF2B5EF4-FFF2-40B4-BE49-F238E27FC236}">
+                <a16:creationId xmlns:a16="http://schemas.microsoft.com/office/drawing/2014/main" id="{33EEB5FF-521A-490E-97BC-2DAEC377EF00}"/>
+              </a:ext>
+            </a:extLst>
+          </p:cNvPr>
+          <p:cNvSpPr/>
+          <p:nvPr/>
+        </p:nvSpPr>
+        <p:spPr>
+          <a:xfrm>
+            <a:off x="1476194" y="1475785"/>
+            <a:ext cx="359914" cy="359914"/>
+          </a:xfrm>
+          <a:prstGeom prst="rect">
+            <a:avLst/>
+          </a:prstGeom>
+          <a:solidFill>
+            <a:schemeClr val="bg1">
+              <a:lumMod val="95000"/>
+            </a:schemeClr>
+          </a:solidFill>
+          <a:ln>
+            <a:solidFill>
+              <a:schemeClr val="tx1"/>
+            </a:solidFill>
+          </a:ln>
+        </p:spPr>
+        <p:style>
+          <a:lnRef idx="2">
+            <a:schemeClr val="accent1">
+              <a:shade val="50000"/>
+            </a:schemeClr>
+          </a:lnRef>
+          <a:fillRef idx="1">
+            <a:schemeClr val="accent1"/>
+          </a:fillRef>
+          <a:effectRef idx="0">
+            <a:schemeClr val="accent1"/>
+          </a:effectRef>
+          <a:fontRef idx="minor">
+            <a:schemeClr val="lt1"/>
+          </a:fontRef>
+        </p:style>
+        <p:txBody>
+          <a:bodyPr wrap="none" rtlCol="0" anchor="ctr"/>
+          <a:lstStyle/>
+          <a:p>
+            <a:pPr algn="ctr"/>
+            <a:r>
+              <a:rPr kumimoji="1" lang="ja-JP" altLang="en-US" sz="1100" dirty="0">
+                <a:solidFill>
+                  <a:sysClr val="windowText" lastClr="000000"/>
+                </a:solidFill>
+              </a:rPr>
+              <a:t>栄</a:t>
+            </a:r>
+          </a:p>
+        </p:txBody>
+      </p:sp>
+      <p:sp>
+        <p:nvSpPr>
+          <p:cNvPr id="161" name="正方形/長方形 160">
+            <a:extLst>
+              <a:ext uri="{FF2B5EF4-FFF2-40B4-BE49-F238E27FC236}">
+                <a16:creationId xmlns:a16="http://schemas.microsoft.com/office/drawing/2014/main" id="{91E8092A-B325-477D-8E8E-1A16EF076DA5}"/>
+              </a:ext>
+            </a:extLst>
+          </p:cNvPr>
+          <p:cNvSpPr/>
+          <p:nvPr/>
+        </p:nvSpPr>
+        <p:spPr>
+          <a:xfrm>
+            <a:off x="2196102" y="1475785"/>
+            <a:ext cx="359914" cy="359914"/>
+          </a:xfrm>
+          <a:prstGeom prst="rect">
+            <a:avLst/>
+          </a:prstGeom>
+          <a:solidFill>
+            <a:schemeClr val="bg1">
+              <a:lumMod val="95000"/>
+            </a:schemeClr>
+          </a:solidFill>
+          <a:ln>
+            <a:solidFill>
+              <a:schemeClr val="tx1"/>
+            </a:solidFill>
+          </a:ln>
+        </p:spPr>
+        <p:style>
+          <a:lnRef idx="2">
+            <a:schemeClr val="accent1">
+              <a:shade val="50000"/>
+            </a:schemeClr>
+          </a:lnRef>
+          <a:fillRef idx="1">
+            <a:schemeClr val="accent1"/>
+          </a:fillRef>
+          <a:effectRef idx="0">
+            <a:schemeClr val="accent1"/>
+          </a:effectRef>
+          <a:fontRef idx="minor">
+            <a:schemeClr val="lt1"/>
+          </a:fontRef>
+        </p:style>
+        <p:txBody>
+          <a:bodyPr wrap="none" rtlCol="0" anchor="ctr"/>
+          <a:lstStyle/>
+          <a:p>
+            <a:pPr algn="ctr"/>
+            <a:r>
+              <a:rPr kumimoji="1" lang="ja-JP" altLang="en-US" sz="1100" dirty="0">
+                <a:solidFill>
+                  <a:sysClr val="windowText" lastClr="000000"/>
+                </a:solidFill>
+              </a:rPr>
+              <a:t>今池</a:t>
+            </a:r>
+          </a:p>
+        </p:txBody>
+      </p:sp>
+      <p:sp>
+        <p:nvSpPr>
+          <p:cNvPr id="171" name="正方形/長方形 170">
+            <a:extLst>
+              <a:ext uri="{FF2B5EF4-FFF2-40B4-BE49-F238E27FC236}">
+                <a16:creationId xmlns:a16="http://schemas.microsoft.com/office/drawing/2014/main" id="{D1D6FDC9-26EC-44E7-A36B-88C336D590B7}"/>
+              </a:ext>
+            </a:extLst>
+          </p:cNvPr>
+          <p:cNvSpPr/>
+          <p:nvPr/>
+        </p:nvSpPr>
+        <p:spPr>
+          <a:xfrm>
+            <a:off x="1476194" y="755878"/>
+            <a:ext cx="359914" cy="359914"/>
+          </a:xfrm>
+          <a:prstGeom prst="rect">
+            <a:avLst/>
+          </a:prstGeom>
+          <a:solidFill>
+            <a:schemeClr val="bg1">
+              <a:lumMod val="95000"/>
+            </a:schemeClr>
+          </a:solidFill>
+          <a:ln>
+            <a:solidFill>
+              <a:schemeClr val="tx1"/>
+            </a:solidFill>
+          </a:ln>
+        </p:spPr>
+        <p:style>
+          <a:lnRef idx="2">
+            <a:schemeClr val="accent1">
+              <a:shade val="50000"/>
+            </a:schemeClr>
+          </a:lnRef>
+          <a:fillRef idx="1">
+            <a:schemeClr val="accent1"/>
+          </a:fillRef>
+          <a:effectRef idx="0">
+            <a:schemeClr val="accent1"/>
+          </a:effectRef>
+          <a:fontRef idx="minor">
+            <a:schemeClr val="lt1"/>
+          </a:fontRef>
+        </p:style>
+        <p:txBody>
+          <a:bodyPr wrap="none" rtlCol="0" anchor="ctr"/>
+          <a:lstStyle/>
+          <a:p>
+            <a:pPr algn="ctr"/>
+            <a:r>
+              <a:rPr kumimoji="1" lang="ja-JP" altLang="en-US" sz="1100" dirty="0">
+                <a:solidFill>
+                  <a:sysClr val="windowText" lastClr="000000"/>
+                </a:solidFill>
+              </a:rPr>
+              <a:t>久屋</a:t>
+            </a:r>
+            <a:br>
+              <a:rPr kumimoji="1" lang="en-US" altLang="ja-JP" sz="1100" dirty="0">
+                <a:solidFill>
+                  <a:sysClr val="windowText" lastClr="000000"/>
+                </a:solidFill>
+              </a:rPr>
+            </a:br>
+            <a:r>
+              <a:rPr kumimoji="1" lang="ja-JP" altLang="en-US" sz="1100" dirty="0">
+                <a:solidFill>
+                  <a:sysClr val="windowText" lastClr="000000"/>
+                </a:solidFill>
+              </a:rPr>
+              <a:t>大通</a:t>
+            </a:r>
+          </a:p>
+        </p:txBody>
+      </p:sp>
+      <p:sp>
+        <p:nvSpPr>
+          <p:cNvPr id="172" name="正方形/長方形 171">
+            <a:extLst>
+              <a:ext uri="{FF2B5EF4-FFF2-40B4-BE49-F238E27FC236}">
+                <a16:creationId xmlns:a16="http://schemas.microsoft.com/office/drawing/2014/main" id="{31B9AE5F-5043-4079-8CC1-AE2EC5573404}"/>
+              </a:ext>
+            </a:extLst>
+          </p:cNvPr>
+          <p:cNvSpPr/>
+          <p:nvPr/>
+        </p:nvSpPr>
+        <p:spPr>
+          <a:xfrm>
+            <a:off x="2196102" y="755878"/>
+            <a:ext cx="359914" cy="359914"/>
+          </a:xfrm>
+          <a:prstGeom prst="rect">
+            <a:avLst/>
+          </a:prstGeom>
+          <a:solidFill>
+            <a:schemeClr val="bg1">
+              <a:lumMod val="95000"/>
+            </a:schemeClr>
+          </a:solidFill>
+          <a:ln>
+            <a:solidFill>
+              <a:schemeClr val="tx1"/>
+            </a:solidFill>
+          </a:ln>
+        </p:spPr>
+        <p:style>
+          <a:lnRef idx="2">
+            <a:schemeClr val="accent1">
+              <a:shade val="50000"/>
+            </a:schemeClr>
+          </a:lnRef>
+          <a:fillRef idx="1">
+            <a:schemeClr val="accent1"/>
+          </a:fillRef>
+          <a:effectRef idx="0">
+            <a:schemeClr val="accent1"/>
+          </a:effectRef>
+          <a:fontRef idx="minor">
+            <a:schemeClr val="lt1"/>
+          </a:fontRef>
+        </p:style>
+        <p:txBody>
+          <a:bodyPr wrap="none" rtlCol="0" anchor="ctr"/>
+          <a:lstStyle/>
+          <a:p>
+            <a:pPr algn="ctr"/>
+            <a:r>
+              <a:rPr kumimoji="1" lang="ja-JP" altLang="en-US" sz="1100" dirty="0">
+                <a:solidFill>
+                  <a:sysClr val="windowText" lastClr="000000"/>
+                </a:solidFill>
+              </a:rPr>
+              <a:t>平安</a:t>
+            </a:r>
+            <a:br>
+              <a:rPr kumimoji="1" lang="en-US" altLang="ja-JP" sz="1100" dirty="0">
+                <a:solidFill>
+                  <a:sysClr val="windowText" lastClr="000000"/>
+                </a:solidFill>
+              </a:rPr>
+            </a:br>
+            <a:r>
+              <a:rPr kumimoji="1" lang="ja-JP" altLang="en-US" sz="1100" dirty="0">
+                <a:solidFill>
+                  <a:sysClr val="windowText" lastClr="000000"/>
+                </a:solidFill>
+              </a:rPr>
+              <a:t>通</a:t>
+            </a:r>
+          </a:p>
+        </p:txBody>
+      </p:sp>
+      <p:sp>
+        <p:nvSpPr>
+          <p:cNvPr id="173" name="正方形/長方形 172">
+            <a:extLst>
+              <a:ext uri="{FF2B5EF4-FFF2-40B4-BE49-F238E27FC236}">
+                <a16:creationId xmlns:a16="http://schemas.microsoft.com/office/drawing/2014/main" id="{9A74F6D8-62AB-4AF0-930A-9A5182F62C0B}"/>
+              </a:ext>
+            </a:extLst>
+          </p:cNvPr>
+          <p:cNvSpPr/>
+          <p:nvPr/>
+        </p:nvSpPr>
+        <p:spPr>
+          <a:xfrm>
+            <a:off x="2196102" y="35970"/>
+            <a:ext cx="359914" cy="359914"/>
+          </a:xfrm>
+          <a:prstGeom prst="rect">
+            <a:avLst/>
+          </a:prstGeom>
+          <a:solidFill>
+            <a:schemeClr val="bg1">
+              <a:lumMod val="95000"/>
+            </a:schemeClr>
+          </a:solidFill>
+          <a:ln>
+            <a:solidFill>
+              <a:schemeClr val="tx1"/>
+            </a:solidFill>
+          </a:ln>
+        </p:spPr>
+        <p:style>
+          <a:lnRef idx="2">
+            <a:schemeClr val="accent1">
+              <a:shade val="50000"/>
+            </a:schemeClr>
+          </a:lnRef>
+          <a:fillRef idx="1">
+            <a:schemeClr val="accent1"/>
+          </a:fillRef>
+          <a:effectRef idx="0">
+            <a:schemeClr val="accent1"/>
+          </a:effectRef>
+          <a:fontRef idx="minor">
+            <a:schemeClr val="lt1"/>
+          </a:fontRef>
+        </p:style>
+        <p:txBody>
+          <a:bodyPr wrap="none" rtlCol="0" anchor="ctr"/>
+          <a:lstStyle/>
+          <a:p>
+            <a:pPr algn="ctr"/>
+            <a:r>
+              <a:rPr kumimoji="1" lang="ja-JP" altLang="en-US" sz="1100" dirty="0">
+                <a:solidFill>
+                  <a:sysClr val="windowText" lastClr="000000"/>
+                </a:solidFill>
+              </a:rPr>
+              <a:t>上飯</a:t>
+            </a:r>
+            <a:br>
+              <a:rPr kumimoji="1" lang="en-US" altLang="ja-JP" sz="1100" dirty="0">
+                <a:solidFill>
+                  <a:sysClr val="windowText" lastClr="000000"/>
+                </a:solidFill>
+              </a:rPr>
+            </a:br>
+            <a:r>
+              <a:rPr kumimoji="1" lang="ja-JP" altLang="en-US" sz="1100" dirty="0">
+                <a:solidFill>
+                  <a:sysClr val="windowText" lastClr="000000"/>
+                </a:solidFill>
+              </a:rPr>
+              <a:t>田</a:t>
+            </a:r>
+          </a:p>
+        </p:txBody>
+      </p:sp>
+      <p:sp>
+        <p:nvSpPr>
+          <p:cNvPr id="174" name="正方形/長方形 173">
+            <a:extLst>
+              <a:ext uri="{FF2B5EF4-FFF2-40B4-BE49-F238E27FC236}">
+                <a16:creationId xmlns:a16="http://schemas.microsoft.com/office/drawing/2014/main" id="{8F3407E3-5A05-49CC-A794-C24B48FB6A51}"/>
+              </a:ext>
+            </a:extLst>
+          </p:cNvPr>
+          <p:cNvSpPr/>
+          <p:nvPr/>
+        </p:nvSpPr>
+        <p:spPr>
+          <a:xfrm>
+            <a:off x="756287" y="755878"/>
+            <a:ext cx="359914" cy="359914"/>
+          </a:xfrm>
+          <a:prstGeom prst="rect">
+            <a:avLst/>
+          </a:prstGeom>
+          <a:solidFill>
+            <a:schemeClr val="bg1">
+              <a:lumMod val="95000"/>
+            </a:schemeClr>
+          </a:solidFill>
+          <a:ln>
+            <a:solidFill>
+              <a:schemeClr val="tx1"/>
+            </a:solidFill>
+          </a:ln>
+        </p:spPr>
+        <p:style>
+          <a:lnRef idx="2">
+            <a:schemeClr val="accent1">
+              <a:shade val="50000"/>
+            </a:schemeClr>
+          </a:lnRef>
+          <a:fillRef idx="1">
+            <a:schemeClr val="accent1"/>
+          </a:fillRef>
+          <a:effectRef idx="0">
+            <a:schemeClr val="accent1"/>
+          </a:effectRef>
+          <a:fontRef idx="minor">
+            <a:schemeClr val="lt1"/>
+          </a:fontRef>
+        </p:style>
+        <p:txBody>
+          <a:bodyPr wrap="none" rtlCol="0" anchor="ctr"/>
+          <a:lstStyle/>
+          <a:p>
+            <a:pPr algn="ctr"/>
+            <a:r>
+              <a:rPr lang="ja-JP" altLang="en-US" sz="1100" dirty="0">
+                <a:solidFill>
+                  <a:sysClr val="windowText" lastClr="000000"/>
+                </a:solidFill>
+              </a:rPr>
+              <a:t>丸の</a:t>
+            </a:r>
+            <a:br>
+              <a:rPr lang="en-US" altLang="ja-JP" sz="1100" dirty="0">
+                <a:solidFill>
+                  <a:sysClr val="windowText" lastClr="000000"/>
+                </a:solidFill>
+              </a:rPr>
+            </a:br>
+            <a:r>
+              <a:rPr lang="ja-JP" altLang="en-US" sz="1100" dirty="0">
+                <a:solidFill>
+                  <a:sysClr val="windowText" lastClr="000000"/>
+                </a:solidFill>
+              </a:rPr>
+              <a:t>内</a:t>
+            </a:r>
+            <a:endParaRPr kumimoji="1" lang="ja-JP" altLang="en-US" sz="1100" dirty="0">
+              <a:solidFill>
+                <a:sysClr val="windowText" lastClr="000000"/>
+              </a:solidFill>
+            </a:endParaRPr>
+          </a:p>
+        </p:txBody>
+      </p:sp>
+      <p:sp>
+        <p:nvSpPr>
+          <p:cNvPr id="175" name="正方形/長方形 174">
+            <a:extLst>
+              <a:ext uri="{FF2B5EF4-FFF2-40B4-BE49-F238E27FC236}">
+                <a16:creationId xmlns:a16="http://schemas.microsoft.com/office/drawing/2014/main" id="{06123273-33F9-4414-9E61-780B7F241CE9}"/>
+              </a:ext>
+            </a:extLst>
+          </p:cNvPr>
+          <p:cNvSpPr/>
+          <p:nvPr/>
+        </p:nvSpPr>
+        <p:spPr>
+          <a:xfrm>
+            <a:off x="36379" y="1475785"/>
+            <a:ext cx="359914" cy="359914"/>
+          </a:xfrm>
+          <a:prstGeom prst="rect">
+            <a:avLst/>
+          </a:prstGeom>
+          <a:solidFill>
+            <a:schemeClr val="bg1">
+              <a:lumMod val="95000"/>
+            </a:schemeClr>
+          </a:solidFill>
+          <a:ln>
+            <a:solidFill>
+              <a:schemeClr val="tx1"/>
+            </a:solidFill>
+          </a:ln>
+        </p:spPr>
+        <p:style>
+          <a:lnRef idx="2">
+            <a:schemeClr val="accent1">
+              <a:shade val="50000"/>
+            </a:schemeClr>
+          </a:lnRef>
+          <a:fillRef idx="1">
+            <a:schemeClr val="accent1"/>
+          </a:fillRef>
+          <a:effectRef idx="0">
+            <a:schemeClr val="accent1"/>
+          </a:effectRef>
+          <a:fontRef idx="minor">
+            <a:schemeClr val="lt1"/>
+          </a:fontRef>
+        </p:style>
+        <p:txBody>
+          <a:bodyPr wrap="none" rtlCol="0" anchor="ctr"/>
+          <a:lstStyle/>
+          <a:p>
+            <a:pPr algn="ctr"/>
+            <a:r>
+              <a:rPr lang="ja-JP" altLang="en-US" sz="1100" dirty="0">
+                <a:solidFill>
+                  <a:sysClr val="windowText" lastClr="000000"/>
+                </a:solidFill>
+              </a:rPr>
+              <a:t>中村</a:t>
+            </a:r>
+            <a:br>
+              <a:rPr lang="en-US" altLang="ja-JP" sz="1100" dirty="0">
+                <a:solidFill>
+                  <a:sysClr val="windowText" lastClr="000000"/>
+                </a:solidFill>
+              </a:rPr>
+            </a:br>
+            <a:r>
+              <a:rPr lang="ja-JP" altLang="en-US" sz="800" dirty="0">
+                <a:solidFill>
+                  <a:sysClr val="windowText" lastClr="000000"/>
+                </a:solidFill>
+              </a:rPr>
+              <a:t>区役所</a:t>
+            </a:r>
+            <a:endParaRPr kumimoji="1" lang="ja-JP" altLang="en-US" sz="800" dirty="0">
+              <a:solidFill>
+                <a:sysClr val="windowText" lastClr="000000"/>
+              </a:solidFill>
+            </a:endParaRPr>
+          </a:p>
+        </p:txBody>
+      </p:sp>
+      <p:sp>
+        <p:nvSpPr>
+          <p:cNvPr id="176" name="正方形/長方形 175">
+            <a:extLst>
+              <a:ext uri="{FF2B5EF4-FFF2-40B4-BE49-F238E27FC236}">
+                <a16:creationId xmlns:a16="http://schemas.microsoft.com/office/drawing/2014/main" id="{6888897B-51B5-4BE5-8E46-32C6FC16CBC5}"/>
+              </a:ext>
+            </a:extLst>
+          </p:cNvPr>
+          <p:cNvSpPr/>
+          <p:nvPr/>
+        </p:nvSpPr>
+        <p:spPr>
+          <a:xfrm>
+            <a:off x="756287" y="35970"/>
+            <a:ext cx="359914" cy="359914"/>
+          </a:xfrm>
+          <a:prstGeom prst="rect">
+            <a:avLst/>
+          </a:prstGeom>
+          <a:solidFill>
+            <a:schemeClr val="bg1">
+              <a:lumMod val="95000"/>
+            </a:schemeClr>
+          </a:solidFill>
+          <a:ln>
+            <a:solidFill>
+              <a:schemeClr val="tx1"/>
+            </a:solidFill>
+          </a:ln>
+        </p:spPr>
+        <p:style>
+          <a:lnRef idx="2">
+            <a:schemeClr val="accent1">
+              <a:shade val="50000"/>
+            </a:schemeClr>
+          </a:lnRef>
+          <a:fillRef idx="1">
+            <a:schemeClr val="accent1"/>
+          </a:fillRef>
+          <a:effectRef idx="0">
+            <a:schemeClr val="accent1"/>
+          </a:effectRef>
+          <a:fontRef idx="minor">
+            <a:schemeClr val="lt1"/>
+          </a:fontRef>
+        </p:style>
+        <p:txBody>
+          <a:bodyPr wrap="none" rtlCol="0" anchor="ctr"/>
+          <a:lstStyle/>
+          <a:p>
+            <a:pPr algn="ctr"/>
+            <a:r>
+              <a:rPr lang="ja-JP" altLang="en-US" sz="1100" dirty="0">
+                <a:solidFill>
+                  <a:sysClr val="windowText" lastClr="000000"/>
+                </a:solidFill>
+              </a:rPr>
+              <a:t>上小</a:t>
+            </a:r>
+            <a:br>
+              <a:rPr lang="en-US" altLang="ja-JP" sz="1100" dirty="0">
+                <a:solidFill>
+                  <a:sysClr val="windowText" lastClr="000000"/>
+                </a:solidFill>
+              </a:rPr>
+            </a:br>
+            <a:r>
+              <a:rPr lang="ja-JP" altLang="en-US" sz="1100" dirty="0">
+                <a:solidFill>
+                  <a:sysClr val="windowText" lastClr="000000"/>
+                </a:solidFill>
+              </a:rPr>
+              <a:t>田井</a:t>
+            </a:r>
+            <a:endParaRPr kumimoji="1" lang="ja-JP" altLang="en-US" sz="1100" dirty="0">
+              <a:solidFill>
+                <a:sysClr val="windowText" lastClr="000000"/>
+              </a:solidFill>
+            </a:endParaRPr>
+          </a:p>
+        </p:txBody>
+      </p:sp>
+      <p:sp>
+        <p:nvSpPr>
+          <p:cNvPr id="177" name="正方形/長方形 176">
+            <a:extLst>
+              <a:ext uri="{FF2B5EF4-FFF2-40B4-BE49-F238E27FC236}">
+                <a16:creationId xmlns:a16="http://schemas.microsoft.com/office/drawing/2014/main" id="{260D21E9-73AF-42DB-85DF-2C940ECD026E}"/>
+              </a:ext>
+            </a:extLst>
+          </p:cNvPr>
+          <p:cNvSpPr/>
+          <p:nvPr/>
+        </p:nvSpPr>
+        <p:spPr>
+          <a:xfrm>
+            <a:off x="2664042" y="35970"/>
+            <a:ext cx="647845" cy="215972"/>
+          </a:xfrm>
+          <a:prstGeom prst="rect">
+            <a:avLst/>
+          </a:prstGeom>
+        </p:spPr>
+        <p:style>
+          <a:lnRef idx="2">
+            <a:schemeClr val="accent4">
+              <a:shade val="50000"/>
+            </a:schemeClr>
+          </a:lnRef>
+          <a:fillRef idx="1">
+            <a:schemeClr val="accent4"/>
+          </a:fillRef>
+          <a:effectRef idx="0">
+            <a:schemeClr val="accent4"/>
+          </a:effectRef>
+          <a:fontRef idx="minor">
+            <a:schemeClr val="lt1"/>
+          </a:fontRef>
+        </p:style>
+        <p:txBody>
+          <a:bodyPr wrap="none" rtlCol="0" anchor="ctr"/>
+          <a:lstStyle/>
+          <a:p>
+            <a:pPr algn="ctr"/>
+            <a:r>
+              <a:rPr kumimoji="1" lang="ja-JP" altLang="en-US" sz="1200" b="1" dirty="0">
+                <a:solidFill>
+                  <a:schemeClr val="tx1"/>
+                </a:solidFill>
+              </a:rPr>
+              <a:t>東山線</a:t>
+            </a:r>
+          </a:p>
+        </p:txBody>
+      </p:sp>
+      <p:sp>
+        <p:nvSpPr>
+          <p:cNvPr id="178" name="正方形/長方形 177">
+            <a:extLst>
+              <a:ext uri="{FF2B5EF4-FFF2-40B4-BE49-F238E27FC236}">
+                <a16:creationId xmlns:a16="http://schemas.microsoft.com/office/drawing/2014/main" id="{F9E47D87-81AA-4E2E-8CB8-14AED802FED2}"/>
+              </a:ext>
+            </a:extLst>
+          </p:cNvPr>
+          <p:cNvSpPr/>
+          <p:nvPr/>
+        </p:nvSpPr>
+        <p:spPr>
+          <a:xfrm>
+            <a:off x="2664042" y="287938"/>
+            <a:ext cx="647845" cy="215972"/>
+          </a:xfrm>
+          <a:prstGeom prst="rect">
+            <a:avLst/>
+          </a:prstGeom>
+          <a:solidFill>
+            <a:srgbClr val="EEBEE8"/>
+          </a:solidFill>
+          <a:ln>
+            <a:solidFill>
+              <a:srgbClr val="9D4192"/>
+            </a:solidFill>
+          </a:ln>
+        </p:spPr>
+        <p:style>
+          <a:lnRef idx="2">
+            <a:schemeClr val="accent5">
+              <a:shade val="50000"/>
+            </a:schemeClr>
+          </a:lnRef>
+          <a:fillRef idx="1">
+            <a:schemeClr val="accent5"/>
+          </a:fillRef>
+          <a:effectRef idx="0">
+            <a:schemeClr val="accent5"/>
+          </a:effectRef>
+          <a:fontRef idx="minor">
+            <a:schemeClr val="lt1"/>
+          </a:fontRef>
+        </p:style>
+        <p:txBody>
+          <a:bodyPr wrap="none" rtlCol="0" anchor="ctr"/>
+          <a:lstStyle/>
+          <a:p>
+            <a:pPr algn="ctr"/>
+            <a:r>
+              <a:rPr kumimoji="1" lang="ja-JP" altLang="en-US" sz="1200" b="1" dirty="0">
+                <a:solidFill>
+                  <a:schemeClr val="tx1"/>
+                </a:solidFill>
+              </a:rPr>
+              <a:t>名城線</a:t>
+            </a:r>
+          </a:p>
+        </p:txBody>
+      </p:sp>
+      <p:sp>
+        <p:nvSpPr>
+          <p:cNvPr id="179" name="正方形/長方形 178">
+            <a:extLst>
+              <a:ext uri="{FF2B5EF4-FFF2-40B4-BE49-F238E27FC236}">
+                <a16:creationId xmlns:a16="http://schemas.microsoft.com/office/drawing/2014/main" id="{3BC4130D-F9D7-41E3-AA2D-2764AA2199FC}"/>
+              </a:ext>
+            </a:extLst>
+          </p:cNvPr>
+          <p:cNvSpPr/>
+          <p:nvPr/>
+        </p:nvSpPr>
+        <p:spPr>
+          <a:xfrm>
+            <a:off x="2664042" y="539906"/>
+            <a:ext cx="647845" cy="215972"/>
+          </a:xfrm>
+          <a:prstGeom prst="rect">
+            <a:avLst/>
+          </a:prstGeom>
+          <a:solidFill>
+            <a:schemeClr val="accent6">
+              <a:lumMod val="40000"/>
+              <a:lumOff val="60000"/>
+            </a:schemeClr>
+          </a:solidFill>
+        </p:spPr>
+        <p:style>
+          <a:lnRef idx="2">
+            <a:schemeClr val="accent6">
+              <a:shade val="50000"/>
+            </a:schemeClr>
+          </a:lnRef>
+          <a:fillRef idx="1">
+            <a:schemeClr val="accent6"/>
+          </a:fillRef>
+          <a:effectRef idx="0">
+            <a:schemeClr val="accent6"/>
+          </a:effectRef>
+          <a:fontRef idx="minor">
+            <a:schemeClr val="lt1"/>
+          </a:fontRef>
+        </p:style>
+        <p:txBody>
+          <a:bodyPr wrap="none" rtlCol="0" anchor="ctr"/>
+          <a:lstStyle/>
+          <a:p>
+            <a:pPr algn="ctr"/>
+            <a:r>
+              <a:rPr kumimoji="1" lang="ja-JP" altLang="en-US" sz="1200" b="1" dirty="0">
+                <a:solidFill>
+                  <a:schemeClr val="tx1"/>
+                </a:solidFill>
+              </a:rPr>
+              <a:t>名港線</a:t>
+            </a:r>
+          </a:p>
+        </p:txBody>
+      </p:sp>
+      <p:sp>
+        <p:nvSpPr>
+          <p:cNvPr id="180" name="正方形/長方形 179">
+            <a:extLst>
+              <a:ext uri="{FF2B5EF4-FFF2-40B4-BE49-F238E27FC236}">
+                <a16:creationId xmlns:a16="http://schemas.microsoft.com/office/drawing/2014/main" id="{22AE6F44-B86E-4FA6-8A9C-FD42CB25E03B}"/>
+              </a:ext>
+            </a:extLst>
+          </p:cNvPr>
+          <p:cNvSpPr/>
+          <p:nvPr/>
+        </p:nvSpPr>
+        <p:spPr>
+          <a:xfrm>
+            <a:off x="3347954" y="35970"/>
+            <a:ext cx="647845" cy="215972"/>
+          </a:xfrm>
+          <a:prstGeom prst="rect">
+            <a:avLst/>
+          </a:prstGeom>
+          <a:solidFill>
+            <a:srgbClr val="B6D8F6"/>
+          </a:solidFill>
+          <a:ln>
+            <a:solidFill>
+              <a:srgbClr val="2C72B2"/>
+            </a:solidFill>
+          </a:ln>
+        </p:spPr>
+        <p:style>
+          <a:lnRef idx="2">
+            <a:schemeClr val="accent5">
+              <a:shade val="50000"/>
+            </a:schemeClr>
+          </a:lnRef>
+          <a:fillRef idx="1">
+            <a:schemeClr val="accent5"/>
+          </a:fillRef>
+          <a:effectRef idx="0">
+            <a:schemeClr val="accent5"/>
+          </a:effectRef>
+          <a:fontRef idx="minor">
+            <a:schemeClr val="lt1"/>
+          </a:fontRef>
+        </p:style>
+        <p:txBody>
+          <a:bodyPr wrap="none" rtlCol="0" anchor="ctr"/>
+          <a:lstStyle/>
+          <a:p>
+            <a:pPr algn="ctr"/>
+            <a:r>
+              <a:rPr kumimoji="1" lang="ja-JP" altLang="en-US" sz="1200" b="1" dirty="0">
+                <a:solidFill>
+                  <a:schemeClr val="tx1"/>
+                </a:solidFill>
+              </a:rPr>
+              <a:t>鶴舞線</a:t>
+            </a:r>
+          </a:p>
+        </p:txBody>
+      </p:sp>
+      <p:sp>
+        <p:nvSpPr>
+          <p:cNvPr id="181" name="正方形/長方形 180">
+            <a:extLst>
+              <a:ext uri="{FF2B5EF4-FFF2-40B4-BE49-F238E27FC236}">
+                <a16:creationId xmlns:a16="http://schemas.microsoft.com/office/drawing/2014/main" id="{802E2800-865C-487D-8385-5FD69D0481C8}"/>
+              </a:ext>
+            </a:extLst>
+          </p:cNvPr>
+          <p:cNvSpPr/>
+          <p:nvPr/>
+        </p:nvSpPr>
+        <p:spPr>
+          <a:xfrm>
+            <a:off x="3347954" y="287938"/>
+            <a:ext cx="647917" cy="215972"/>
+          </a:xfrm>
+          <a:prstGeom prst="rect">
+            <a:avLst/>
+          </a:prstGeom>
+          <a:solidFill>
+            <a:srgbClr val="F8AEAE"/>
+          </a:solidFill>
+          <a:ln>
+            <a:solidFill>
+              <a:srgbClr val="AF2121"/>
+            </a:solidFill>
+          </a:ln>
+        </p:spPr>
+        <p:style>
+          <a:lnRef idx="2">
+            <a:schemeClr val="accent5">
+              <a:shade val="50000"/>
+            </a:schemeClr>
+          </a:lnRef>
+          <a:fillRef idx="1">
+            <a:schemeClr val="accent5"/>
+          </a:fillRef>
+          <a:effectRef idx="0">
+            <a:schemeClr val="accent5"/>
+          </a:effectRef>
+          <a:fontRef idx="minor">
+            <a:schemeClr val="lt1"/>
+          </a:fontRef>
+        </p:style>
+        <p:txBody>
+          <a:bodyPr wrap="none" rtlCol="0" anchor="ctr"/>
+          <a:lstStyle/>
+          <a:p>
+            <a:pPr algn="ctr"/>
+            <a:r>
+              <a:rPr kumimoji="1" lang="ja-JP" altLang="en-US" sz="1200" b="1" dirty="0">
+                <a:solidFill>
+                  <a:schemeClr val="tx1"/>
+                </a:solidFill>
+              </a:rPr>
+              <a:t>桜通線</a:t>
+            </a:r>
+          </a:p>
+        </p:txBody>
+      </p:sp>
+      <p:sp>
+        <p:nvSpPr>
+          <p:cNvPr id="182" name="正方形/長方形 181">
+            <a:extLst>
+              <a:ext uri="{FF2B5EF4-FFF2-40B4-BE49-F238E27FC236}">
+                <a16:creationId xmlns:a16="http://schemas.microsoft.com/office/drawing/2014/main" id="{4B513275-E7A4-426F-BBE4-54353CDFF2A6}"/>
+              </a:ext>
+            </a:extLst>
+          </p:cNvPr>
+          <p:cNvSpPr/>
+          <p:nvPr/>
+        </p:nvSpPr>
+        <p:spPr>
+          <a:xfrm>
+            <a:off x="3347954" y="539906"/>
+            <a:ext cx="647917" cy="215972"/>
+          </a:xfrm>
+          <a:prstGeom prst="rect">
+            <a:avLst/>
+          </a:prstGeom>
+          <a:solidFill>
+            <a:srgbClr val="FDE3E3"/>
+          </a:solidFill>
+          <a:ln>
+            <a:solidFill>
+              <a:srgbClr val="D93333"/>
+            </a:solidFill>
+          </a:ln>
+        </p:spPr>
+        <p:style>
+          <a:lnRef idx="2">
+            <a:schemeClr val="accent5">
+              <a:shade val="50000"/>
+            </a:schemeClr>
+          </a:lnRef>
+          <a:fillRef idx="1">
+            <a:schemeClr val="accent5"/>
+          </a:fillRef>
+          <a:effectRef idx="0">
+            <a:schemeClr val="accent5"/>
+          </a:effectRef>
+          <a:fontRef idx="minor">
+            <a:schemeClr val="lt1"/>
+          </a:fontRef>
+        </p:style>
+        <p:txBody>
+          <a:bodyPr wrap="none" rtlCol="0" anchor="ctr"/>
+          <a:lstStyle/>
+          <a:p>
+            <a:pPr algn="ctr"/>
+            <a:r>
+              <a:rPr kumimoji="1" lang="ja-JP" altLang="en-US" sz="1200" b="1" dirty="0">
+                <a:solidFill>
+                  <a:schemeClr val="tx1"/>
+                </a:solidFill>
+              </a:rPr>
+              <a:t>上飯田線</a:t>
+            </a:r>
+          </a:p>
+        </p:txBody>
+      </p:sp>
+      <p:sp>
+        <p:nvSpPr>
+          <p:cNvPr id="2" name="テキスト ボックス 1">
+            <a:extLst>
+              <a:ext uri="{FF2B5EF4-FFF2-40B4-BE49-F238E27FC236}">
+                <a16:creationId xmlns:a16="http://schemas.microsoft.com/office/drawing/2014/main" id="{AB0C95F4-852A-4B02-AED6-39EBB59326B1}"/>
+              </a:ext>
+            </a:extLst>
+          </p:cNvPr>
+          <p:cNvSpPr txBox="1"/>
+          <p:nvPr/>
+        </p:nvSpPr>
+        <p:spPr>
+          <a:xfrm>
+            <a:off x="36379" y="2015716"/>
+            <a:ext cx="1115649" cy="646331"/>
+          </a:xfrm>
+          <a:prstGeom prst="rect">
+            <a:avLst/>
+          </a:prstGeom>
+          <a:solidFill>
+            <a:schemeClr val="bg1">
+              <a:lumMod val="95000"/>
+            </a:schemeClr>
+          </a:solidFill>
+          <a:ln>
+            <a:solidFill>
+              <a:schemeClr val="tx1"/>
+            </a:solidFill>
+          </a:ln>
+        </p:spPr>
+        <p:txBody>
+          <a:bodyPr wrap="square" rtlCol="0">
+            <a:spAutoFit/>
+          </a:bodyPr>
+          <a:lstStyle/>
+          <a:p>
+            <a:r>
+              <a:rPr kumimoji="1" lang="ja-JP" altLang="en-US" sz="1200" dirty="0"/>
+              <a:t>パターン</a:t>
+            </a:r>
+            <a:r>
+              <a:rPr kumimoji="1" lang="en-US" altLang="ja-JP" sz="1200" dirty="0"/>
+              <a:t>1</a:t>
+            </a:r>
+            <a:br>
+              <a:rPr kumimoji="1" lang="en-US" altLang="ja-JP" sz="1200" dirty="0"/>
+            </a:br>
+            <a:r>
+              <a:rPr kumimoji="1" lang="ja-JP" altLang="en-US" sz="1200" dirty="0"/>
+              <a:t>制約</a:t>
+            </a:r>
+            <a:r>
+              <a:rPr kumimoji="1" lang="en-US" altLang="ja-JP" sz="1200" dirty="0"/>
+              <a:t>1</a:t>
+            </a:r>
+            <a:r>
+              <a:rPr kumimoji="1" lang="ja-JP" altLang="en-US" sz="1200" dirty="0"/>
+              <a:t>のみ</a:t>
+            </a:r>
+            <a:br>
+              <a:rPr kumimoji="1" lang="en-US" altLang="ja-JP" sz="1200" dirty="0"/>
+            </a:br>
+            <a:r>
+              <a:rPr kumimoji="1" lang="ja-JP" altLang="en-US" sz="1200" dirty="0"/>
+              <a:t>距離：</a:t>
+            </a:r>
+            <a:r>
+              <a:rPr kumimoji="1" lang="en-US" altLang="ja-JP" sz="1200" dirty="0"/>
+              <a:t>50.5km</a:t>
+            </a:r>
+            <a:endParaRPr kumimoji="1" lang="ja-JP" altLang="en-US" sz="1200" dirty="0"/>
+          </a:p>
+        </p:txBody>
+      </p:sp>
+      <p:sp>
+        <p:nvSpPr>
+          <p:cNvPr id="59" name="正方形/長方形 58">
+            <a:extLst>
+              <a:ext uri="{FF2B5EF4-FFF2-40B4-BE49-F238E27FC236}">
+                <a16:creationId xmlns:a16="http://schemas.microsoft.com/office/drawing/2014/main" id="{22D54A04-1EE6-4C09-8F9C-18BB2463E763}"/>
+              </a:ext>
+            </a:extLst>
+          </p:cNvPr>
+          <p:cNvSpPr/>
+          <p:nvPr/>
+        </p:nvSpPr>
+        <p:spPr>
+          <a:xfrm>
+            <a:off x="3275963" y="1547776"/>
+            <a:ext cx="359954" cy="215972"/>
+          </a:xfrm>
+          <a:prstGeom prst="rect">
+            <a:avLst/>
+          </a:prstGeom>
+          <a:solidFill>
+            <a:schemeClr val="bg1">
+              <a:lumMod val="95000"/>
+            </a:schemeClr>
+          </a:solidFill>
+          <a:ln>
             <a:noFill/>
           </a:ln>
         </p:spPr>
         <p:style>
           <a:lnRef idx="2">
-            <a:schemeClr val="accent5">
-              <a:shade val="50000"/>
-            </a:schemeClr>
-          </a:lnRef>
-          <a:fillRef idx="1">
-            <a:schemeClr val="accent5"/>
-          </a:fillRef>
-          <a:effectRef idx="0">
-            <a:schemeClr val="accent5"/>
+            <a:schemeClr val="accent4">
+              <a:shade val="50000"/>
+            </a:schemeClr>
+          </a:lnRef>
+          <a:fillRef idx="1">
+            <a:schemeClr val="accent4"/>
+          </a:fillRef>
+          <a:effectRef idx="0">
+            <a:schemeClr val="accent4"/>
           </a:effectRef>
           <a:fontRef idx="minor">
             <a:schemeClr val="lt1"/>
@@ -8474,7 +9836,7 @@
                   </a:schemeClr>
                 </a:solidFill>
               </a:rPr>
-              <a:t>7</a:t>
+              <a:t>64</a:t>
             </a:r>
             <a:endParaRPr kumimoji="1" lang="ja-JP" altLang="en-US" sz="1200" b="1" dirty="0">
               <a:solidFill>
@@ -8488,20 +9850,98 @@
       </p:sp>
       <p:sp>
         <p:nvSpPr>
-          <p:cNvPr id="144" name="正方形/長方形 143">
-            <a:extLst>
-              <a:ext uri="{FF2B5EF4-FFF2-40B4-BE49-F238E27FC236}">
-                <a16:creationId xmlns:a16="http://schemas.microsoft.com/office/drawing/2014/main" id="{B7CD6D84-528B-485B-BA45-EAA131404F18}"/>
-              </a:ext>
-            </a:extLst>
-          </p:cNvPr>
-          <p:cNvSpPr/>
-          <p:nvPr/>
-        </p:nvSpPr>
-        <p:spPr>
-          <a:xfrm>
-            <a:off x="1836148" y="2987591"/>
-            <a:ext cx="359954" cy="215972"/>
+          <p:cNvPr id="163" name="正方形/長方形 162">
+            <a:extLst>
+              <a:ext uri="{FF2B5EF4-FFF2-40B4-BE49-F238E27FC236}">
+                <a16:creationId xmlns:a16="http://schemas.microsoft.com/office/drawing/2014/main" id="{EE6ADDC6-F87B-49FF-A390-7CA336024599}"/>
+              </a:ext>
+            </a:extLst>
+          </p:cNvPr>
+          <p:cNvSpPr/>
+          <p:nvPr/>
+        </p:nvSpPr>
+        <p:spPr>
+          <a:xfrm>
+            <a:off x="3635917" y="1475785"/>
+            <a:ext cx="359914" cy="359914"/>
+          </a:xfrm>
+          <a:prstGeom prst="rect">
+            <a:avLst/>
+          </a:prstGeom>
+          <a:solidFill>
+            <a:schemeClr val="bg1">
+              <a:lumMod val="95000"/>
+            </a:schemeClr>
+          </a:solidFill>
+          <a:ln>
+            <a:solidFill>
+              <a:schemeClr val="tx1"/>
+            </a:solidFill>
+          </a:ln>
+        </p:spPr>
+        <p:style>
+          <a:lnRef idx="2">
+            <a:schemeClr val="accent1">
+              <a:shade val="50000"/>
+            </a:schemeClr>
+          </a:lnRef>
+          <a:fillRef idx="1">
+            <a:schemeClr val="accent1"/>
+          </a:fillRef>
+          <a:effectRef idx="0">
+            <a:schemeClr val="accent1"/>
+          </a:effectRef>
+          <a:fontRef idx="minor">
+            <a:schemeClr val="lt1"/>
+          </a:fontRef>
+        </p:style>
+        <p:txBody>
+          <a:bodyPr wrap="none" rtlCol="0" anchor="ctr"/>
+          <a:lstStyle/>
+          <a:p>
+            <a:pPr algn="ctr"/>
+            <a:r>
+              <a:rPr kumimoji="1" lang="ja-JP" altLang="en-US" sz="1100" dirty="0">
+                <a:solidFill>
+                  <a:sysClr val="windowText" lastClr="000000"/>
+                </a:solidFill>
+              </a:rPr>
+              <a:t>藤が</a:t>
+            </a:r>
+            <a:br>
+              <a:rPr kumimoji="1" lang="en-US" altLang="ja-JP" sz="1100" dirty="0">
+                <a:solidFill>
+                  <a:sysClr val="windowText" lastClr="000000"/>
+                </a:solidFill>
+              </a:rPr>
+            </a:br>
+            <a:r>
+              <a:rPr kumimoji="1" lang="ja-JP" altLang="en-US" sz="1100" dirty="0">
+                <a:solidFill>
+                  <a:sysClr val="windowText" lastClr="000000"/>
+                </a:solidFill>
+              </a:rPr>
+              <a:t>丘</a:t>
+            </a:r>
+          </a:p>
+        </p:txBody>
+      </p:sp>
+      <p:sp>
+        <p:nvSpPr>
+          <p:cNvPr id="61" name="正方形/長方形 60">
+            <a:extLst>
+              <a:ext uri="{FF2B5EF4-FFF2-40B4-BE49-F238E27FC236}">
+                <a16:creationId xmlns:a16="http://schemas.microsoft.com/office/drawing/2014/main" id="{DA03FAF1-8EBA-4A27-B083-0DD79C85BA2B}"/>
+              </a:ext>
+            </a:extLst>
+          </p:cNvPr>
+          <p:cNvSpPr/>
+          <p:nvPr/>
+        </p:nvSpPr>
+        <p:spPr>
+          <a:xfrm>
+            <a:off x="2988000" y="1835739"/>
+            <a:ext cx="215972" cy="359954"/>
           </a:xfrm>
           <a:prstGeom prst="rect">
             <a:avLst/>
@@ -8542,7 +9982,7 @@
                   <a:schemeClr val="tx1"/>
                 </a:solidFill>
               </a:rPr>
-              <a:t>57</a:t>
+              <a:t>31</a:t>
             </a:r>
             <a:endParaRPr kumimoji="1" lang="ja-JP" altLang="en-US" sz="1200" b="1" dirty="0">
               <a:solidFill>
@@ -8554,20 +9994,83 @@
       </p:sp>
       <p:sp>
         <p:nvSpPr>
-          <p:cNvPr id="145" name="正方形/長方形 144">
-            <a:extLst>
-              <a:ext uri="{FF2B5EF4-FFF2-40B4-BE49-F238E27FC236}">
-                <a16:creationId xmlns:a16="http://schemas.microsoft.com/office/drawing/2014/main" id="{DCD37F30-EE25-4142-B1DB-218DB3ABE7F3}"/>
-              </a:ext>
-            </a:extLst>
-          </p:cNvPr>
-          <p:cNvSpPr/>
-          <p:nvPr/>
-        </p:nvSpPr>
-        <p:spPr>
-          <a:xfrm>
-            <a:off x="2988000" y="1835739"/>
-            <a:ext cx="215972" cy="359954"/>
+          <p:cNvPr id="162" name="正方形/長方形 161">
+            <a:extLst>
+              <a:ext uri="{FF2B5EF4-FFF2-40B4-BE49-F238E27FC236}">
+                <a16:creationId xmlns:a16="http://schemas.microsoft.com/office/drawing/2014/main" id="{31E01B3F-E39C-4740-ABBD-D830A33A4196}"/>
+              </a:ext>
+            </a:extLst>
+          </p:cNvPr>
+          <p:cNvSpPr/>
+          <p:nvPr/>
+        </p:nvSpPr>
+        <p:spPr>
+          <a:xfrm>
+            <a:off x="2916009" y="1475785"/>
+            <a:ext cx="359914" cy="359914"/>
+          </a:xfrm>
+          <a:prstGeom prst="rect">
+            <a:avLst/>
+          </a:prstGeom>
+          <a:solidFill>
+            <a:schemeClr val="bg1">
+              <a:lumMod val="95000"/>
+            </a:schemeClr>
+          </a:solidFill>
+          <a:ln>
+            <a:solidFill>
+              <a:schemeClr val="tx1"/>
+            </a:solidFill>
+          </a:ln>
+        </p:spPr>
+        <p:style>
+          <a:lnRef idx="2">
+            <a:schemeClr val="accent1">
+              <a:shade val="50000"/>
+            </a:schemeClr>
+          </a:lnRef>
+          <a:fillRef idx="1">
+            <a:schemeClr val="accent1"/>
+          </a:fillRef>
+          <a:effectRef idx="0">
+            <a:schemeClr val="accent1"/>
+          </a:effectRef>
+          <a:fontRef idx="minor">
+            <a:schemeClr val="lt1"/>
+          </a:fontRef>
+        </p:style>
+        <p:txBody>
+          <a:bodyPr wrap="none" rtlCol="0" anchor="ctr"/>
+          <a:lstStyle/>
+          <a:p>
+            <a:pPr algn="ctr"/>
+            <a:r>
+              <a:rPr kumimoji="1" lang="ja-JP" altLang="en-US" sz="1100" dirty="0">
+                <a:solidFill>
+                  <a:sysClr val="windowText" lastClr="000000"/>
+                </a:solidFill>
+              </a:rPr>
+              <a:t>本山</a:t>
+            </a:r>
+          </a:p>
+        </p:txBody>
+      </p:sp>
+      <p:sp>
+        <p:nvSpPr>
+          <p:cNvPr id="62" name="正方形/長方形 61">
+            <a:extLst>
+              <a:ext uri="{FF2B5EF4-FFF2-40B4-BE49-F238E27FC236}">
+                <a16:creationId xmlns:a16="http://schemas.microsoft.com/office/drawing/2014/main" id="{EB0A1846-E1F7-4D8F-AFC0-DD79C4CD663B}"/>
+              </a:ext>
+            </a:extLst>
+          </p:cNvPr>
+          <p:cNvSpPr/>
+          <p:nvPr/>
+        </p:nvSpPr>
+        <p:spPr>
+          <a:xfrm>
+            <a:off x="3275963" y="2267683"/>
+            <a:ext cx="359954" cy="215972"/>
           </a:xfrm>
           <a:prstGeom prst="rect">
             <a:avLst/>
@@ -8610,7 +10113,7 @@
                   </a:schemeClr>
                 </a:solidFill>
               </a:rPr>
-              <a:t>31</a:t>
+              <a:t>54</a:t>
             </a:r>
             <a:endParaRPr kumimoji="1" lang="ja-JP" altLang="en-US" sz="1200" b="1" dirty="0">
               <a:solidFill>
@@ -8624,35 +10127,161 @@
       </p:sp>
       <p:sp>
         <p:nvSpPr>
-          <p:cNvPr id="146" name="正方形/長方形 145">
-            <a:extLst>
-              <a:ext uri="{FF2B5EF4-FFF2-40B4-BE49-F238E27FC236}">
-                <a16:creationId xmlns:a16="http://schemas.microsoft.com/office/drawing/2014/main" id="{93807160-7F19-42D7-A9FA-A59FB78D9706}"/>
-              </a:ext>
-            </a:extLst>
-          </p:cNvPr>
-          <p:cNvSpPr/>
-          <p:nvPr/>
-        </p:nvSpPr>
-        <p:spPr>
-          <a:xfrm>
-            <a:off x="1836148" y="827869"/>
-            <a:ext cx="359954" cy="215972"/>
-          </a:xfrm>
-          <a:prstGeom prst="rect">
-            <a:avLst/>
-          </a:prstGeom>
-          <a:solidFill>
-            <a:srgbClr val="EEBEE8"/>
+          <p:cNvPr id="166" name="正方形/長方形 165">
+            <a:extLst>
+              <a:ext uri="{FF2B5EF4-FFF2-40B4-BE49-F238E27FC236}">
+                <a16:creationId xmlns:a16="http://schemas.microsoft.com/office/drawing/2014/main" id="{EEC62E3A-95F5-4A6D-8F56-6984761A0CBA}"/>
+              </a:ext>
+            </a:extLst>
+          </p:cNvPr>
+          <p:cNvSpPr/>
+          <p:nvPr/>
+        </p:nvSpPr>
+        <p:spPr>
+          <a:xfrm>
+            <a:off x="3635917" y="2195692"/>
+            <a:ext cx="359914" cy="359914"/>
+          </a:xfrm>
+          <a:prstGeom prst="rect">
+            <a:avLst/>
+          </a:prstGeom>
+          <a:solidFill>
+            <a:schemeClr val="bg1">
+              <a:lumMod val="95000"/>
+            </a:schemeClr>
           </a:solidFill>
           <a:ln>
             <a:solidFill>
-              <a:srgbClr val="9D4192"/>
+              <a:schemeClr val="tx1"/>
             </a:solidFill>
           </a:ln>
         </p:spPr>
         <p:style>
           <a:lnRef idx="2">
+            <a:schemeClr val="accent1">
+              <a:shade val="50000"/>
+            </a:schemeClr>
+          </a:lnRef>
+          <a:fillRef idx="1">
+            <a:schemeClr val="accent1"/>
+          </a:fillRef>
+          <a:effectRef idx="0">
+            <a:schemeClr val="accent1"/>
+          </a:effectRef>
+          <a:fontRef idx="minor">
+            <a:schemeClr val="lt1"/>
+          </a:fontRef>
+        </p:style>
+        <p:txBody>
+          <a:bodyPr wrap="none" rtlCol="0" anchor="ctr"/>
+          <a:lstStyle/>
+          <a:p>
+            <a:pPr algn="ctr"/>
+            <a:r>
+              <a:rPr kumimoji="1" lang="ja-JP" altLang="en-US" sz="1100" dirty="0">
+                <a:solidFill>
+                  <a:sysClr val="windowText" lastClr="000000"/>
+                </a:solidFill>
+              </a:rPr>
+              <a:t>赤池</a:t>
+            </a:r>
+          </a:p>
+        </p:txBody>
+      </p:sp>
+      <p:sp>
+        <p:nvSpPr>
+          <p:cNvPr id="165" name="正方形/長方形 164">
+            <a:extLst>
+              <a:ext uri="{FF2B5EF4-FFF2-40B4-BE49-F238E27FC236}">
+                <a16:creationId xmlns:a16="http://schemas.microsoft.com/office/drawing/2014/main" id="{D890BCC9-CC6A-4F83-8469-02369E737509}"/>
+              </a:ext>
+            </a:extLst>
+          </p:cNvPr>
+          <p:cNvSpPr/>
+          <p:nvPr/>
+        </p:nvSpPr>
+        <p:spPr>
+          <a:xfrm>
+            <a:off x="2916009" y="2195692"/>
+            <a:ext cx="359914" cy="359914"/>
+          </a:xfrm>
+          <a:prstGeom prst="rect">
+            <a:avLst/>
+          </a:prstGeom>
+          <a:solidFill>
+            <a:schemeClr val="bg1">
+              <a:lumMod val="95000"/>
+            </a:schemeClr>
+          </a:solidFill>
+          <a:ln>
+            <a:solidFill>
+              <a:schemeClr val="tx1"/>
+            </a:solidFill>
+          </a:ln>
+        </p:spPr>
+        <p:style>
+          <a:lnRef idx="2">
+            <a:schemeClr val="accent1">
+              <a:shade val="50000"/>
+            </a:schemeClr>
+          </a:lnRef>
+          <a:fillRef idx="1">
+            <a:schemeClr val="accent1"/>
+          </a:fillRef>
+          <a:effectRef idx="0">
+            <a:schemeClr val="accent1"/>
+          </a:effectRef>
+          <a:fontRef idx="minor">
+            <a:schemeClr val="lt1"/>
+          </a:fontRef>
+        </p:style>
+        <p:txBody>
+          <a:bodyPr wrap="none" rtlCol="0" anchor="ctr"/>
+          <a:lstStyle/>
+          <a:p>
+            <a:pPr algn="ctr"/>
+            <a:r>
+              <a:rPr kumimoji="1" lang="ja-JP" altLang="en-US" sz="1100" dirty="0">
+                <a:solidFill>
+                  <a:sysClr val="windowText" lastClr="000000"/>
+                </a:solidFill>
+              </a:rPr>
+              <a:t>八事</a:t>
+            </a:r>
+          </a:p>
+        </p:txBody>
+      </p:sp>
+      <p:sp>
+        <p:nvSpPr>
+          <p:cNvPr id="63" name="正方形/長方形 62">
+            <a:extLst>
+              <a:ext uri="{FF2B5EF4-FFF2-40B4-BE49-F238E27FC236}">
+                <a16:creationId xmlns:a16="http://schemas.microsoft.com/office/drawing/2014/main" id="{F0EE6E5E-C7CA-4D0D-BF9C-0769680CD776}"/>
+              </a:ext>
+            </a:extLst>
+          </p:cNvPr>
+          <p:cNvSpPr/>
+          <p:nvPr/>
+        </p:nvSpPr>
+        <p:spPr>
+          <a:xfrm>
+            <a:off x="2268093" y="2555646"/>
+            <a:ext cx="215972" cy="359954"/>
+          </a:xfrm>
+          <a:prstGeom prst="rect">
+            <a:avLst/>
+          </a:prstGeom>
+          <a:solidFill>
+            <a:srgbClr val="F8AEAE"/>
+          </a:solidFill>
+          <a:ln>
+            <a:solidFill>
+              <a:srgbClr val="AF2121"/>
+            </a:solidFill>
+          </a:ln>
+        </p:spPr>
+        <p:style>
+          <a:lnRef idx="2">
             <a:schemeClr val="accent5">
               <a:shade val="50000"/>
             </a:schemeClr>
@@ -8678,7 +10307,7 @@
                   <a:schemeClr val="tx1"/>
                 </a:solidFill>
               </a:rPr>
-              <a:t>48</a:t>
+              <a:t>34</a:t>
             </a:r>
             <a:endParaRPr kumimoji="1" lang="ja-JP" altLang="en-US" sz="1200" b="1" dirty="0">
               <a:solidFill>
@@ -8690,20 +10319,20 @@
       </p:sp>
       <p:sp>
         <p:nvSpPr>
-          <p:cNvPr id="149" name="正方形/長方形 148">
-            <a:extLst>
-              <a:ext uri="{FF2B5EF4-FFF2-40B4-BE49-F238E27FC236}">
-                <a16:creationId xmlns:a16="http://schemas.microsoft.com/office/drawing/2014/main" id="{90E8FC56-6888-477B-9DCA-EC755DC46960}"/>
-              </a:ext>
-            </a:extLst>
-          </p:cNvPr>
-          <p:cNvSpPr/>
-          <p:nvPr/>
-        </p:nvSpPr>
-        <p:spPr>
-          <a:xfrm>
-            <a:off x="1548185" y="2555646"/>
-            <a:ext cx="215972" cy="359954"/>
+          <p:cNvPr id="64" name="正方形/長方形 63">
+            <a:extLst>
+              <a:ext uri="{FF2B5EF4-FFF2-40B4-BE49-F238E27FC236}">
+                <a16:creationId xmlns:a16="http://schemas.microsoft.com/office/drawing/2014/main" id="{3C1639B3-7F8A-4FEE-80A3-33B9FE981927}"/>
+              </a:ext>
+            </a:extLst>
+          </p:cNvPr>
+          <p:cNvSpPr/>
+          <p:nvPr/>
+        </p:nvSpPr>
+        <p:spPr>
+          <a:xfrm>
+            <a:off x="2556055" y="2987591"/>
+            <a:ext cx="359954" cy="215972"/>
           </a:xfrm>
           <a:prstGeom prst="rect">
             <a:avLst/>
@@ -8746,7 +10375,7 @@
                   </a:schemeClr>
                 </a:solidFill>
               </a:rPr>
-              <a:t>16</a:t>
+              <a:t>73</a:t>
             </a:r>
             <a:endParaRPr kumimoji="1" lang="ja-JP" altLang="en-US" sz="1200" b="1" dirty="0">
               <a:solidFill>
@@ -8760,10 +10389,151 @@
       </p:sp>
       <p:sp>
         <p:nvSpPr>
-          <p:cNvPr id="150" name="正方形/長方形 149">
-            <a:extLst>
-              <a:ext uri="{FF2B5EF4-FFF2-40B4-BE49-F238E27FC236}">
-                <a16:creationId xmlns:a16="http://schemas.microsoft.com/office/drawing/2014/main" id="{AA5E84AC-0865-4F00-9E79-9F08BD60EB90}"/>
+          <p:cNvPr id="168" name="正方形/長方形 167">
+            <a:extLst>
+              <a:ext uri="{FF2B5EF4-FFF2-40B4-BE49-F238E27FC236}">
+                <a16:creationId xmlns:a16="http://schemas.microsoft.com/office/drawing/2014/main" id="{886F7867-3E99-4399-9E51-C5DA780164A0}"/>
+              </a:ext>
+            </a:extLst>
+          </p:cNvPr>
+          <p:cNvSpPr/>
+          <p:nvPr/>
+        </p:nvSpPr>
+        <p:spPr>
+          <a:xfrm>
+            <a:off x="2916009" y="2915600"/>
+            <a:ext cx="359914" cy="359914"/>
+          </a:xfrm>
+          <a:prstGeom prst="rect">
+            <a:avLst/>
+          </a:prstGeom>
+          <a:solidFill>
+            <a:schemeClr val="bg1">
+              <a:lumMod val="95000"/>
+            </a:schemeClr>
+          </a:solidFill>
+          <a:ln>
+            <a:solidFill>
+              <a:schemeClr val="tx1"/>
+            </a:solidFill>
+          </a:ln>
+        </p:spPr>
+        <p:style>
+          <a:lnRef idx="2">
+            <a:schemeClr val="accent1">
+              <a:shade val="50000"/>
+            </a:schemeClr>
+          </a:lnRef>
+          <a:fillRef idx="1">
+            <a:schemeClr val="accent1"/>
+          </a:fillRef>
+          <a:effectRef idx="0">
+            <a:schemeClr val="accent1"/>
+          </a:effectRef>
+          <a:fontRef idx="minor">
+            <a:schemeClr val="lt1"/>
+          </a:fontRef>
+        </p:style>
+        <p:txBody>
+          <a:bodyPr wrap="none" rtlCol="0" anchor="ctr"/>
+          <a:lstStyle/>
+          <a:p>
+            <a:pPr algn="ctr"/>
+            <a:r>
+              <a:rPr kumimoji="1" lang="ja-JP" altLang="en-US" sz="1100" dirty="0">
+                <a:solidFill>
+                  <a:sysClr val="windowText" lastClr="000000"/>
+                </a:solidFill>
+              </a:rPr>
+              <a:t>徳重</a:t>
+            </a:r>
+          </a:p>
+        </p:txBody>
+      </p:sp>
+      <p:sp>
+        <p:nvSpPr>
+          <p:cNvPr id="167" name="正方形/長方形 166">
+            <a:extLst>
+              <a:ext uri="{FF2B5EF4-FFF2-40B4-BE49-F238E27FC236}">
+                <a16:creationId xmlns:a16="http://schemas.microsoft.com/office/drawing/2014/main" id="{9BBA2F0B-6A72-4C13-AB1B-9F437139A406}"/>
+              </a:ext>
+            </a:extLst>
+          </p:cNvPr>
+          <p:cNvSpPr/>
+          <p:nvPr/>
+        </p:nvSpPr>
+        <p:spPr>
+          <a:xfrm>
+            <a:off x="2196102" y="2915600"/>
+            <a:ext cx="359914" cy="359914"/>
+          </a:xfrm>
+          <a:prstGeom prst="rect">
+            <a:avLst/>
+          </a:prstGeom>
+          <a:solidFill>
+            <a:schemeClr val="bg1">
+              <a:lumMod val="95000"/>
+            </a:schemeClr>
+          </a:solidFill>
+          <a:ln>
+            <a:solidFill>
+              <a:schemeClr val="tx1"/>
+            </a:solidFill>
+          </a:ln>
+        </p:spPr>
+        <p:style>
+          <a:lnRef idx="2">
+            <a:schemeClr val="accent1">
+              <a:shade val="50000"/>
+            </a:schemeClr>
+          </a:lnRef>
+          <a:fillRef idx="1">
+            <a:schemeClr val="accent1"/>
+          </a:fillRef>
+          <a:effectRef idx="0">
+            <a:schemeClr val="accent1"/>
+          </a:effectRef>
+          <a:fontRef idx="minor">
+            <a:schemeClr val="lt1"/>
+          </a:fontRef>
+        </p:style>
+        <p:txBody>
+          <a:bodyPr wrap="none" rtlCol="0" anchor="ctr"/>
+          <a:lstStyle/>
+          <a:p>
+            <a:pPr algn="ctr"/>
+            <a:r>
+              <a:rPr kumimoji="1" lang="ja-JP" altLang="en-US" sz="1100" dirty="0">
+                <a:solidFill>
+                  <a:sysClr val="windowText" lastClr="000000"/>
+                </a:solidFill>
+              </a:rPr>
+              <a:t>新瑞</a:t>
+            </a:r>
+            <a:br>
+              <a:rPr kumimoji="1" lang="en-US" altLang="ja-JP" sz="1100" dirty="0">
+                <a:solidFill>
+                  <a:sysClr val="windowText" lastClr="000000"/>
+                </a:solidFill>
+              </a:rPr>
+            </a:br>
+            <a:r>
+              <a:rPr kumimoji="1" lang="ja-JP" altLang="en-US" sz="1100" dirty="0">
+                <a:solidFill>
+                  <a:sysClr val="windowText" lastClr="000000"/>
+                </a:solidFill>
+              </a:rPr>
+              <a:t>橋</a:t>
+            </a:r>
+          </a:p>
+        </p:txBody>
+      </p:sp>
+      <p:sp>
+        <p:nvSpPr>
+          <p:cNvPr id="65" name="正方形/長方形 64">
+            <a:extLst>
+              <a:ext uri="{FF2B5EF4-FFF2-40B4-BE49-F238E27FC236}">
+                <a16:creationId xmlns:a16="http://schemas.microsoft.com/office/drawing/2014/main" id="{BB12930A-E63A-449C-AD2B-E05773E831F3}"/>
               </a:ext>
             </a:extLst>
           </p:cNvPr>
@@ -8779,11 +10549,161 @@
             <a:avLst/>
           </a:prstGeom>
           <a:solidFill>
+            <a:schemeClr val="bg1">
+              <a:lumMod val="95000"/>
+            </a:schemeClr>
+          </a:solidFill>
+          <a:ln>
+            <a:noFill/>
+          </a:ln>
+        </p:spPr>
+        <p:style>
+          <a:lnRef idx="2">
             <a:schemeClr val="accent6">
-              <a:lumMod val="40000"/>
-              <a:lumOff val="60000"/>
-            </a:schemeClr>
-          </a:solidFill>
+              <a:shade val="50000"/>
+            </a:schemeClr>
+          </a:lnRef>
+          <a:fillRef idx="1">
+            <a:schemeClr val="accent6"/>
+          </a:fillRef>
+          <a:effectRef idx="0">
+            <a:schemeClr val="accent6"/>
+          </a:effectRef>
+          <a:fontRef idx="minor">
+            <a:schemeClr val="lt1"/>
+          </a:fontRef>
+        </p:style>
+        <p:txBody>
+          <a:bodyPr wrap="none" rtlCol="0" anchor="ctr"/>
+          <a:lstStyle/>
+          <a:p>
+            <a:pPr algn="ctr"/>
+            <a:r>
+              <a:rPr kumimoji="1" lang="en-US" altLang="ja-JP" sz="1200" b="1" dirty="0">
+                <a:solidFill>
+                  <a:schemeClr val="bg1">
+                    <a:lumMod val="75000"/>
+                  </a:schemeClr>
+                </a:solidFill>
+              </a:rPr>
+              <a:t>60</a:t>
+            </a:r>
+            <a:endParaRPr kumimoji="1" lang="ja-JP" altLang="en-US" sz="1200" b="1" dirty="0">
+              <a:solidFill>
+                <a:schemeClr val="bg1">
+                  <a:lumMod val="75000"/>
+                </a:schemeClr>
+              </a:solidFill>
+            </a:endParaRPr>
+          </a:p>
+        </p:txBody>
+      </p:sp>
+      <p:sp>
+        <p:nvSpPr>
+          <p:cNvPr id="170" name="正方形/長方形 169">
+            <a:extLst>
+              <a:ext uri="{FF2B5EF4-FFF2-40B4-BE49-F238E27FC236}">
+                <a16:creationId xmlns:a16="http://schemas.microsoft.com/office/drawing/2014/main" id="{DE7884B7-6B23-4A30-B35F-2668551BA96A}"/>
+              </a:ext>
+            </a:extLst>
+          </p:cNvPr>
+          <p:cNvSpPr/>
+          <p:nvPr/>
+        </p:nvSpPr>
+        <p:spPr>
+          <a:xfrm>
+            <a:off x="756287" y="2915600"/>
+            <a:ext cx="359914" cy="359914"/>
+          </a:xfrm>
+          <a:prstGeom prst="rect">
+            <a:avLst/>
+          </a:prstGeom>
+          <a:solidFill>
+            <a:schemeClr val="bg1">
+              <a:lumMod val="95000"/>
+            </a:schemeClr>
+          </a:solidFill>
+          <a:ln>
+            <a:solidFill>
+              <a:schemeClr val="tx1"/>
+            </a:solidFill>
+          </a:ln>
+        </p:spPr>
+        <p:style>
+          <a:lnRef idx="2">
+            <a:schemeClr val="accent1">
+              <a:shade val="50000"/>
+            </a:schemeClr>
+          </a:lnRef>
+          <a:fillRef idx="1">
+            <a:schemeClr val="accent1"/>
+          </a:fillRef>
+          <a:effectRef idx="0">
+            <a:schemeClr val="accent1"/>
+          </a:effectRef>
+          <a:fontRef idx="minor">
+            <a:schemeClr val="lt1"/>
+          </a:fontRef>
+        </p:style>
+        <p:txBody>
+          <a:bodyPr wrap="none" rtlCol="0" anchor="ctr"/>
+          <a:lstStyle/>
+          <a:p>
+            <a:pPr algn="ctr"/>
+            <a:r>
+              <a:rPr kumimoji="1" lang="ja-JP" altLang="en-US" sz="1100" dirty="0">
+                <a:solidFill>
+                  <a:sysClr val="windowText" lastClr="000000"/>
+                </a:solidFill>
+              </a:rPr>
+              <a:t>名古</a:t>
+            </a:r>
+            <a:br>
+              <a:rPr kumimoji="1" lang="en-US" altLang="ja-JP" sz="1100" dirty="0">
+                <a:solidFill>
+                  <a:sysClr val="windowText" lastClr="000000"/>
+                </a:solidFill>
+              </a:rPr>
+            </a:br>
+            <a:r>
+              <a:rPr kumimoji="1" lang="ja-JP" altLang="en-US" sz="1100" dirty="0">
+                <a:solidFill>
+                  <a:sysClr val="windowText" lastClr="000000"/>
+                </a:solidFill>
+              </a:rPr>
+              <a:t>屋港</a:t>
+            </a:r>
+          </a:p>
+        </p:txBody>
+      </p:sp>
+      <p:sp>
+        <p:nvSpPr>
+          <p:cNvPr id="66" name="正方形/長方形 65">
+            <a:extLst>
+              <a:ext uri="{FF2B5EF4-FFF2-40B4-BE49-F238E27FC236}">
+                <a16:creationId xmlns:a16="http://schemas.microsoft.com/office/drawing/2014/main" id="{6EA1E364-E183-43D5-BFA3-F1B569E1BAEC}"/>
+              </a:ext>
+            </a:extLst>
+          </p:cNvPr>
+          <p:cNvSpPr/>
+          <p:nvPr/>
+        </p:nvSpPr>
+        <p:spPr>
+          <a:xfrm>
+            <a:off x="1836105" y="2267830"/>
+            <a:ext cx="359954" cy="215972"/>
+          </a:xfrm>
+          <a:prstGeom prst="rect">
+            <a:avLst/>
+          </a:prstGeom>
+          <a:solidFill>
+            <a:schemeClr val="bg1">
+              <a:lumMod val="95000"/>
+            </a:schemeClr>
+          </a:solidFill>
+          <a:ln>
+            <a:noFill/>
+          </a:ln>
         </p:spPr>
         <p:style>
           <a:lnRef idx="2">
@@ -8809,10 +10729,158 @@
             <a:r>
               <a:rPr kumimoji="1" lang="en-US" altLang="ja-JP" sz="1200" b="1" dirty="0">
                 <a:solidFill>
+                  <a:schemeClr val="bg1">
+                    <a:lumMod val="75000"/>
+                  </a:schemeClr>
+                </a:solidFill>
+              </a:rPr>
+              <a:t>31</a:t>
+            </a:r>
+            <a:endParaRPr kumimoji="1" lang="ja-JP" altLang="en-US" sz="1200" b="1" dirty="0">
+              <a:solidFill>
+                <a:schemeClr val="bg1">
+                  <a:lumMod val="75000"/>
+                </a:schemeClr>
+              </a:solidFill>
+            </a:endParaRPr>
+          </a:p>
+        </p:txBody>
+      </p:sp>
+      <p:sp>
+        <p:nvSpPr>
+          <p:cNvPr id="164" name="正方形/長方形 163">
+            <a:extLst>
+              <a:ext uri="{FF2B5EF4-FFF2-40B4-BE49-F238E27FC236}">
+                <a16:creationId xmlns:a16="http://schemas.microsoft.com/office/drawing/2014/main" id="{16180642-624A-4F7E-98B0-4F7B46687879}"/>
+              </a:ext>
+            </a:extLst>
+          </p:cNvPr>
+          <p:cNvSpPr/>
+          <p:nvPr/>
+        </p:nvSpPr>
+        <p:spPr>
+          <a:xfrm>
+            <a:off x="2196102" y="2195692"/>
+            <a:ext cx="359914" cy="359914"/>
+          </a:xfrm>
+          <a:prstGeom prst="rect">
+            <a:avLst/>
+          </a:prstGeom>
+          <a:solidFill>
+            <a:schemeClr val="bg1">
+              <a:lumMod val="95000"/>
+            </a:schemeClr>
+          </a:solidFill>
+          <a:ln>
+            <a:solidFill>
+              <a:schemeClr val="tx1"/>
+            </a:solidFill>
+          </a:ln>
+        </p:spPr>
+        <p:style>
+          <a:lnRef idx="2">
+            <a:schemeClr val="accent1">
+              <a:shade val="50000"/>
+            </a:schemeClr>
+          </a:lnRef>
+          <a:fillRef idx="1">
+            <a:schemeClr val="accent1"/>
+          </a:fillRef>
+          <a:effectRef idx="0">
+            <a:schemeClr val="accent1"/>
+          </a:effectRef>
+          <a:fontRef idx="minor">
+            <a:schemeClr val="lt1"/>
+          </a:fontRef>
+        </p:style>
+        <p:txBody>
+          <a:bodyPr wrap="none" rtlCol="0" anchor="ctr"/>
+          <a:lstStyle/>
+          <a:p>
+            <a:pPr algn="ctr"/>
+            <a:r>
+              <a:rPr kumimoji="1" lang="ja-JP" altLang="en-US" sz="1100" dirty="0">
+                <a:solidFill>
+                  <a:sysClr val="windowText" lastClr="000000"/>
+                </a:solidFill>
+              </a:rPr>
+              <a:t>御器</a:t>
+            </a:r>
+            <a:br>
+              <a:rPr kumimoji="1" lang="en-US" altLang="ja-JP" sz="1100" dirty="0">
+                <a:solidFill>
+                  <a:sysClr val="windowText" lastClr="000000"/>
+                </a:solidFill>
+              </a:rPr>
+            </a:br>
+            <a:r>
+              <a:rPr kumimoji="1" lang="ja-JP" altLang="en-US" sz="1100" dirty="0">
+                <a:solidFill>
+                  <a:sysClr val="windowText" lastClr="000000"/>
+                </a:solidFill>
+              </a:rPr>
+              <a:t>所</a:t>
+            </a:r>
+          </a:p>
+        </p:txBody>
+      </p:sp>
+      <p:sp>
+        <p:nvSpPr>
+          <p:cNvPr id="67" name="正方形/長方形 66">
+            <a:extLst>
+              <a:ext uri="{FF2B5EF4-FFF2-40B4-BE49-F238E27FC236}">
+                <a16:creationId xmlns:a16="http://schemas.microsoft.com/office/drawing/2014/main" id="{21203BC9-C39E-42B6-A3A4-062868AF13FF}"/>
+              </a:ext>
+            </a:extLst>
+          </p:cNvPr>
+          <p:cNvSpPr/>
+          <p:nvPr/>
+        </p:nvSpPr>
+        <p:spPr>
+          <a:xfrm>
+            <a:off x="1548185" y="2555646"/>
+            <a:ext cx="215972" cy="359954"/>
+          </a:xfrm>
+          <a:prstGeom prst="rect">
+            <a:avLst/>
+          </a:prstGeom>
+          <a:solidFill>
+            <a:srgbClr val="EEBEE8"/>
+          </a:solidFill>
+          <a:ln>
+            <a:solidFill>
+              <a:srgbClr val="9D4192"/>
+            </a:solidFill>
+          </a:ln>
+        </p:spPr>
+        <p:style>
+          <a:lnRef idx="2">
+            <a:schemeClr val="accent5">
+              <a:shade val="50000"/>
+            </a:schemeClr>
+          </a:lnRef>
+          <a:fillRef idx="1">
+            <a:schemeClr val="accent5"/>
+          </a:fillRef>
+          <a:effectRef idx="0">
+            <a:schemeClr val="accent5"/>
+          </a:effectRef>
+          <a:fontRef idx="minor">
+            <a:schemeClr val="lt1"/>
+          </a:fontRef>
+        </p:style>
+        <p:txBody>
+          <a:bodyPr wrap="none" rtlCol="0" anchor="ctr"/>
+          <a:lstStyle/>
+          <a:p>
+            <a:pPr algn="ctr"/>
+            <a:r>
+              <a:rPr kumimoji="1" lang="en-US" altLang="ja-JP" sz="1200" b="1" dirty="0">
+                <a:solidFill>
                   <a:schemeClr val="tx1"/>
                 </a:solidFill>
               </a:rPr>
-              <a:t>60</a:t>
+              <a:t>16</a:t>
             </a:r>
             <a:endParaRPr kumimoji="1" lang="ja-JP" altLang="en-US" sz="1200" b="1" dirty="0">
               <a:solidFill>
@@ -8824,251 +10892,19 @@
       </p:sp>
       <p:sp>
         <p:nvSpPr>
-          <p:cNvPr id="152" name="正方形/長方形 151">
-            <a:extLst>
-              <a:ext uri="{FF2B5EF4-FFF2-40B4-BE49-F238E27FC236}">
-                <a16:creationId xmlns:a16="http://schemas.microsoft.com/office/drawing/2014/main" id="{9DEC776E-078C-4BA0-B164-015431408F7D}"/>
-              </a:ext>
-            </a:extLst>
-          </p:cNvPr>
-          <p:cNvSpPr/>
-          <p:nvPr/>
-        </p:nvSpPr>
-        <p:spPr>
-          <a:xfrm>
-            <a:off x="3275963" y="1547776"/>
-            <a:ext cx="359954" cy="215972"/>
-          </a:xfrm>
-          <a:prstGeom prst="rect">
-            <a:avLst/>
-          </a:prstGeom>
-        </p:spPr>
-        <p:style>
-          <a:lnRef idx="2">
-            <a:schemeClr val="accent4">
-              <a:shade val="50000"/>
-            </a:schemeClr>
-          </a:lnRef>
-          <a:fillRef idx="1">
-            <a:schemeClr val="accent4"/>
-          </a:fillRef>
-          <a:effectRef idx="0">
-            <a:schemeClr val="accent4"/>
-          </a:effectRef>
-          <a:fontRef idx="minor">
-            <a:schemeClr val="lt1"/>
-          </a:fontRef>
-        </p:style>
-        <p:txBody>
-          <a:bodyPr wrap="none" rtlCol="0" anchor="ctr"/>
-          <a:lstStyle/>
-          <a:p>
-            <a:pPr algn="ctr"/>
-            <a:r>
-              <a:rPr kumimoji="1" lang="en-US" altLang="ja-JP" sz="1200" b="1" dirty="0">
-                <a:solidFill>
-                  <a:schemeClr val="tx1"/>
-                </a:solidFill>
-              </a:rPr>
-              <a:t>64</a:t>
-            </a:r>
-            <a:endParaRPr kumimoji="1" lang="ja-JP" altLang="en-US" sz="1200" b="1" dirty="0">
-              <a:solidFill>
-                <a:schemeClr val="tx1"/>
-              </a:solidFill>
-            </a:endParaRPr>
-          </a:p>
-        </p:txBody>
-      </p:sp>
-      <p:sp>
-        <p:nvSpPr>
-          <p:cNvPr id="153" name="正方形/長方形 152">
-            <a:extLst>
-              <a:ext uri="{FF2B5EF4-FFF2-40B4-BE49-F238E27FC236}">
-                <a16:creationId xmlns:a16="http://schemas.microsoft.com/office/drawing/2014/main" id="{FED6BF2C-592E-4118-99D7-1FDE5387A041}"/>
-              </a:ext>
-            </a:extLst>
-          </p:cNvPr>
-          <p:cNvSpPr/>
-          <p:nvPr/>
-        </p:nvSpPr>
-        <p:spPr>
-          <a:xfrm>
-            <a:off x="1836148" y="1547776"/>
-            <a:ext cx="359954" cy="215972"/>
-          </a:xfrm>
-          <a:prstGeom prst="rect">
-            <a:avLst/>
-          </a:prstGeom>
-        </p:spPr>
-        <p:style>
-          <a:lnRef idx="2">
-            <a:schemeClr val="accent4">
-              <a:shade val="50000"/>
-            </a:schemeClr>
-          </a:lnRef>
-          <a:fillRef idx="1">
-            <a:schemeClr val="accent4"/>
-          </a:fillRef>
-          <a:effectRef idx="0">
-            <a:schemeClr val="accent4"/>
-          </a:effectRef>
-          <a:fontRef idx="minor">
-            <a:schemeClr val="lt1"/>
-          </a:fontRef>
-        </p:style>
-        <p:txBody>
-          <a:bodyPr wrap="none" rtlCol="0" anchor="ctr"/>
-          <a:lstStyle/>
-          <a:p>
-            <a:pPr algn="ctr"/>
-            <a:r>
-              <a:rPr kumimoji="1" lang="en-US" altLang="ja-JP" sz="1200" b="1" dirty="0">
-                <a:solidFill>
-                  <a:schemeClr val="tx1"/>
-                </a:solidFill>
-              </a:rPr>
-              <a:t>27</a:t>
-            </a:r>
-            <a:endParaRPr kumimoji="1" lang="ja-JP" altLang="en-US" sz="1200" b="1" dirty="0">
-              <a:solidFill>
-                <a:schemeClr val="tx1"/>
-              </a:solidFill>
-            </a:endParaRPr>
-          </a:p>
-        </p:txBody>
-      </p:sp>
-      <p:sp>
-        <p:nvSpPr>
-          <p:cNvPr id="154" name="正方形/長方形 153">
-            <a:extLst>
-              <a:ext uri="{FF2B5EF4-FFF2-40B4-BE49-F238E27FC236}">
-                <a16:creationId xmlns:a16="http://schemas.microsoft.com/office/drawing/2014/main" id="{17B63EF5-8170-4A83-AD91-A97B1E523AB0}"/>
-              </a:ext>
-            </a:extLst>
-          </p:cNvPr>
-          <p:cNvSpPr/>
-          <p:nvPr/>
-        </p:nvSpPr>
-        <p:spPr>
-          <a:xfrm>
-            <a:off x="1116241" y="1547776"/>
-            <a:ext cx="359954" cy="215972"/>
-          </a:xfrm>
-          <a:prstGeom prst="rect">
-            <a:avLst/>
-          </a:prstGeom>
-        </p:spPr>
-        <p:style>
-          <a:lnRef idx="2">
-            <a:schemeClr val="accent4">
-              <a:shade val="50000"/>
-            </a:schemeClr>
-          </a:lnRef>
-          <a:fillRef idx="1">
-            <a:schemeClr val="accent4"/>
-          </a:fillRef>
-          <a:effectRef idx="0">
-            <a:schemeClr val="accent4"/>
-          </a:effectRef>
-          <a:fontRef idx="minor">
-            <a:schemeClr val="lt1"/>
-          </a:fontRef>
-        </p:style>
-        <p:txBody>
-          <a:bodyPr wrap="none" rtlCol="0" anchor="ctr"/>
-          <a:lstStyle/>
-          <a:p>
-            <a:pPr algn="ctr"/>
-            <a:r>
-              <a:rPr kumimoji="1" lang="en-US" altLang="ja-JP" sz="1200" b="1" dirty="0">
-                <a:solidFill>
-                  <a:schemeClr val="tx1"/>
-                </a:solidFill>
-              </a:rPr>
-              <a:t>10</a:t>
-            </a:r>
-            <a:endParaRPr kumimoji="1" lang="ja-JP" altLang="en-US" sz="1200" b="1" dirty="0">
-              <a:solidFill>
-                <a:schemeClr val="tx1"/>
-              </a:solidFill>
-            </a:endParaRPr>
-          </a:p>
-        </p:txBody>
-      </p:sp>
-      <p:sp>
-        <p:nvSpPr>
-          <p:cNvPr id="155" name="正方形/長方形 154">
-            <a:extLst>
-              <a:ext uri="{FF2B5EF4-FFF2-40B4-BE49-F238E27FC236}">
-                <a16:creationId xmlns:a16="http://schemas.microsoft.com/office/drawing/2014/main" id="{3109EEB9-8CBC-43D6-A5F0-C4A2934F5084}"/>
-              </a:ext>
-            </a:extLst>
-          </p:cNvPr>
-          <p:cNvSpPr/>
-          <p:nvPr/>
-        </p:nvSpPr>
-        <p:spPr>
-          <a:xfrm>
-            <a:off x="108370" y="395924"/>
-            <a:ext cx="215972" cy="359954"/>
-          </a:xfrm>
-          <a:prstGeom prst="rect">
-            <a:avLst/>
-          </a:prstGeom>
-        </p:spPr>
-        <p:style>
-          <a:lnRef idx="2">
-            <a:schemeClr val="accent4">
-              <a:shade val="50000"/>
-            </a:schemeClr>
-          </a:lnRef>
-          <a:fillRef idx="1">
-            <a:schemeClr val="accent4"/>
-          </a:fillRef>
-          <a:effectRef idx="0">
-            <a:schemeClr val="accent4"/>
-          </a:effectRef>
-          <a:fontRef idx="minor">
-            <a:schemeClr val="lt1"/>
-          </a:fontRef>
-        </p:style>
-        <p:txBody>
-          <a:bodyPr wrap="none" rtlCol="0" anchor="ctr"/>
-          <a:lstStyle/>
-          <a:p>
-            <a:pPr algn="ctr"/>
-            <a:r>
-              <a:rPr kumimoji="1" lang="en-US" altLang="ja-JP" sz="1200" b="1" dirty="0">
-                <a:solidFill>
-                  <a:schemeClr val="tx1"/>
-                </a:solidFill>
-              </a:rPr>
-              <a:t>66</a:t>
-            </a:r>
-            <a:endParaRPr kumimoji="1" lang="ja-JP" altLang="en-US" sz="1200" b="1" dirty="0">
-              <a:solidFill>
-                <a:schemeClr val="tx1"/>
-              </a:solidFill>
-            </a:endParaRPr>
-          </a:p>
-        </p:txBody>
-      </p:sp>
-      <p:sp>
-        <p:nvSpPr>
-          <p:cNvPr id="156" name="正方形/長方形 155">
-            <a:extLst>
-              <a:ext uri="{FF2B5EF4-FFF2-40B4-BE49-F238E27FC236}">
-                <a16:creationId xmlns:a16="http://schemas.microsoft.com/office/drawing/2014/main" id="{DCA49676-2BA6-4BEF-BFED-429D82FF9B9D}"/>
-              </a:ext>
-            </a:extLst>
-          </p:cNvPr>
-          <p:cNvSpPr/>
-          <p:nvPr/>
-        </p:nvSpPr>
-        <p:spPr>
-          <a:xfrm>
-            <a:off x="36379" y="35970"/>
+          <p:cNvPr id="169" name="正方形/長方形 168">
+            <a:extLst>
+              <a:ext uri="{FF2B5EF4-FFF2-40B4-BE49-F238E27FC236}">
+                <a16:creationId xmlns:a16="http://schemas.microsoft.com/office/drawing/2014/main" id="{7ADD768F-D001-4305-89B4-D80361F6AF95}"/>
+              </a:ext>
+            </a:extLst>
+          </p:cNvPr>
+          <p:cNvSpPr/>
+          <p:nvPr/>
+        </p:nvSpPr>
+        <p:spPr>
+          <a:xfrm>
+            <a:off x="1476194" y="2915600"/>
             <a:ext cx="359914" cy="359914"/>
           </a:xfrm>
           <a:prstGeom prst="rect">
@@ -9107,36 +10943,31 @@
           <a:p>
             <a:pPr algn="ctr"/>
             <a:r>
-              <a:rPr lang="ja-JP" altLang="en-US" sz="1100" dirty="0">
-                <a:solidFill>
-                  <a:sysClr val="windowText" lastClr="000000"/>
-                </a:solidFill>
-              </a:rPr>
-              <a:t>高畑</a:t>
-            </a:r>
-            <a:endParaRPr kumimoji="1" lang="ja-JP" altLang="en-US" sz="1100" dirty="0">
-              <a:solidFill>
-                <a:sysClr val="windowText" lastClr="000000"/>
-              </a:solidFill>
-            </a:endParaRPr>
-          </a:p>
-        </p:txBody>
-      </p:sp>
-      <p:sp>
-        <p:nvSpPr>
-          <p:cNvPr id="157" name="正方形/長方形 156">
-            <a:extLst>
-              <a:ext uri="{FF2B5EF4-FFF2-40B4-BE49-F238E27FC236}">
-                <a16:creationId xmlns:a16="http://schemas.microsoft.com/office/drawing/2014/main" id="{E96BDF30-C499-4CC1-8BEE-0055944D223A}"/>
-              </a:ext>
-            </a:extLst>
-          </p:cNvPr>
-          <p:cNvSpPr/>
-          <p:nvPr/>
-        </p:nvSpPr>
-        <p:spPr>
-          <a:xfrm>
-            <a:off x="36379" y="755878"/>
+              <a:rPr kumimoji="1" lang="ja-JP" altLang="en-US" sz="1100" dirty="0">
+                <a:solidFill>
+                  <a:sysClr val="windowText" lastClr="000000"/>
+                </a:solidFill>
+              </a:rPr>
+              <a:t>金山</a:t>
+            </a:r>
+          </a:p>
+        </p:txBody>
+      </p:sp>
+      <p:sp>
+        <p:nvSpPr>
+          <p:cNvPr id="159" name="正方形/長方形 158">
+            <a:extLst>
+              <a:ext uri="{FF2B5EF4-FFF2-40B4-BE49-F238E27FC236}">
+                <a16:creationId xmlns:a16="http://schemas.microsoft.com/office/drawing/2014/main" id="{F1DBD6D9-41F4-4E9A-83D4-8109E09F7BC2}"/>
+              </a:ext>
+            </a:extLst>
+          </p:cNvPr>
+          <p:cNvSpPr/>
+          <p:nvPr/>
+        </p:nvSpPr>
+        <p:spPr>
+          <a:xfrm>
+            <a:off x="1476194" y="2195692"/>
             <a:ext cx="359914" cy="359914"/>
           </a:xfrm>
           <a:prstGeom prst="rect">
@@ -9175,152 +11006,6 @@
           <a:p>
             <a:pPr algn="ctr"/>
             <a:r>
-              <a:rPr lang="ja-JP" altLang="en-US" sz="1100" dirty="0">
-                <a:solidFill>
-                  <a:sysClr val="windowText" lastClr="000000"/>
-                </a:solidFill>
-              </a:rPr>
-              <a:t>名古</a:t>
-            </a:r>
-            <a:br>
-              <a:rPr lang="en-US" altLang="ja-JP" sz="1100" dirty="0">
-                <a:solidFill>
-                  <a:sysClr val="windowText" lastClr="000000"/>
-                </a:solidFill>
-              </a:rPr>
-            </a:br>
-            <a:r>
-              <a:rPr lang="ja-JP" altLang="en-US" sz="1100" dirty="0">
-                <a:solidFill>
-                  <a:sysClr val="windowText" lastClr="000000"/>
-                </a:solidFill>
-              </a:rPr>
-              <a:t>屋</a:t>
-            </a:r>
-            <a:endParaRPr kumimoji="1" lang="ja-JP" altLang="en-US" sz="1100" dirty="0">
-              <a:solidFill>
-                <a:sysClr val="windowText" lastClr="000000"/>
-              </a:solidFill>
-            </a:endParaRPr>
-          </a:p>
-        </p:txBody>
-      </p:sp>
-      <p:sp>
-        <p:nvSpPr>
-          <p:cNvPr id="158" name="正方形/長方形 157">
-            <a:extLst>
-              <a:ext uri="{FF2B5EF4-FFF2-40B4-BE49-F238E27FC236}">
-                <a16:creationId xmlns:a16="http://schemas.microsoft.com/office/drawing/2014/main" id="{0C2C137F-8488-4776-9E88-835FDCF01DE7}"/>
-              </a:ext>
-            </a:extLst>
-          </p:cNvPr>
-          <p:cNvSpPr/>
-          <p:nvPr/>
-        </p:nvSpPr>
-        <p:spPr>
-          <a:xfrm>
-            <a:off x="756287" y="1475785"/>
-            <a:ext cx="359914" cy="359914"/>
-          </a:xfrm>
-          <a:prstGeom prst="rect">
-            <a:avLst/>
-          </a:prstGeom>
-          <a:solidFill>
-            <a:schemeClr val="bg1">
-              <a:lumMod val="95000"/>
-            </a:schemeClr>
-          </a:solidFill>
-          <a:ln>
-            <a:solidFill>
-              <a:schemeClr val="tx1"/>
-            </a:solidFill>
-          </a:ln>
-        </p:spPr>
-        <p:style>
-          <a:lnRef idx="2">
-            <a:schemeClr val="accent1">
-              <a:shade val="50000"/>
-            </a:schemeClr>
-          </a:lnRef>
-          <a:fillRef idx="1">
-            <a:schemeClr val="accent1"/>
-          </a:fillRef>
-          <a:effectRef idx="0">
-            <a:schemeClr val="accent1"/>
-          </a:effectRef>
-          <a:fontRef idx="minor">
-            <a:schemeClr val="lt1"/>
-          </a:fontRef>
-        </p:style>
-        <p:txBody>
-          <a:bodyPr wrap="none" rtlCol="0" anchor="ctr"/>
-          <a:lstStyle/>
-          <a:p>
-            <a:pPr algn="ctr"/>
-            <a:r>
-              <a:rPr kumimoji="1" lang="ja-JP" altLang="en-US" sz="1100" dirty="0">
-                <a:solidFill>
-                  <a:sysClr val="windowText" lastClr="000000"/>
-                </a:solidFill>
-              </a:rPr>
-              <a:t>伏見</a:t>
-            </a:r>
-          </a:p>
-        </p:txBody>
-      </p:sp>
-      <p:sp>
-        <p:nvSpPr>
-          <p:cNvPr id="159" name="正方形/長方形 158">
-            <a:extLst>
-              <a:ext uri="{FF2B5EF4-FFF2-40B4-BE49-F238E27FC236}">
-                <a16:creationId xmlns:a16="http://schemas.microsoft.com/office/drawing/2014/main" id="{F1DBD6D9-41F4-4E9A-83D4-8109E09F7BC2}"/>
-              </a:ext>
-            </a:extLst>
-          </p:cNvPr>
-          <p:cNvSpPr/>
-          <p:nvPr/>
-        </p:nvSpPr>
-        <p:spPr>
-          <a:xfrm>
-            <a:off x="1476194" y="2195692"/>
-            <a:ext cx="359914" cy="359914"/>
-          </a:xfrm>
-          <a:prstGeom prst="rect">
-            <a:avLst/>
-          </a:prstGeom>
-          <a:solidFill>
-            <a:schemeClr val="bg1">
-              <a:lumMod val="95000"/>
-            </a:schemeClr>
-          </a:solidFill>
-          <a:ln>
-            <a:solidFill>
-              <a:schemeClr val="tx1"/>
-            </a:solidFill>
-          </a:ln>
-        </p:spPr>
-        <p:style>
-          <a:lnRef idx="2">
-            <a:schemeClr val="accent1">
-              <a:shade val="50000"/>
-            </a:schemeClr>
-          </a:lnRef>
-          <a:fillRef idx="1">
-            <a:schemeClr val="accent1"/>
-          </a:fillRef>
-          <a:effectRef idx="0">
-            <a:schemeClr val="accent1"/>
-          </a:effectRef>
-          <a:fontRef idx="minor">
-            <a:schemeClr val="lt1"/>
-          </a:fontRef>
-        </p:style>
-        <p:txBody>
-          <a:bodyPr wrap="none" rtlCol="0" anchor="ctr"/>
-          <a:lstStyle/>
-          <a:p>
-            <a:pPr algn="ctr"/>
-            <a:r>
               <a:rPr kumimoji="1" lang="ja-JP" altLang="en-US" sz="1100" dirty="0">
                 <a:solidFill>
                   <a:sysClr val="windowText" lastClr="000000"/>
@@ -9343,1673 +11028,6 @@
               </a:rPr>
               <a:t>津</a:t>
             </a:r>
-          </a:p>
-        </p:txBody>
-      </p:sp>
-      <p:sp>
-        <p:nvSpPr>
-          <p:cNvPr id="160" name="正方形/長方形 159">
-            <a:extLst>
-              <a:ext uri="{FF2B5EF4-FFF2-40B4-BE49-F238E27FC236}">
-                <a16:creationId xmlns:a16="http://schemas.microsoft.com/office/drawing/2014/main" id="{33EEB5FF-521A-490E-97BC-2DAEC377EF00}"/>
-              </a:ext>
-            </a:extLst>
-          </p:cNvPr>
-          <p:cNvSpPr/>
-          <p:nvPr/>
-        </p:nvSpPr>
-        <p:spPr>
-          <a:xfrm>
-            <a:off x="1476194" y="1475785"/>
-            <a:ext cx="359914" cy="359914"/>
-          </a:xfrm>
-          <a:prstGeom prst="rect">
-            <a:avLst/>
-          </a:prstGeom>
-          <a:solidFill>
-            <a:schemeClr val="bg1">
-              <a:lumMod val="95000"/>
-            </a:schemeClr>
-          </a:solidFill>
-          <a:ln>
-            <a:solidFill>
-              <a:schemeClr val="tx1"/>
-            </a:solidFill>
-          </a:ln>
-        </p:spPr>
-        <p:style>
-          <a:lnRef idx="2">
-            <a:schemeClr val="accent1">
-              <a:shade val="50000"/>
-            </a:schemeClr>
-          </a:lnRef>
-          <a:fillRef idx="1">
-            <a:schemeClr val="accent1"/>
-          </a:fillRef>
-          <a:effectRef idx="0">
-            <a:schemeClr val="accent1"/>
-          </a:effectRef>
-          <a:fontRef idx="minor">
-            <a:schemeClr val="lt1"/>
-          </a:fontRef>
-        </p:style>
-        <p:txBody>
-          <a:bodyPr wrap="none" rtlCol="0" anchor="ctr"/>
-          <a:lstStyle/>
-          <a:p>
-            <a:pPr algn="ctr"/>
-            <a:r>
-              <a:rPr kumimoji="1" lang="ja-JP" altLang="en-US" sz="1100" dirty="0">
-                <a:solidFill>
-                  <a:sysClr val="windowText" lastClr="000000"/>
-                </a:solidFill>
-              </a:rPr>
-              <a:t>栄</a:t>
-            </a:r>
-          </a:p>
-        </p:txBody>
-      </p:sp>
-      <p:sp>
-        <p:nvSpPr>
-          <p:cNvPr id="161" name="正方形/長方形 160">
-            <a:extLst>
-              <a:ext uri="{FF2B5EF4-FFF2-40B4-BE49-F238E27FC236}">
-                <a16:creationId xmlns:a16="http://schemas.microsoft.com/office/drawing/2014/main" id="{91E8092A-B325-477D-8E8E-1A16EF076DA5}"/>
-              </a:ext>
-            </a:extLst>
-          </p:cNvPr>
-          <p:cNvSpPr/>
-          <p:nvPr/>
-        </p:nvSpPr>
-        <p:spPr>
-          <a:xfrm>
-            <a:off x="2196102" y="1475785"/>
-            <a:ext cx="359914" cy="359914"/>
-          </a:xfrm>
-          <a:prstGeom prst="rect">
-            <a:avLst/>
-          </a:prstGeom>
-          <a:solidFill>
-            <a:schemeClr val="bg1">
-              <a:lumMod val="95000"/>
-            </a:schemeClr>
-          </a:solidFill>
-          <a:ln>
-            <a:solidFill>
-              <a:schemeClr val="tx1"/>
-            </a:solidFill>
-          </a:ln>
-        </p:spPr>
-        <p:style>
-          <a:lnRef idx="2">
-            <a:schemeClr val="accent1">
-              <a:shade val="50000"/>
-            </a:schemeClr>
-          </a:lnRef>
-          <a:fillRef idx="1">
-            <a:schemeClr val="accent1"/>
-          </a:fillRef>
-          <a:effectRef idx="0">
-            <a:schemeClr val="accent1"/>
-          </a:effectRef>
-          <a:fontRef idx="minor">
-            <a:schemeClr val="lt1"/>
-          </a:fontRef>
-        </p:style>
-        <p:txBody>
-          <a:bodyPr wrap="none" rtlCol="0" anchor="ctr"/>
-          <a:lstStyle/>
-          <a:p>
-            <a:pPr algn="ctr"/>
-            <a:r>
-              <a:rPr kumimoji="1" lang="ja-JP" altLang="en-US" sz="1100" dirty="0">
-                <a:solidFill>
-                  <a:sysClr val="windowText" lastClr="000000"/>
-                </a:solidFill>
-              </a:rPr>
-              <a:t>今池</a:t>
-            </a:r>
-          </a:p>
-        </p:txBody>
-      </p:sp>
-      <p:sp>
-        <p:nvSpPr>
-          <p:cNvPr id="162" name="正方形/長方形 161">
-            <a:extLst>
-              <a:ext uri="{FF2B5EF4-FFF2-40B4-BE49-F238E27FC236}">
-                <a16:creationId xmlns:a16="http://schemas.microsoft.com/office/drawing/2014/main" id="{31E01B3F-E39C-4740-ABBD-D830A33A4196}"/>
-              </a:ext>
-            </a:extLst>
-          </p:cNvPr>
-          <p:cNvSpPr/>
-          <p:nvPr/>
-        </p:nvSpPr>
-        <p:spPr>
-          <a:xfrm>
-            <a:off x="2916009" y="1475785"/>
-            <a:ext cx="359914" cy="359914"/>
-          </a:xfrm>
-          <a:prstGeom prst="rect">
-            <a:avLst/>
-          </a:prstGeom>
-          <a:solidFill>
-            <a:schemeClr val="bg1">
-              <a:lumMod val="95000"/>
-            </a:schemeClr>
-          </a:solidFill>
-          <a:ln>
-            <a:solidFill>
-              <a:schemeClr val="tx1"/>
-            </a:solidFill>
-          </a:ln>
-        </p:spPr>
-        <p:style>
-          <a:lnRef idx="2">
-            <a:schemeClr val="accent1">
-              <a:shade val="50000"/>
-            </a:schemeClr>
-          </a:lnRef>
-          <a:fillRef idx="1">
-            <a:schemeClr val="accent1"/>
-          </a:fillRef>
-          <a:effectRef idx="0">
-            <a:schemeClr val="accent1"/>
-          </a:effectRef>
-          <a:fontRef idx="minor">
-            <a:schemeClr val="lt1"/>
-          </a:fontRef>
-        </p:style>
-        <p:txBody>
-          <a:bodyPr wrap="none" rtlCol="0" anchor="ctr"/>
-          <a:lstStyle/>
-          <a:p>
-            <a:pPr algn="ctr"/>
-            <a:r>
-              <a:rPr kumimoji="1" lang="ja-JP" altLang="en-US" sz="1100" dirty="0">
-                <a:solidFill>
-                  <a:sysClr val="windowText" lastClr="000000"/>
-                </a:solidFill>
-              </a:rPr>
-              <a:t>本山</a:t>
-            </a:r>
-          </a:p>
-        </p:txBody>
-      </p:sp>
-      <p:sp>
-        <p:nvSpPr>
-          <p:cNvPr id="163" name="正方形/長方形 162">
-            <a:extLst>
-              <a:ext uri="{FF2B5EF4-FFF2-40B4-BE49-F238E27FC236}">
-                <a16:creationId xmlns:a16="http://schemas.microsoft.com/office/drawing/2014/main" id="{EE6ADDC6-F87B-49FF-A390-7CA336024599}"/>
-              </a:ext>
-            </a:extLst>
-          </p:cNvPr>
-          <p:cNvSpPr/>
-          <p:nvPr/>
-        </p:nvSpPr>
-        <p:spPr>
-          <a:xfrm>
-            <a:off x="3635917" y="1475785"/>
-            <a:ext cx="359914" cy="359914"/>
-          </a:xfrm>
-          <a:prstGeom prst="rect">
-            <a:avLst/>
-          </a:prstGeom>
-          <a:solidFill>
-            <a:schemeClr val="bg1">
-              <a:lumMod val="95000"/>
-            </a:schemeClr>
-          </a:solidFill>
-          <a:ln>
-            <a:solidFill>
-              <a:schemeClr val="tx1"/>
-            </a:solidFill>
-          </a:ln>
-        </p:spPr>
-        <p:style>
-          <a:lnRef idx="2">
-            <a:schemeClr val="accent1">
-              <a:shade val="50000"/>
-            </a:schemeClr>
-          </a:lnRef>
-          <a:fillRef idx="1">
-            <a:schemeClr val="accent1"/>
-          </a:fillRef>
-          <a:effectRef idx="0">
-            <a:schemeClr val="accent1"/>
-          </a:effectRef>
-          <a:fontRef idx="minor">
-            <a:schemeClr val="lt1"/>
-          </a:fontRef>
-        </p:style>
-        <p:txBody>
-          <a:bodyPr wrap="none" rtlCol="0" anchor="ctr"/>
-          <a:lstStyle/>
-          <a:p>
-            <a:pPr algn="ctr"/>
-            <a:r>
-              <a:rPr kumimoji="1" lang="ja-JP" altLang="en-US" sz="1100" dirty="0">
-                <a:solidFill>
-                  <a:sysClr val="windowText" lastClr="000000"/>
-                </a:solidFill>
-              </a:rPr>
-              <a:t>藤が</a:t>
-            </a:r>
-            <a:br>
-              <a:rPr kumimoji="1" lang="en-US" altLang="ja-JP" sz="1100" dirty="0">
-                <a:solidFill>
-                  <a:sysClr val="windowText" lastClr="000000"/>
-                </a:solidFill>
-              </a:rPr>
-            </a:br>
-            <a:r>
-              <a:rPr kumimoji="1" lang="ja-JP" altLang="en-US" sz="1100" dirty="0">
-                <a:solidFill>
-                  <a:sysClr val="windowText" lastClr="000000"/>
-                </a:solidFill>
-              </a:rPr>
-              <a:t>丘</a:t>
-            </a:r>
-          </a:p>
-        </p:txBody>
-      </p:sp>
-      <p:sp>
-        <p:nvSpPr>
-          <p:cNvPr id="164" name="正方形/長方形 163">
-            <a:extLst>
-              <a:ext uri="{FF2B5EF4-FFF2-40B4-BE49-F238E27FC236}">
-                <a16:creationId xmlns:a16="http://schemas.microsoft.com/office/drawing/2014/main" id="{16180642-624A-4F7E-98B0-4F7B46687879}"/>
-              </a:ext>
-            </a:extLst>
-          </p:cNvPr>
-          <p:cNvSpPr/>
-          <p:nvPr/>
-        </p:nvSpPr>
-        <p:spPr>
-          <a:xfrm>
-            <a:off x="2196102" y="2195692"/>
-            <a:ext cx="359914" cy="359914"/>
-          </a:xfrm>
-          <a:prstGeom prst="rect">
-            <a:avLst/>
-          </a:prstGeom>
-          <a:solidFill>
-            <a:schemeClr val="bg1">
-              <a:lumMod val="95000"/>
-            </a:schemeClr>
-          </a:solidFill>
-          <a:ln>
-            <a:solidFill>
-              <a:schemeClr val="tx1"/>
-            </a:solidFill>
-          </a:ln>
-        </p:spPr>
-        <p:style>
-          <a:lnRef idx="2">
-            <a:schemeClr val="accent1">
-              <a:shade val="50000"/>
-            </a:schemeClr>
-          </a:lnRef>
-          <a:fillRef idx="1">
-            <a:schemeClr val="accent1"/>
-          </a:fillRef>
-          <a:effectRef idx="0">
-            <a:schemeClr val="accent1"/>
-          </a:effectRef>
-          <a:fontRef idx="minor">
-            <a:schemeClr val="lt1"/>
-          </a:fontRef>
-        </p:style>
-        <p:txBody>
-          <a:bodyPr wrap="none" rtlCol="0" anchor="ctr"/>
-          <a:lstStyle/>
-          <a:p>
-            <a:pPr algn="ctr"/>
-            <a:r>
-              <a:rPr kumimoji="1" lang="ja-JP" altLang="en-US" sz="1100" dirty="0">
-                <a:solidFill>
-                  <a:sysClr val="windowText" lastClr="000000"/>
-                </a:solidFill>
-              </a:rPr>
-              <a:t>御器</a:t>
-            </a:r>
-            <a:br>
-              <a:rPr kumimoji="1" lang="en-US" altLang="ja-JP" sz="1100" dirty="0">
-                <a:solidFill>
-                  <a:sysClr val="windowText" lastClr="000000"/>
-                </a:solidFill>
-              </a:rPr>
-            </a:br>
-            <a:r>
-              <a:rPr kumimoji="1" lang="ja-JP" altLang="en-US" sz="1100" dirty="0">
-                <a:solidFill>
-                  <a:sysClr val="windowText" lastClr="000000"/>
-                </a:solidFill>
-              </a:rPr>
-              <a:t>所</a:t>
-            </a:r>
-          </a:p>
-        </p:txBody>
-      </p:sp>
-      <p:sp>
-        <p:nvSpPr>
-          <p:cNvPr id="165" name="正方形/長方形 164">
-            <a:extLst>
-              <a:ext uri="{FF2B5EF4-FFF2-40B4-BE49-F238E27FC236}">
-                <a16:creationId xmlns:a16="http://schemas.microsoft.com/office/drawing/2014/main" id="{D890BCC9-CC6A-4F83-8469-02369E737509}"/>
-              </a:ext>
-            </a:extLst>
-          </p:cNvPr>
-          <p:cNvSpPr/>
-          <p:nvPr/>
-        </p:nvSpPr>
-        <p:spPr>
-          <a:xfrm>
-            <a:off x="2916009" y="2195692"/>
-            <a:ext cx="359914" cy="359914"/>
-          </a:xfrm>
-          <a:prstGeom prst="rect">
-            <a:avLst/>
-          </a:prstGeom>
-          <a:solidFill>
-            <a:schemeClr val="bg1">
-              <a:lumMod val="95000"/>
-            </a:schemeClr>
-          </a:solidFill>
-          <a:ln>
-            <a:solidFill>
-              <a:schemeClr val="tx1"/>
-            </a:solidFill>
-          </a:ln>
-        </p:spPr>
-        <p:style>
-          <a:lnRef idx="2">
-            <a:schemeClr val="accent1">
-              <a:shade val="50000"/>
-            </a:schemeClr>
-          </a:lnRef>
-          <a:fillRef idx="1">
-            <a:schemeClr val="accent1"/>
-          </a:fillRef>
-          <a:effectRef idx="0">
-            <a:schemeClr val="accent1"/>
-          </a:effectRef>
-          <a:fontRef idx="minor">
-            <a:schemeClr val="lt1"/>
-          </a:fontRef>
-        </p:style>
-        <p:txBody>
-          <a:bodyPr wrap="none" rtlCol="0" anchor="ctr"/>
-          <a:lstStyle/>
-          <a:p>
-            <a:pPr algn="ctr"/>
-            <a:r>
-              <a:rPr kumimoji="1" lang="ja-JP" altLang="en-US" sz="1100" dirty="0">
-                <a:solidFill>
-                  <a:sysClr val="windowText" lastClr="000000"/>
-                </a:solidFill>
-              </a:rPr>
-              <a:t>八事</a:t>
-            </a:r>
-          </a:p>
-        </p:txBody>
-      </p:sp>
-      <p:sp>
-        <p:nvSpPr>
-          <p:cNvPr id="166" name="正方形/長方形 165">
-            <a:extLst>
-              <a:ext uri="{FF2B5EF4-FFF2-40B4-BE49-F238E27FC236}">
-                <a16:creationId xmlns:a16="http://schemas.microsoft.com/office/drawing/2014/main" id="{EEC62E3A-95F5-4A6D-8F56-6984761A0CBA}"/>
-              </a:ext>
-            </a:extLst>
-          </p:cNvPr>
-          <p:cNvSpPr/>
-          <p:nvPr/>
-        </p:nvSpPr>
-        <p:spPr>
-          <a:xfrm>
-            <a:off x="3635917" y="2195692"/>
-            <a:ext cx="359914" cy="359914"/>
-          </a:xfrm>
-          <a:prstGeom prst="rect">
-            <a:avLst/>
-          </a:prstGeom>
-          <a:solidFill>
-            <a:schemeClr val="bg1">
-              <a:lumMod val="95000"/>
-            </a:schemeClr>
-          </a:solidFill>
-          <a:ln>
-            <a:solidFill>
-              <a:schemeClr val="tx1"/>
-            </a:solidFill>
-          </a:ln>
-        </p:spPr>
-        <p:style>
-          <a:lnRef idx="2">
-            <a:schemeClr val="accent1">
-              <a:shade val="50000"/>
-            </a:schemeClr>
-          </a:lnRef>
-          <a:fillRef idx="1">
-            <a:schemeClr val="accent1"/>
-          </a:fillRef>
-          <a:effectRef idx="0">
-            <a:schemeClr val="accent1"/>
-          </a:effectRef>
-          <a:fontRef idx="minor">
-            <a:schemeClr val="lt1"/>
-          </a:fontRef>
-        </p:style>
-        <p:txBody>
-          <a:bodyPr wrap="none" rtlCol="0" anchor="ctr"/>
-          <a:lstStyle/>
-          <a:p>
-            <a:pPr algn="ctr"/>
-            <a:r>
-              <a:rPr kumimoji="1" lang="ja-JP" altLang="en-US" sz="1100" dirty="0">
-                <a:solidFill>
-                  <a:sysClr val="windowText" lastClr="000000"/>
-                </a:solidFill>
-              </a:rPr>
-              <a:t>赤池</a:t>
-            </a:r>
-          </a:p>
-        </p:txBody>
-      </p:sp>
-      <p:sp>
-        <p:nvSpPr>
-          <p:cNvPr id="167" name="正方形/長方形 166">
-            <a:extLst>
-              <a:ext uri="{FF2B5EF4-FFF2-40B4-BE49-F238E27FC236}">
-                <a16:creationId xmlns:a16="http://schemas.microsoft.com/office/drawing/2014/main" id="{9BBA2F0B-6A72-4C13-AB1B-9F437139A406}"/>
-              </a:ext>
-            </a:extLst>
-          </p:cNvPr>
-          <p:cNvSpPr/>
-          <p:nvPr/>
-        </p:nvSpPr>
-        <p:spPr>
-          <a:xfrm>
-            <a:off x="2196102" y="2915600"/>
-            <a:ext cx="359914" cy="359914"/>
-          </a:xfrm>
-          <a:prstGeom prst="rect">
-            <a:avLst/>
-          </a:prstGeom>
-          <a:solidFill>
-            <a:schemeClr val="bg1">
-              <a:lumMod val="95000"/>
-            </a:schemeClr>
-          </a:solidFill>
-          <a:ln>
-            <a:solidFill>
-              <a:schemeClr val="tx1"/>
-            </a:solidFill>
-          </a:ln>
-        </p:spPr>
-        <p:style>
-          <a:lnRef idx="2">
-            <a:schemeClr val="accent1">
-              <a:shade val="50000"/>
-            </a:schemeClr>
-          </a:lnRef>
-          <a:fillRef idx="1">
-            <a:schemeClr val="accent1"/>
-          </a:fillRef>
-          <a:effectRef idx="0">
-            <a:schemeClr val="accent1"/>
-          </a:effectRef>
-          <a:fontRef idx="minor">
-            <a:schemeClr val="lt1"/>
-          </a:fontRef>
-        </p:style>
-        <p:txBody>
-          <a:bodyPr wrap="none" rtlCol="0" anchor="ctr"/>
-          <a:lstStyle/>
-          <a:p>
-            <a:pPr algn="ctr"/>
-            <a:r>
-              <a:rPr kumimoji="1" lang="ja-JP" altLang="en-US" sz="1100" dirty="0">
-                <a:solidFill>
-                  <a:sysClr val="windowText" lastClr="000000"/>
-                </a:solidFill>
-              </a:rPr>
-              <a:t>新瑞</a:t>
-            </a:r>
-            <a:br>
-              <a:rPr kumimoji="1" lang="en-US" altLang="ja-JP" sz="1100" dirty="0">
-                <a:solidFill>
-                  <a:sysClr val="windowText" lastClr="000000"/>
-                </a:solidFill>
-              </a:rPr>
-            </a:br>
-            <a:r>
-              <a:rPr kumimoji="1" lang="ja-JP" altLang="en-US" sz="1100" dirty="0">
-                <a:solidFill>
-                  <a:sysClr val="windowText" lastClr="000000"/>
-                </a:solidFill>
-              </a:rPr>
-              <a:t>橋</a:t>
-            </a:r>
-          </a:p>
-        </p:txBody>
-      </p:sp>
-      <p:sp>
-        <p:nvSpPr>
-          <p:cNvPr id="168" name="正方形/長方形 167">
-            <a:extLst>
-              <a:ext uri="{FF2B5EF4-FFF2-40B4-BE49-F238E27FC236}">
-                <a16:creationId xmlns:a16="http://schemas.microsoft.com/office/drawing/2014/main" id="{886F7867-3E99-4399-9E51-C5DA780164A0}"/>
-              </a:ext>
-            </a:extLst>
-          </p:cNvPr>
-          <p:cNvSpPr/>
-          <p:nvPr/>
-        </p:nvSpPr>
-        <p:spPr>
-          <a:xfrm>
-            <a:off x="2916009" y="2915600"/>
-            <a:ext cx="359914" cy="359914"/>
-          </a:xfrm>
-          <a:prstGeom prst="rect">
-            <a:avLst/>
-          </a:prstGeom>
-          <a:solidFill>
-            <a:schemeClr val="bg1">
-              <a:lumMod val="95000"/>
-            </a:schemeClr>
-          </a:solidFill>
-          <a:ln>
-            <a:solidFill>
-              <a:schemeClr val="tx1"/>
-            </a:solidFill>
-          </a:ln>
-        </p:spPr>
-        <p:style>
-          <a:lnRef idx="2">
-            <a:schemeClr val="accent1">
-              <a:shade val="50000"/>
-            </a:schemeClr>
-          </a:lnRef>
-          <a:fillRef idx="1">
-            <a:schemeClr val="accent1"/>
-          </a:fillRef>
-          <a:effectRef idx="0">
-            <a:schemeClr val="accent1"/>
-          </a:effectRef>
-          <a:fontRef idx="minor">
-            <a:schemeClr val="lt1"/>
-          </a:fontRef>
-        </p:style>
-        <p:txBody>
-          <a:bodyPr wrap="none" rtlCol="0" anchor="ctr"/>
-          <a:lstStyle/>
-          <a:p>
-            <a:pPr algn="ctr"/>
-            <a:r>
-              <a:rPr kumimoji="1" lang="ja-JP" altLang="en-US" sz="1100" dirty="0">
-                <a:solidFill>
-                  <a:sysClr val="windowText" lastClr="000000"/>
-                </a:solidFill>
-              </a:rPr>
-              <a:t>徳重</a:t>
-            </a:r>
-          </a:p>
-        </p:txBody>
-      </p:sp>
-      <p:sp>
-        <p:nvSpPr>
-          <p:cNvPr id="169" name="正方形/長方形 168">
-            <a:extLst>
-              <a:ext uri="{FF2B5EF4-FFF2-40B4-BE49-F238E27FC236}">
-                <a16:creationId xmlns:a16="http://schemas.microsoft.com/office/drawing/2014/main" id="{7ADD768F-D001-4305-89B4-D80361F6AF95}"/>
-              </a:ext>
-            </a:extLst>
-          </p:cNvPr>
-          <p:cNvSpPr/>
-          <p:nvPr/>
-        </p:nvSpPr>
-        <p:spPr>
-          <a:xfrm>
-            <a:off x="1476194" y="2915600"/>
-            <a:ext cx="359914" cy="359914"/>
-          </a:xfrm>
-          <a:prstGeom prst="rect">
-            <a:avLst/>
-          </a:prstGeom>
-          <a:solidFill>
-            <a:schemeClr val="bg1">
-              <a:lumMod val="95000"/>
-            </a:schemeClr>
-          </a:solidFill>
-          <a:ln>
-            <a:solidFill>
-              <a:schemeClr val="tx1"/>
-            </a:solidFill>
-          </a:ln>
-        </p:spPr>
-        <p:style>
-          <a:lnRef idx="2">
-            <a:schemeClr val="accent1">
-              <a:shade val="50000"/>
-            </a:schemeClr>
-          </a:lnRef>
-          <a:fillRef idx="1">
-            <a:schemeClr val="accent1"/>
-          </a:fillRef>
-          <a:effectRef idx="0">
-            <a:schemeClr val="accent1"/>
-          </a:effectRef>
-          <a:fontRef idx="minor">
-            <a:schemeClr val="lt1"/>
-          </a:fontRef>
-        </p:style>
-        <p:txBody>
-          <a:bodyPr wrap="none" rtlCol="0" anchor="ctr"/>
-          <a:lstStyle/>
-          <a:p>
-            <a:pPr algn="ctr"/>
-            <a:r>
-              <a:rPr kumimoji="1" lang="ja-JP" altLang="en-US" sz="1100" dirty="0">
-                <a:solidFill>
-                  <a:sysClr val="windowText" lastClr="000000"/>
-                </a:solidFill>
-              </a:rPr>
-              <a:t>金山</a:t>
-            </a:r>
-          </a:p>
-        </p:txBody>
-      </p:sp>
-      <p:sp>
-        <p:nvSpPr>
-          <p:cNvPr id="170" name="正方形/長方形 169">
-            <a:extLst>
-              <a:ext uri="{FF2B5EF4-FFF2-40B4-BE49-F238E27FC236}">
-                <a16:creationId xmlns:a16="http://schemas.microsoft.com/office/drawing/2014/main" id="{DE7884B7-6B23-4A30-B35F-2668551BA96A}"/>
-              </a:ext>
-            </a:extLst>
-          </p:cNvPr>
-          <p:cNvSpPr/>
-          <p:nvPr/>
-        </p:nvSpPr>
-        <p:spPr>
-          <a:xfrm>
-            <a:off x="756287" y="2915600"/>
-            <a:ext cx="359914" cy="359914"/>
-          </a:xfrm>
-          <a:prstGeom prst="rect">
-            <a:avLst/>
-          </a:prstGeom>
-          <a:solidFill>
-            <a:schemeClr val="bg1">
-              <a:lumMod val="95000"/>
-            </a:schemeClr>
-          </a:solidFill>
-          <a:ln>
-            <a:solidFill>
-              <a:schemeClr val="tx1"/>
-            </a:solidFill>
-          </a:ln>
-        </p:spPr>
-        <p:style>
-          <a:lnRef idx="2">
-            <a:schemeClr val="accent1">
-              <a:shade val="50000"/>
-            </a:schemeClr>
-          </a:lnRef>
-          <a:fillRef idx="1">
-            <a:schemeClr val="accent1"/>
-          </a:fillRef>
-          <a:effectRef idx="0">
-            <a:schemeClr val="accent1"/>
-          </a:effectRef>
-          <a:fontRef idx="minor">
-            <a:schemeClr val="lt1"/>
-          </a:fontRef>
-        </p:style>
-        <p:txBody>
-          <a:bodyPr wrap="none" rtlCol="0" anchor="ctr"/>
-          <a:lstStyle/>
-          <a:p>
-            <a:pPr algn="ctr"/>
-            <a:r>
-              <a:rPr kumimoji="1" lang="ja-JP" altLang="en-US" sz="1100" dirty="0">
-                <a:solidFill>
-                  <a:sysClr val="windowText" lastClr="000000"/>
-                </a:solidFill>
-              </a:rPr>
-              <a:t>名古</a:t>
-            </a:r>
-            <a:br>
-              <a:rPr kumimoji="1" lang="en-US" altLang="ja-JP" sz="1100" dirty="0">
-                <a:solidFill>
-                  <a:sysClr val="windowText" lastClr="000000"/>
-                </a:solidFill>
-              </a:rPr>
-            </a:br>
-            <a:r>
-              <a:rPr kumimoji="1" lang="ja-JP" altLang="en-US" sz="1100" dirty="0">
-                <a:solidFill>
-                  <a:sysClr val="windowText" lastClr="000000"/>
-                </a:solidFill>
-              </a:rPr>
-              <a:t>屋港</a:t>
-            </a:r>
-          </a:p>
-        </p:txBody>
-      </p:sp>
-      <p:sp>
-        <p:nvSpPr>
-          <p:cNvPr id="171" name="正方形/長方形 170">
-            <a:extLst>
-              <a:ext uri="{FF2B5EF4-FFF2-40B4-BE49-F238E27FC236}">
-                <a16:creationId xmlns:a16="http://schemas.microsoft.com/office/drawing/2014/main" id="{D1D6FDC9-26EC-44E7-A36B-88C336D590B7}"/>
-              </a:ext>
-            </a:extLst>
-          </p:cNvPr>
-          <p:cNvSpPr/>
-          <p:nvPr/>
-        </p:nvSpPr>
-        <p:spPr>
-          <a:xfrm>
-            <a:off x="1476194" y="755878"/>
-            <a:ext cx="359914" cy="359914"/>
-          </a:xfrm>
-          <a:prstGeom prst="rect">
-            <a:avLst/>
-          </a:prstGeom>
-          <a:solidFill>
-            <a:schemeClr val="bg1">
-              <a:lumMod val="95000"/>
-            </a:schemeClr>
-          </a:solidFill>
-          <a:ln>
-            <a:solidFill>
-              <a:schemeClr val="tx1"/>
-            </a:solidFill>
-          </a:ln>
-        </p:spPr>
-        <p:style>
-          <a:lnRef idx="2">
-            <a:schemeClr val="accent1">
-              <a:shade val="50000"/>
-            </a:schemeClr>
-          </a:lnRef>
-          <a:fillRef idx="1">
-            <a:schemeClr val="accent1"/>
-          </a:fillRef>
-          <a:effectRef idx="0">
-            <a:schemeClr val="accent1"/>
-          </a:effectRef>
-          <a:fontRef idx="minor">
-            <a:schemeClr val="lt1"/>
-          </a:fontRef>
-        </p:style>
-        <p:txBody>
-          <a:bodyPr wrap="none" rtlCol="0" anchor="ctr"/>
-          <a:lstStyle/>
-          <a:p>
-            <a:pPr algn="ctr"/>
-            <a:r>
-              <a:rPr kumimoji="1" lang="ja-JP" altLang="en-US" sz="1100" dirty="0">
-                <a:solidFill>
-                  <a:sysClr val="windowText" lastClr="000000"/>
-                </a:solidFill>
-              </a:rPr>
-              <a:t>久屋</a:t>
-            </a:r>
-            <a:br>
-              <a:rPr kumimoji="1" lang="en-US" altLang="ja-JP" sz="1100" dirty="0">
-                <a:solidFill>
-                  <a:sysClr val="windowText" lastClr="000000"/>
-                </a:solidFill>
-              </a:rPr>
-            </a:br>
-            <a:r>
-              <a:rPr kumimoji="1" lang="ja-JP" altLang="en-US" sz="1100" dirty="0">
-                <a:solidFill>
-                  <a:sysClr val="windowText" lastClr="000000"/>
-                </a:solidFill>
-              </a:rPr>
-              <a:t>大通</a:t>
-            </a:r>
-          </a:p>
-        </p:txBody>
-      </p:sp>
-      <p:sp>
-        <p:nvSpPr>
-          <p:cNvPr id="172" name="正方形/長方形 171">
-            <a:extLst>
-              <a:ext uri="{FF2B5EF4-FFF2-40B4-BE49-F238E27FC236}">
-                <a16:creationId xmlns:a16="http://schemas.microsoft.com/office/drawing/2014/main" id="{31B9AE5F-5043-4079-8CC1-AE2EC5573404}"/>
-              </a:ext>
-            </a:extLst>
-          </p:cNvPr>
-          <p:cNvSpPr/>
-          <p:nvPr/>
-        </p:nvSpPr>
-        <p:spPr>
-          <a:xfrm>
-            <a:off x="2196102" y="755878"/>
-            <a:ext cx="359914" cy="359914"/>
-          </a:xfrm>
-          <a:prstGeom prst="rect">
-            <a:avLst/>
-          </a:prstGeom>
-          <a:solidFill>
-            <a:schemeClr val="bg1">
-              <a:lumMod val="95000"/>
-            </a:schemeClr>
-          </a:solidFill>
-          <a:ln>
-            <a:solidFill>
-              <a:schemeClr val="tx1"/>
-            </a:solidFill>
-          </a:ln>
-        </p:spPr>
-        <p:style>
-          <a:lnRef idx="2">
-            <a:schemeClr val="accent1">
-              <a:shade val="50000"/>
-            </a:schemeClr>
-          </a:lnRef>
-          <a:fillRef idx="1">
-            <a:schemeClr val="accent1"/>
-          </a:fillRef>
-          <a:effectRef idx="0">
-            <a:schemeClr val="accent1"/>
-          </a:effectRef>
-          <a:fontRef idx="minor">
-            <a:schemeClr val="lt1"/>
-          </a:fontRef>
-        </p:style>
-        <p:txBody>
-          <a:bodyPr wrap="none" rtlCol="0" anchor="ctr"/>
-          <a:lstStyle/>
-          <a:p>
-            <a:pPr algn="ctr"/>
-            <a:r>
-              <a:rPr kumimoji="1" lang="ja-JP" altLang="en-US" sz="1100" dirty="0">
-                <a:solidFill>
-                  <a:sysClr val="windowText" lastClr="000000"/>
-                </a:solidFill>
-              </a:rPr>
-              <a:t>平安</a:t>
-            </a:r>
-            <a:br>
-              <a:rPr kumimoji="1" lang="en-US" altLang="ja-JP" sz="1100" dirty="0">
-                <a:solidFill>
-                  <a:sysClr val="windowText" lastClr="000000"/>
-                </a:solidFill>
-              </a:rPr>
-            </a:br>
-            <a:r>
-              <a:rPr kumimoji="1" lang="ja-JP" altLang="en-US" sz="1100" dirty="0">
-                <a:solidFill>
-                  <a:sysClr val="windowText" lastClr="000000"/>
-                </a:solidFill>
-              </a:rPr>
-              <a:t>通</a:t>
-            </a:r>
-          </a:p>
-        </p:txBody>
-      </p:sp>
-      <p:sp>
-        <p:nvSpPr>
-          <p:cNvPr id="173" name="正方形/長方形 172">
-            <a:extLst>
-              <a:ext uri="{FF2B5EF4-FFF2-40B4-BE49-F238E27FC236}">
-                <a16:creationId xmlns:a16="http://schemas.microsoft.com/office/drawing/2014/main" id="{9A74F6D8-62AB-4AF0-930A-9A5182F62C0B}"/>
-              </a:ext>
-            </a:extLst>
-          </p:cNvPr>
-          <p:cNvSpPr/>
-          <p:nvPr/>
-        </p:nvSpPr>
-        <p:spPr>
-          <a:xfrm>
-            <a:off x="2196102" y="35970"/>
-            <a:ext cx="359914" cy="359914"/>
-          </a:xfrm>
-          <a:prstGeom prst="rect">
-            <a:avLst/>
-          </a:prstGeom>
-          <a:solidFill>
-            <a:schemeClr val="bg1">
-              <a:lumMod val="95000"/>
-            </a:schemeClr>
-          </a:solidFill>
-          <a:ln>
-            <a:solidFill>
-              <a:schemeClr val="tx1"/>
-            </a:solidFill>
-          </a:ln>
-        </p:spPr>
-        <p:style>
-          <a:lnRef idx="2">
-            <a:schemeClr val="accent1">
-              <a:shade val="50000"/>
-            </a:schemeClr>
-          </a:lnRef>
-          <a:fillRef idx="1">
-            <a:schemeClr val="accent1"/>
-          </a:fillRef>
-          <a:effectRef idx="0">
-            <a:schemeClr val="accent1"/>
-          </a:effectRef>
-          <a:fontRef idx="minor">
-            <a:schemeClr val="lt1"/>
-          </a:fontRef>
-        </p:style>
-        <p:txBody>
-          <a:bodyPr wrap="none" rtlCol="0" anchor="ctr"/>
-          <a:lstStyle/>
-          <a:p>
-            <a:pPr algn="ctr"/>
-            <a:r>
-              <a:rPr kumimoji="1" lang="ja-JP" altLang="en-US" sz="1100" dirty="0">
-                <a:solidFill>
-                  <a:sysClr val="windowText" lastClr="000000"/>
-                </a:solidFill>
-              </a:rPr>
-              <a:t>上飯</a:t>
-            </a:r>
-            <a:br>
-              <a:rPr kumimoji="1" lang="en-US" altLang="ja-JP" sz="1100" dirty="0">
-                <a:solidFill>
-                  <a:sysClr val="windowText" lastClr="000000"/>
-                </a:solidFill>
-              </a:rPr>
-            </a:br>
-            <a:r>
-              <a:rPr kumimoji="1" lang="ja-JP" altLang="en-US" sz="1100" dirty="0">
-                <a:solidFill>
-                  <a:sysClr val="windowText" lastClr="000000"/>
-                </a:solidFill>
-              </a:rPr>
-              <a:t>田</a:t>
-            </a:r>
-          </a:p>
-        </p:txBody>
-      </p:sp>
-      <p:sp>
-        <p:nvSpPr>
-          <p:cNvPr id="174" name="正方形/長方形 173">
-            <a:extLst>
-              <a:ext uri="{FF2B5EF4-FFF2-40B4-BE49-F238E27FC236}">
-                <a16:creationId xmlns:a16="http://schemas.microsoft.com/office/drawing/2014/main" id="{8F3407E3-5A05-49CC-A794-C24B48FB6A51}"/>
-              </a:ext>
-            </a:extLst>
-          </p:cNvPr>
-          <p:cNvSpPr/>
-          <p:nvPr/>
-        </p:nvSpPr>
-        <p:spPr>
-          <a:xfrm>
-            <a:off x="756287" y="755878"/>
-            <a:ext cx="359914" cy="359914"/>
-          </a:xfrm>
-          <a:prstGeom prst="rect">
-            <a:avLst/>
-          </a:prstGeom>
-          <a:solidFill>
-            <a:schemeClr val="bg1">
-              <a:lumMod val="95000"/>
-            </a:schemeClr>
-          </a:solidFill>
-          <a:ln>
-            <a:solidFill>
-              <a:schemeClr val="tx1"/>
-            </a:solidFill>
-          </a:ln>
-        </p:spPr>
-        <p:style>
-          <a:lnRef idx="2">
-            <a:schemeClr val="accent1">
-              <a:shade val="50000"/>
-            </a:schemeClr>
-          </a:lnRef>
-          <a:fillRef idx="1">
-            <a:schemeClr val="accent1"/>
-          </a:fillRef>
-          <a:effectRef idx="0">
-            <a:schemeClr val="accent1"/>
-          </a:effectRef>
-          <a:fontRef idx="minor">
-            <a:schemeClr val="lt1"/>
-          </a:fontRef>
-        </p:style>
-        <p:txBody>
-          <a:bodyPr wrap="none" rtlCol="0" anchor="ctr"/>
-          <a:lstStyle/>
-          <a:p>
-            <a:pPr algn="ctr"/>
-            <a:r>
-              <a:rPr lang="ja-JP" altLang="en-US" sz="1100" dirty="0">
-                <a:solidFill>
-                  <a:sysClr val="windowText" lastClr="000000"/>
-                </a:solidFill>
-              </a:rPr>
-              <a:t>丸の</a:t>
-            </a:r>
-            <a:br>
-              <a:rPr lang="en-US" altLang="ja-JP" sz="1100" dirty="0">
-                <a:solidFill>
-                  <a:sysClr val="windowText" lastClr="000000"/>
-                </a:solidFill>
-              </a:rPr>
-            </a:br>
-            <a:r>
-              <a:rPr lang="ja-JP" altLang="en-US" sz="1100" dirty="0">
-                <a:solidFill>
-                  <a:sysClr val="windowText" lastClr="000000"/>
-                </a:solidFill>
-              </a:rPr>
-              <a:t>内</a:t>
-            </a:r>
-            <a:endParaRPr kumimoji="1" lang="ja-JP" altLang="en-US" sz="1100" dirty="0">
-              <a:solidFill>
-                <a:sysClr val="windowText" lastClr="000000"/>
-              </a:solidFill>
-            </a:endParaRPr>
-          </a:p>
-        </p:txBody>
-      </p:sp>
-      <p:sp>
-        <p:nvSpPr>
-          <p:cNvPr id="175" name="正方形/長方形 174">
-            <a:extLst>
-              <a:ext uri="{FF2B5EF4-FFF2-40B4-BE49-F238E27FC236}">
-                <a16:creationId xmlns:a16="http://schemas.microsoft.com/office/drawing/2014/main" id="{06123273-33F9-4414-9E61-780B7F241CE9}"/>
-              </a:ext>
-            </a:extLst>
-          </p:cNvPr>
-          <p:cNvSpPr/>
-          <p:nvPr/>
-        </p:nvSpPr>
-        <p:spPr>
-          <a:xfrm>
-            <a:off x="36379" y="1475785"/>
-            <a:ext cx="359914" cy="359914"/>
-          </a:xfrm>
-          <a:prstGeom prst="rect">
-            <a:avLst/>
-          </a:prstGeom>
-          <a:solidFill>
-            <a:schemeClr val="bg1">
-              <a:lumMod val="95000"/>
-            </a:schemeClr>
-          </a:solidFill>
-          <a:ln>
-            <a:solidFill>
-              <a:schemeClr val="tx1"/>
-            </a:solidFill>
-          </a:ln>
-        </p:spPr>
-        <p:style>
-          <a:lnRef idx="2">
-            <a:schemeClr val="accent1">
-              <a:shade val="50000"/>
-            </a:schemeClr>
-          </a:lnRef>
-          <a:fillRef idx="1">
-            <a:schemeClr val="accent1"/>
-          </a:fillRef>
-          <a:effectRef idx="0">
-            <a:schemeClr val="accent1"/>
-          </a:effectRef>
-          <a:fontRef idx="minor">
-            <a:schemeClr val="lt1"/>
-          </a:fontRef>
-        </p:style>
-        <p:txBody>
-          <a:bodyPr wrap="none" rtlCol="0" anchor="ctr"/>
-          <a:lstStyle/>
-          <a:p>
-            <a:pPr algn="ctr"/>
-            <a:r>
-              <a:rPr lang="ja-JP" altLang="en-US" sz="1100" dirty="0">
-                <a:solidFill>
-                  <a:sysClr val="windowText" lastClr="000000"/>
-                </a:solidFill>
-              </a:rPr>
-              <a:t>中村</a:t>
-            </a:r>
-            <a:br>
-              <a:rPr lang="en-US" altLang="ja-JP" sz="1100" dirty="0">
-                <a:solidFill>
-                  <a:sysClr val="windowText" lastClr="000000"/>
-                </a:solidFill>
-              </a:rPr>
-            </a:br>
-            <a:r>
-              <a:rPr lang="ja-JP" altLang="en-US" sz="800" dirty="0">
-                <a:solidFill>
-                  <a:sysClr val="windowText" lastClr="000000"/>
-                </a:solidFill>
-              </a:rPr>
-              <a:t>区役所</a:t>
-            </a:r>
-            <a:endParaRPr kumimoji="1" lang="ja-JP" altLang="en-US" sz="800" dirty="0">
-              <a:solidFill>
-                <a:sysClr val="windowText" lastClr="000000"/>
-              </a:solidFill>
-            </a:endParaRPr>
-          </a:p>
-        </p:txBody>
-      </p:sp>
-      <p:sp>
-        <p:nvSpPr>
-          <p:cNvPr id="176" name="正方形/長方形 175">
-            <a:extLst>
-              <a:ext uri="{FF2B5EF4-FFF2-40B4-BE49-F238E27FC236}">
-                <a16:creationId xmlns:a16="http://schemas.microsoft.com/office/drawing/2014/main" id="{6888897B-51B5-4BE5-8E46-32C6FC16CBC5}"/>
-              </a:ext>
-            </a:extLst>
-          </p:cNvPr>
-          <p:cNvSpPr/>
-          <p:nvPr/>
-        </p:nvSpPr>
-        <p:spPr>
-          <a:xfrm>
-            <a:off x="756287" y="35970"/>
-            <a:ext cx="359914" cy="359914"/>
-          </a:xfrm>
-          <a:prstGeom prst="rect">
-            <a:avLst/>
-          </a:prstGeom>
-          <a:solidFill>
-            <a:schemeClr val="bg1">
-              <a:lumMod val="95000"/>
-            </a:schemeClr>
-          </a:solidFill>
-          <a:ln>
-            <a:solidFill>
-              <a:schemeClr val="tx1"/>
-            </a:solidFill>
-          </a:ln>
-        </p:spPr>
-        <p:style>
-          <a:lnRef idx="2">
-            <a:schemeClr val="accent1">
-              <a:shade val="50000"/>
-            </a:schemeClr>
-          </a:lnRef>
-          <a:fillRef idx="1">
-            <a:schemeClr val="accent1"/>
-          </a:fillRef>
-          <a:effectRef idx="0">
-            <a:schemeClr val="accent1"/>
-          </a:effectRef>
-          <a:fontRef idx="minor">
-            <a:schemeClr val="lt1"/>
-          </a:fontRef>
-        </p:style>
-        <p:txBody>
-          <a:bodyPr wrap="none" rtlCol="0" anchor="ctr"/>
-          <a:lstStyle/>
-          <a:p>
-            <a:pPr algn="ctr"/>
-            <a:r>
-              <a:rPr lang="ja-JP" altLang="en-US" sz="1100" dirty="0">
-                <a:solidFill>
-                  <a:sysClr val="windowText" lastClr="000000"/>
-                </a:solidFill>
-              </a:rPr>
-              <a:t>上小</a:t>
-            </a:r>
-            <a:br>
-              <a:rPr lang="en-US" altLang="ja-JP" sz="1100" dirty="0">
-                <a:solidFill>
-                  <a:sysClr val="windowText" lastClr="000000"/>
-                </a:solidFill>
-              </a:rPr>
-            </a:br>
-            <a:r>
-              <a:rPr lang="ja-JP" altLang="en-US" sz="1100" dirty="0">
-                <a:solidFill>
-                  <a:sysClr val="windowText" lastClr="000000"/>
-                </a:solidFill>
-              </a:rPr>
-              <a:t>田井</a:t>
-            </a:r>
-            <a:endParaRPr kumimoji="1" lang="ja-JP" altLang="en-US" sz="1100" dirty="0">
-              <a:solidFill>
-                <a:sysClr val="windowText" lastClr="000000"/>
-              </a:solidFill>
-            </a:endParaRPr>
-          </a:p>
-        </p:txBody>
-      </p:sp>
-      <p:sp>
-        <p:nvSpPr>
-          <p:cNvPr id="177" name="正方形/長方形 176">
-            <a:extLst>
-              <a:ext uri="{FF2B5EF4-FFF2-40B4-BE49-F238E27FC236}">
-                <a16:creationId xmlns:a16="http://schemas.microsoft.com/office/drawing/2014/main" id="{260D21E9-73AF-42DB-85DF-2C940ECD026E}"/>
-              </a:ext>
-            </a:extLst>
-          </p:cNvPr>
-          <p:cNvSpPr/>
-          <p:nvPr/>
-        </p:nvSpPr>
-        <p:spPr>
-          <a:xfrm>
-            <a:off x="2664042" y="35970"/>
-            <a:ext cx="647845" cy="215972"/>
-          </a:xfrm>
-          <a:prstGeom prst="rect">
-            <a:avLst/>
-          </a:prstGeom>
-        </p:spPr>
-        <p:style>
-          <a:lnRef idx="2">
-            <a:schemeClr val="accent4">
-              <a:shade val="50000"/>
-            </a:schemeClr>
-          </a:lnRef>
-          <a:fillRef idx="1">
-            <a:schemeClr val="accent4"/>
-          </a:fillRef>
-          <a:effectRef idx="0">
-            <a:schemeClr val="accent4"/>
-          </a:effectRef>
-          <a:fontRef idx="minor">
-            <a:schemeClr val="lt1"/>
-          </a:fontRef>
-        </p:style>
-        <p:txBody>
-          <a:bodyPr wrap="none" rtlCol="0" anchor="ctr"/>
-          <a:lstStyle/>
-          <a:p>
-            <a:pPr algn="ctr"/>
-            <a:r>
-              <a:rPr kumimoji="1" lang="ja-JP" altLang="en-US" sz="1200" b="1" dirty="0">
-                <a:solidFill>
-                  <a:schemeClr val="tx1"/>
-                </a:solidFill>
-              </a:rPr>
-              <a:t>東山線</a:t>
-            </a:r>
-          </a:p>
-        </p:txBody>
-      </p:sp>
-      <p:sp>
-        <p:nvSpPr>
-          <p:cNvPr id="178" name="正方形/長方形 177">
-            <a:extLst>
-              <a:ext uri="{FF2B5EF4-FFF2-40B4-BE49-F238E27FC236}">
-                <a16:creationId xmlns:a16="http://schemas.microsoft.com/office/drawing/2014/main" id="{F9E47D87-81AA-4E2E-8CB8-14AED802FED2}"/>
-              </a:ext>
-            </a:extLst>
-          </p:cNvPr>
-          <p:cNvSpPr/>
-          <p:nvPr/>
-        </p:nvSpPr>
-        <p:spPr>
-          <a:xfrm>
-            <a:off x="2664042" y="287938"/>
-            <a:ext cx="647845" cy="215972"/>
-          </a:xfrm>
-          <a:prstGeom prst="rect">
-            <a:avLst/>
-          </a:prstGeom>
-          <a:solidFill>
-            <a:srgbClr val="EEBEE8"/>
-          </a:solidFill>
-          <a:ln>
-            <a:solidFill>
-              <a:srgbClr val="9D4192"/>
-            </a:solidFill>
-          </a:ln>
-        </p:spPr>
-        <p:style>
-          <a:lnRef idx="2">
-            <a:schemeClr val="accent5">
-              <a:shade val="50000"/>
-            </a:schemeClr>
-          </a:lnRef>
-          <a:fillRef idx="1">
-            <a:schemeClr val="accent5"/>
-          </a:fillRef>
-          <a:effectRef idx="0">
-            <a:schemeClr val="accent5"/>
-          </a:effectRef>
-          <a:fontRef idx="minor">
-            <a:schemeClr val="lt1"/>
-          </a:fontRef>
-        </p:style>
-        <p:txBody>
-          <a:bodyPr wrap="none" rtlCol="0" anchor="ctr"/>
-          <a:lstStyle/>
-          <a:p>
-            <a:pPr algn="ctr"/>
-            <a:r>
-              <a:rPr kumimoji="1" lang="ja-JP" altLang="en-US" sz="1200" b="1" dirty="0">
-                <a:solidFill>
-                  <a:schemeClr val="tx1"/>
-                </a:solidFill>
-              </a:rPr>
-              <a:t>名城線</a:t>
-            </a:r>
-          </a:p>
-        </p:txBody>
-      </p:sp>
-      <p:sp>
-        <p:nvSpPr>
-          <p:cNvPr id="179" name="正方形/長方形 178">
-            <a:extLst>
-              <a:ext uri="{FF2B5EF4-FFF2-40B4-BE49-F238E27FC236}">
-                <a16:creationId xmlns:a16="http://schemas.microsoft.com/office/drawing/2014/main" id="{3BC4130D-F9D7-41E3-AA2D-2764AA2199FC}"/>
-              </a:ext>
-            </a:extLst>
-          </p:cNvPr>
-          <p:cNvSpPr/>
-          <p:nvPr/>
-        </p:nvSpPr>
-        <p:spPr>
-          <a:xfrm>
-            <a:off x="2664042" y="539906"/>
-            <a:ext cx="647845" cy="215972"/>
-          </a:xfrm>
-          <a:prstGeom prst="rect">
-            <a:avLst/>
-          </a:prstGeom>
-          <a:solidFill>
-            <a:schemeClr val="accent6">
-              <a:lumMod val="40000"/>
-              <a:lumOff val="60000"/>
-            </a:schemeClr>
-          </a:solidFill>
-        </p:spPr>
-        <p:style>
-          <a:lnRef idx="2">
-            <a:schemeClr val="accent6">
-              <a:shade val="50000"/>
-            </a:schemeClr>
-          </a:lnRef>
-          <a:fillRef idx="1">
-            <a:schemeClr val="accent6"/>
-          </a:fillRef>
-          <a:effectRef idx="0">
-            <a:schemeClr val="accent6"/>
-          </a:effectRef>
-          <a:fontRef idx="minor">
-            <a:schemeClr val="lt1"/>
-          </a:fontRef>
-        </p:style>
-        <p:txBody>
-          <a:bodyPr wrap="none" rtlCol="0" anchor="ctr"/>
-          <a:lstStyle/>
-          <a:p>
-            <a:pPr algn="ctr"/>
-            <a:r>
-              <a:rPr kumimoji="1" lang="ja-JP" altLang="en-US" sz="1200" b="1" dirty="0">
-                <a:solidFill>
-                  <a:schemeClr val="tx1"/>
-                </a:solidFill>
-              </a:rPr>
-              <a:t>名港線</a:t>
-            </a:r>
-          </a:p>
-        </p:txBody>
-      </p:sp>
-      <p:sp>
-        <p:nvSpPr>
-          <p:cNvPr id="180" name="正方形/長方形 179">
-            <a:extLst>
-              <a:ext uri="{FF2B5EF4-FFF2-40B4-BE49-F238E27FC236}">
-                <a16:creationId xmlns:a16="http://schemas.microsoft.com/office/drawing/2014/main" id="{22AE6F44-B86E-4FA6-8A9C-FD42CB25E03B}"/>
-              </a:ext>
-            </a:extLst>
-          </p:cNvPr>
-          <p:cNvSpPr/>
-          <p:nvPr/>
-        </p:nvSpPr>
-        <p:spPr>
-          <a:xfrm>
-            <a:off x="3347954" y="35970"/>
-            <a:ext cx="647845" cy="215972"/>
-          </a:xfrm>
-          <a:prstGeom prst="rect">
-            <a:avLst/>
-          </a:prstGeom>
-          <a:solidFill>
-            <a:srgbClr val="B6D8F6"/>
-          </a:solidFill>
-          <a:ln>
-            <a:solidFill>
-              <a:srgbClr val="2C72B2"/>
-            </a:solidFill>
-          </a:ln>
-        </p:spPr>
-        <p:style>
-          <a:lnRef idx="2">
-            <a:schemeClr val="accent5">
-              <a:shade val="50000"/>
-            </a:schemeClr>
-          </a:lnRef>
-          <a:fillRef idx="1">
-            <a:schemeClr val="accent5"/>
-          </a:fillRef>
-          <a:effectRef idx="0">
-            <a:schemeClr val="accent5"/>
-          </a:effectRef>
-          <a:fontRef idx="minor">
-            <a:schemeClr val="lt1"/>
-          </a:fontRef>
-        </p:style>
-        <p:txBody>
-          <a:bodyPr wrap="none" rtlCol="0" anchor="ctr"/>
-          <a:lstStyle/>
-          <a:p>
-            <a:pPr algn="ctr"/>
-            <a:r>
-              <a:rPr kumimoji="1" lang="ja-JP" altLang="en-US" sz="1200" b="1" dirty="0">
-                <a:solidFill>
-                  <a:schemeClr val="tx1"/>
-                </a:solidFill>
-              </a:rPr>
-              <a:t>鶴舞線</a:t>
-            </a:r>
-          </a:p>
-        </p:txBody>
-      </p:sp>
-      <p:sp>
-        <p:nvSpPr>
-          <p:cNvPr id="181" name="正方形/長方形 180">
-            <a:extLst>
-              <a:ext uri="{FF2B5EF4-FFF2-40B4-BE49-F238E27FC236}">
-                <a16:creationId xmlns:a16="http://schemas.microsoft.com/office/drawing/2014/main" id="{802E2800-865C-487D-8385-5FD69D0481C8}"/>
-              </a:ext>
-            </a:extLst>
-          </p:cNvPr>
-          <p:cNvSpPr/>
-          <p:nvPr/>
-        </p:nvSpPr>
-        <p:spPr>
-          <a:xfrm>
-            <a:off x="3347954" y="287938"/>
-            <a:ext cx="647917" cy="215972"/>
-          </a:xfrm>
-          <a:prstGeom prst="rect">
-            <a:avLst/>
-          </a:prstGeom>
-          <a:solidFill>
-            <a:srgbClr val="F8AEAE"/>
-          </a:solidFill>
-          <a:ln>
-            <a:solidFill>
-              <a:srgbClr val="AF2121"/>
-            </a:solidFill>
-          </a:ln>
-        </p:spPr>
-        <p:style>
-          <a:lnRef idx="2">
-            <a:schemeClr val="accent5">
-              <a:shade val="50000"/>
-            </a:schemeClr>
-          </a:lnRef>
-          <a:fillRef idx="1">
-            <a:schemeClr val="accent5"/>
-          </a:fillRef>
-          <a:effectRef idx="0">
-            <a:schemeClr val="accent5"/>
-          </a:effectRef>
-          <a:fontRef idx="minor">
-            <a:schemeClr val="lt1"/>
-          </a:fontRef>
-        </p:style>
-        <p:txBody>
-          <a:bodyPr wrap="none" rtlCol="0" anchor="ctr"/>
-          <a:lstStyle/>
-          <a:p>
-            <a:pPr algn="ctr"/>
-            <a:r>
-              <a:rPr kumimoji="1" lang="ja-JP" altLang="en-US" sz="1200" b="1" dirty="0">
-                <a:solidFill>
-                  <a:schemeClr val="tx1"/>
-                </a:solidFill>
-              </a:rPr>
-              <a:t>桜通線</a:t>
-            </a:r>
-          </a:p>
-        </p:txBody>
-      </p:sp>
-      <p:sp>
-        <p:nvSpPr>
-          <p:cNvPr id="182" name="正方形/長方形 181">
-            <a:extLst>
-              <a:ext uri="{FF2B5EF4-FFF2-40B4-BE49-F238E27FC236}">
-                <a16:creationId xmlns:a16="http://schemas.microsoft.com/office/drawing/2014/main" id="{4B513275-E7A4-426F-BBE4-54353CDFF2A6}"/>
-              </a:ext>
-            </a:extLst>
-          </p:cNvPr>
-          <p:cNvSpPr/>
-          <p:nvPr/>
-        </p:nvSpPr>
-        <p:spPr>
-          <a:xfrm>
-            <a:off x="3347954" y="539906"/>
-            <a:ext cx="647917" cy="215972"/>
-          </a:xfrm>
-          <a:prstGeom prst="rect">
-            <a:avLst/>
-          </a:prstGeom>
-          <a:solidFill>
-            <a:srgbClr val="FDE3E3"/>
-          </a:solidFill>
-          <a:ln>
-            <a:solidFill>
-              <a:srgbClr val="D93333"/>
-            </a:solidFill>
-          </a:ln>
-        </p:spPr>
-        <p:style>
-          <a:lnRef idx="2">
-            <a:schemeClr val="accent5">
-              <a:shade val="50000"/>
-            </a:schemeClr>
-          </a:lnRef>
-          <a:fillRef idx="1">
-            <a:schemeClr val="accent5"/>
-          </a:fillRef>
-          <a:effectRef idx="0">
-            <a:schemeClr val="accent5"/>
-          </a:effectRef>
-          <a:fontRef idx="minor">
-            <a:schemeClr val="lt1"/>
-          </a:fontRef>
-        </p:style>
-        <p:txBody>
-          <a:bodyPr wrap="none" rtlCol="0" anchor="ctr"/>
-          <a:lstStyle/>
-          <a:p>
-            <a:pPr algn="ctr"/>
-            <a:r>
-              <a:rPr kumimoji="1" lang="ja-JP" altLang="en-US" sz="1200" b="1" dirty="0">
-                <a:solidFill>
-                  <a:schemeClr val="tx1"/>
-                </a:solidFill>
-              </a:rPr>
-              <a:t>上飯田線</a:t>
-            </a:r>
-          </a:p>
-        </p:txBody>
-      </p:sp>
-      <p:sp>
-        <p:nvSpPr>
-          <p:cNvPr id="2" name="テキスト ボックス 1">
-            <a:extLst>
-              <a:ext uri="{FF2B5EF4-FFF2-40B4-BE49-F238E27FC236}">
-                <a16:creationId xmlns:a16="http://schemas.microsoft.com/office/drawing/2014/main" id="{AB0C95F4-852A-4B02-AED6-39EBB59326B1}"/>
-              </a:ext>
-            </a:extLst>
-          </p:cNvPr>
-          <p:cNvSpPr txBox="1"/>
-          <p:nvPr/>
-        </p:nvSpPr>
-        <p:spPr>
-          <a:xfrm>
-            <a:off x="36379" y="2015716"/>
-            <a:ext cx="1115649" cy="646331"/>
-          </a:xfrm>
-          <a:prstGeom prst="rect">
-            <a:avLst/>
-          </a:prstGeom>
-          <a:solidFill>
-            <a:schemeClr val="bg1">
-              <a:lumMod val="95000"/>
-            </a:schemeClr>
-          </a:solidFill>
-          <a:ln>
-            <a:solidFill>
-              <a:schemeClr val="tx1"/>
-            </a:solidFill>
-          </a:ln>
-        </p:spPr>
-        <p:txBody>
-          <a:bodyPr wrap="square" rtlCol="0">
-            <a:spAutoFit/>
-          </a:bodyPr>
-          <a:lstStyle/>
-          <a:p>
-            <a:r>
-              <a:rPr kumimoji="1" lang="ja-JP" altLang="en-US" sz="1200" dirty="0"/>
-              <a:t>パターン</a:t>
-            </a:r>
-            <a:r>
-              <a:rPr kumimoji="1" lang="en-US" altLang="ja-JP" sz="1200" dirty="0"/>
-              <a:t>1</a:t>
-            </a:r>
-            <a:br>
-              <a:rPr kumimoji="1" lang="en-US" altLang="ja-JP" sz="1200" dirty="0"/>
-            </a:br>
-            <a:r>
-              <a:rPr kumimoji="1" lang="ja-JP" altLang="en-US" sz="1200" dirty="0"/>
-              <a:t>制約</a:t>
-            </a:r>
-            <a:r>
-              <a:rPr kumimoji="1" lang="en-US" altLang="ja-JP" sz="1200" dirty="0"/>
-              <a:t>1</a:t>
-            </a:r>
-            <a:r>
-              <a:rPr kumimoji="1" lang="ja-JP" altLang="en-US" sz="1200" dirty="0"/>
-              <a:t>のみ</a:t>
-            </a:r>
-            <a:br>
-              <a:rPr kumimoji="1" lang="en-US" altLang="ja-JP" sz="1200" dirty="0"/>
-            </a:br>
-            <a:r>
-              <a:rPr kumimoji="1" lang="ja-JP" altLang="en-US" sz="1200" dirty="0"/>
-              <a:t>距離：</a:t>
-            </a:r>
-            <a:r>
-              <a:rPr kumimoji="1" lang="en-US" altLang="ja-JP" sz="1200" dirty="0"/>
-              <a:t>50.5km</a:t>
-            </a:r>
-            <a:endParaRPr kumimoji="1" lang="ja-JP" altLang="en-US" sz="1200" dirty="0"/>
           </a:p>
         </p:txBody>
       </p:sp>

--- a/nagoya-subway.pptx
+++ b/nagoya-subway.pptx
@@ -251,7 +251,7 @@
           <a:p>
             <a:fld id="{A025DA4D-8B6B-49D7-98BD-5C209811E027}" type="datetimeFigureOut">
               <a:rPr kumimoji="1" lang="ja-JP" altLang="en-US" smtClean="0"/>
-              <a:t>2021/6/13</a:t>
+              <a:t>2021/6/14</a:t>
             </a:fld>
             <a:endParaRPr kumimoji="1" lang="ja-JP" altLang="en-US"/>
           </a:p>
@@ -453,7 +453,7 @@
           <a:p>
             <a:fld id="{A025DA4D-8B6B-49D7-98BD-5C209811E027}" type="datetimeFigureOut">
               <a:rPr kumimoji="1" lang="ja-JP" altLang="en-US" smtClean="0"/>
-              <a:t>2021/6/13</a:t>
+              <a:t>2021/6/14</a:t>
             </a:fld>
             <a:endParaRPr kumimoji="1" lang="ja-JP" altLang="en-US"/>
           </a:p>
@@ -665,7 +665,7 @@
           <a:p>
             <a:fld id="{A025DA4D-8B6B-49D7-98BD-5C209811E027}" type="datetimeFigureOut">
               <a:rPr kumimoji="1" lang="ja-JP" altLang="en-US" smtClean="0"/>
-              <a:t>2021/6/13</a:t>
+              <a:t>2021/6/14</a:t>
             </a:fld>
             <a:endParaRPr kumimoji="1" lang="ja-JP" altLang="en-US"/>
           </a:p>
@@ -867,7 +867,7 @@
           <a:p>
             <a:fld id="{A025DA4D-8B6B-49D7-98BD-5C209811E027}" type="datetimeFigureOut">
               <a:rPr kumimoji="1" lang="ja-JP" altLang="en-US" smtClean="0"/>
-              <a:t>2021/6/13</a:t>
+              <a:t>2021/6/14</a:t>
             </a:fld>
             <a:endParaRPr kumimoji="1" lang="ja-JP" altLang="en-US"/>
           </a:p>
@@ -1111,7 +1111,7 @@
           <a:p>
             <a:fld id="{A025DA4D-8B6B-49D7-98BD-5C209811E027}" type="datetimeFigureOut">
               <a:rPr kumimoji="1" lang="ja-JP" altLang="en-US" smtClean="0"/>
-              <a:t>2021/6/13</a:t>
+              <a:t>2021/6/14</a:t>
             </a:fld>
             <a:endParaRPr kumimoji="1" lang="ja-JP" altLang="en-US"/>
           </a:p>
@@ -1407,7 +1407,7 @@
           <a:p>
             <a:fld id="{A025DA4D-8B6B-49D7-98BD-5C209811E027}" type="datetimeFigureOut">
               <a:rPr kumimoji="1" lang="ja-JP" altLang="en-US" smtClean="0"/>
-              <a:t>2021/6/13</a:t>
+              <a:t>2021/6/14</a:t>
             </a:fld>
             <a:endParaRPr kumimoji="1" lang="ja-JP" altLang="en-US"/>
           </a:p>
@@ -1838,7 +1838,7 @@
           <a:p>
             <a:fld id="{A025DA4D-8B6B-49D7-98BD-5C209811E027}" type="datetimeFigureOut">
               <a:rPr kumimoji="1" lang="ja-JP" altLang="en-US" smtClean="0"/>
-              <a:t>2021/6/13</a:t>
+              <a:t>2021/6/14</a:t>
             </a:fld>
             <a:endParaRPr kumimoji="1" lang="ja-JP" altLang="en-US"/>
           </a:p>
@@ -1956,7 +1956,7 @@
           <a:p>
             <a:fld id="{A025DA4D-8B6B-49D7-98BD-5C209811E027}" type="datetimeFigureOut">
               <a:rPr kumimoji="1" lang="ja-JP" altLang="en-US" smtClean="0"/>
-              <a:t>2021/6/13</a:t>
+              <a:t>2021/6/14</a:t>
             </a:fld>
             <a:endParaRPr kumimoji="1" lang="ja-JP" altLang="en-US"/>
           </a:p>
@@ -2051,7 +2051,7 @@
           <a:p>
             <a:fld id="{A025DA4D-8B6B-49D7-98BD-5C209811E027}" type="datetimeFigureOut">
               <a:rPr kumimoji="1" lang="ja-JP" altLang="en-US" smtClean="0"/>
-              <a:t>2021/6/13</a:t>
+              <a:t>2021/6/14</a:t>
             </a:fld>
             <a:endParaRPr kumimoji="1" lang="ja-JP" altLang="en-US"/>
           </a:p>
@@ -2360,7 +2360,7 @@
           <a:p>
             <a:fld id="{A025DA4D-8B6B-49D7-98BD-5C209811E027}" type="datetimeFigureOut">
               <a:rPr kumimoji="1" lang="ja-JP" altLang="en-US" smtClean="0"/>
-              <a:t>2021/6/13</a:t>
+              <a:t>2021/6/14</a:t>
             </a:fld>
             <a:endParaRPr kumimoji="1" lang="ja-JP" altLang="en-US"/>
           </a:p>
@@ -2617,7 +2617,7 @@
           <a:p>
             <a:fld id="{A025DA4D-8B6B-49D7-98BD-5C209811E027}" type="datetimeFigureOut">
               <a:rPr kumimoji="1" lang="ja-JP" altLang="en-US" smtClean="0"/>
-              <a:t>2021/6/13</a:t>
+              <a:t>2021/6/14</a:t>
             </a:fld>
             <a:endParaRPr kumimoji="1" lang="ja-JP" altLang="en-US"/>
           </a:p>
@@ -2862,7 +2862,7 @@
           <a:p>
             <a:fld id="{A025DA4D-8B6B-49D7-98BD-5C209811E027}" type="datetimeFigureOut">
               <a:rPr kumimoji="1" lang="ja-JP" altLang="en-US" smtClean="0"/>
-              <a:t>2021/6/13</a:t>
+              <a:t>2021/6/14</a:t>
             </a:fld>
             <a:endParaRPr kumimoji="1" lang="ja-JP" altLang="en-US"/>
           </a:p>
@@ -3645,7 +3645,7 @@
                   <a:schemeClr val="tx1"/>
                 </a:solidFill>
               </a:rPr>
-              <a:t>25</a:t>
+              <a:t>35</a:t>
             </a:r>
             <a:endParaRPr kumimoji="1" lang="ja-JP" altLang="en-US" sz="1200" b="1" dirty="0">
               <a:solidFill>
@@ -7732,7 +7732,7 @@
                   </a:schemeClr>
                 </a:solidFill>
               </a:rPr>
-              <a:t>25</a:t>
+              <a:t>35</a:t>
             </a:r>
             <a:endParaRPr kumimoji="1" lang="ja-JP" altLang="en-US" sz="1200" b="1" dirty="0">
               <a:solidFill>
@@ -12289,7 +12289,7 @@
                   <a:schemeClr val="tx1"/>
                 </a:solidFill>
               </a:rPr>
-              <a:t>25</a:t>
+              <a:t>35</a:t>
             </a:r>
             <a:endParaRPr kumimoji="1" lang="ja-JP" altLang="en-US" sz="1200" b="1" dirty="0">
               <a:solidFill>
@@ -15740,7 +15740,7 @@
                   <a:schemeClr val="tx1"/>
                 </a:solidFill>
               </a:rPr>
-              <a:t>25</a:t>
+              <a:t>35</a:t>
             </a:r>
             <a:endParaRPr kumimoji="1" lang="ja-JP" altLang="en-US" sz="1200" b="1" dirty="0">
               <a:solidFill>
@@ -20195,7 +20195,7 @@
                   <a:schemeClr val="tx1"/>
                 </a:solidFill>
               </a:rPr>
-              <a:t>25</a:t>
+              <a:t>35</a:t>
             </a:r>
             <a:endParaRPr kumimoji="1" lang="ja-JP" altLang="en-US" sz="1200" b="1" dirty="0">
               <a:solidFill>
@@ -24228,7 +24228,7 @@
                   <a:schemeClr val="tx1"/>
                 </a:solidFill>
               </a:rPr>
-              <a:t>25</a:t>
+              <a:t>35</a:t>
             </a:r>
             <a:endParaRPr kumimoji="1" lang="ja-JP" altLang="en-US" sz="1200" b="1" dirty="0">
               <a:solidFill>
@@ -28165,7 +28165,7 @@
                   <a:schemeClr val="tx1"/>
                 </a:solidFill>
               </a:rPr>
-              <a:t>25</a:t>
+              <a:t>35</a:t>
             </a:r>
             <a:endParaRPr kumimoji="1" lang="ja-JP" altLang="en-US" sz="1200" b="1" dirty="0">
               <a:solidFill>
@@ -32114,7 +32114,7 @@
                   <a:schemeClr val="tx1"/>
                 </a:solidFill>
               </a:rPr>
-              <a:t>25</a:t>
+              <a:t>35</a:t>
             </a:r>
             <a:endParaRPr kumimoji="1" lang="ja-JP" altLang="en-US" sz="1200" b="1" dirty="0">
               <a:solidFill>
@@ -36093,7 +36093,7 @@
                   <a:schemeClr val="tx1"/>
                 </a:solidFill>
               </a:rPr>
-              <a:t>25</a:t>
+              <a:t>35</a:t>
             </a:r>
             <a:endParaRPr kumimoji="1" lang="ja-JP" altLang="en-US" sz="1200" b="1" dirty="0">
               <a:solidFill>
